--- a/Document/GamePlanning.pptx
+++ b/Document/GamePlanning.pptx
@@ -5,7 +5,7 @@
     <p:sldMasterId id="2147483744" r:id="rId1"/>
   </p:sldMasterIdLst>
   <p:notesMasterIdLst>
-    <p:notesMasterId r:id="rId28"/>
+    <p:notesMasterId r:id="rId31"/>
   </p:notesMasterIdLst>
   <p:sldIdLst>
     <p:sldId id="256" r:id="rId2"/>
@@ -34,6 +34,9 @@
     <p:sldId id="279" r:id="rId25"/>
     <p:sldId id="282" r:id="rId26"/>
     <p:sldId id="284" r:id="rId27"/>
+    <p:sldId id="285" r:id="rId28"/>
+    <p:sldId id="287" r:id="rId29"/>
+    <p:sldId id="286" r:id="rId30"/>
   </p:sldIdLst>
   <p:sldSz cx="9144000" cy="6858000" type="screen4x3"/>
   <p:notesSz cx="6858000" cy="9144000"/>
@@ -217,7 +220,7 @@
           <a:p>
             <a:fld id="{ABD8FC6E-CD95-4BF0-9719-DDBA9D352F9C}" type="datetimeFigureOut">
               <a:rPr kumimoji="1" lang="ja-JP" altLang="en-US" smtClean="0"/>
-              <a:t>2013/4/23</a:t>
+              <a:t>2013/4/24</a:t>
             </a:fld>
             <a:endParaRPr kumimoji="1" lang="ja-JP" altLang="en-US"/>
           </a:p>
@@ -853,6 +856,90 @@
 </p:notes>
 </file>
 
+<file path=ppt/notesSlides/notesSlide5.xml><?xml version="1.0" encoding="utf-8"?>
+<p:notes xmlns:a="http://schemas.openxmlformats.org/drawingml/2006/main" xmlns:r="http://schemas.openxmlformats.org/officeDocument/2006/relationships" xmlns:p="http://schemas.openxmlformats.org/presentationml/2006/main">
+  <p:cSld>
+    <p:spTree>
+      <p:nvGrpSpPr>
+        <p:cNvPr id="1" name=""/>
+        <p:cNvGrpSpPr/>
+        <p:nvPr/>
+      </p:nvGrpSpPr>
+      <p:grpSpPr>
+        <a:xfrm>
+          <a:off x="0" y="0"/>
+          <a:ext cx="0" cy="0"/>
+          <a:chOff x="0" y="0"/>
+          <a:chExt cx="0" cy="0"/>
+        </a:xfrm>
+      </p:grpSpPr>
+      <p:sp>
+        <p:nvSpPr>
+          <p:cNvPr id="2" name="スライド イメージ プレースホルダー 1"/>
+          <p:cNvSpPr>
+            <a:spLocks noGrp="1" noRot="1" noChangeAspect="1"/>
+          </p:cNvSpPr>
+          <p:nvPr>
+            <p:ph type="sldImg"/>
+          </p:nvPr>
+        </p:nvSpPr>
+        <p:spPr/>
+      </p:sp>
+      <p:sp>
+        <p:nvSpPr>
+          <p:cNvPr id="3" name="ノート プレースホルダー 2"/>
+          <p:cNvSpPr>
+            <a:spLocks noGrp="1"/>
+          </p:cNvSpPr>
+          <p:nvPr>
+            <p:ph type="body" idx="1"/>
+          </p:nvPr>
+        </p:nvSpPr>
+        <p:spPr/>
+        <p:txBody>
+          <a:bodyPr/>
+          <a:lstStyle/>
+          <a:p>
+            <a:endParaRPr kumimoji="1" lang="ja-JP" altLang="en-US" dirty="0"/>
+          </a:p>
+        </p:txBody>
+      </p:sp>
+      <p:sp>
+        <p:nvSpPr>
+          <p:cNvPr id="4" name="スライド番号プレースホルダー 3"/>
+          <p:cNvSpPr>
+            <a:spLocks noGrp="1"/>
+          </p:cNvSpPr>
+          <p:nvPr>
+            <p:ph type="sldNum" sz="quarter" idx="10"/>
+          </p:nvPr>
+        </p:nvSpPr>
+        <p:spPr/>
+        <p:txBody>
+          <a:bodyPr/>
+          <a:lstStyle/>
+          <a:p>
+            <a:fld id="{E3AA062A-C5CF-4C2D-BFF6-CBE80105CC38}" type="slidenum">
+              <a:rPr kumimoji="1" lang="ja-JP" altLang="en-US" smtClean="0"/>
+              <a:t>29</a:t>
+            </a:fld>
+            <a:endParaRPr kumimoji="1" lang="ja-JP" altLang="en-US"/>
+          </a:p>
+        </p:txBody>
+      </p:sp>
+    </p:spTree>
+    <p:extLst>
+      <p:ext uri="{BB962C8B-B14F-4D97-AF65-F5344CB8AC3E}">
+        <p14:creationId xmlns:p14="http://schemas.microsoft.com/office/powerpoint/2010/main" val="2276956285"/>
+      </p:ext>
+    </p:extLst>
+  </p:cSld>
+  <p:clrMapOvr>
+    <a:masterClrMapping/>
+  </p:clrMapOvr>
+</p:notes>
+</file>
+
 <file path=ppt/slideLayouts/slideLayout1.xml><?xml version="1.0" encoding="utf-8"?>
 <p:sldLayout xmlns:a="http://schemas.openxmlformats.org/drawingml/2006/main" xmlns:r="http://schemas.openxmlformats.org/officeDocument/2006/relationships" xmlns:p="http://schemas.openxmlformats.org/presentationml/2006/main" type="title" preserve="1">
   <p:cSld name="タイトル スライド">
@@ -1034,7 +1121,7 @@
           <a:p>
             <a:fld id="{08F6D5AD-4746-4BEC-A91B-D60F9A195197}" type="datetimeFigureOut">
               <a:rPr kumimoji="1" lang="ja-JP" altLang="en-US" smtClean="0"/>
-              <a:t>2013/4/23</a:t>
+              <a:t>2013/4/24</a:t>
             </a:fld>
             <a:endParaRPr kumimoji="1" lang="ja-JP" altLang="en-US"/>
           </a:p>
@@ -1236,7 +1323,7 @@
           <a:p>
             <a:fld id="{08F6D5AD-4746-4BEC-A91B-D60F9A195197}" type="datetimeFigureOut">
               <a:rPr kumimoji="1" lang="ja-JP" altLang="en-US" smtClean="0"/>
-              <a:t>2013/4/23</a:t>
+              <a:t>2013/4/24</a:t>
             </a:fld>
             <a:endParaRPr kumimoji="1" lang="ja-JP" altLang="en-US"/>
           </a:p>
@@ -1448,7 +1535,7 @@
           <a:p>
             <a:fld id="{08F6D5AD-4746-4BEC-A91B-D60F9A195197}" type="datetimeFigureOut">
               <a:rPr kumimoji="1" lang="ja-JP" altLang="en-US" smtClean="0"/>
-              <a:t>2013/4/23</a:t>
+              <a:t>2013/4/24</a:t>
             </a:fld>
             <a:endParaRPr kumimoji="1" lang="ja-JP" altLang="en-US"/>
           </a:p>
@@ -1650,7 +1737,7 @@
           <a:p>
             <a:fld id="{08F6D5AD-4746-4BEC-A91B-D60F9A195197}" type="datetimeFigureOut">
               <a:rPr kumimoji="1" lang="ja-JP" altLang="en-US" smtClean="0"/>
-              <a:t>2013/4/23</a:t>
+              <a:t>2013/4/24</a:t>
             </a:fld>
             <a:endParaRPr kumimoji="1" lang="ja-JP" altLang="en-US"/>
           </a:p>
@@ -1896,7 +1983,7 @@
           <a:p>
             <a:fld id="{08F6D5AD-4746-4BEC-A91B-D60F9A195197}" type="datetimeFigureOut">
               <a:rPr kumimoji="1" lang="ja-JP" altLang="en-US" smtClean="0"/>
-              <a:t>2013/4/23</a:t>
+              <a:t>2013/4/24</a:t>
             </a:fld>
             <a:endParaRPr kumimoji="1" lang="ja-JP" altLang="en-US"/>
           </a:p>
@@ -2248,7 +2335,7 @@
           <a:p>
             <a:fld id="{08F6D5AD-4746-4BEC-A91B-D60F9A195197}" type="datetimeFigureOut">
               <a:rPr kumimoji="1" lang="ja-JP" altLang="en-US" smtClean="0"/>
-              <a:t>2013/4/23</a:t>
+              <a:t>2013/4/24</a:t>
             </a:fld>
             <a:endParaRPr kumimoji="1" lang="ja-JP" altLang="en-US"/>
           </a:p>
@@ -2734,7 +2821,7 @@
           <a:p>
             <a:fld id="{08F6D5AD-4746-4BEC-A91B-D60F9A195197}" type="datetimeFigureOut">
               <a:rPr kumimoji="1" lang="ja-JP" altLang="en-US" smtClean="0"/>
-              <a:t>2013/4/23</a:t>
+              <a:t>2013/4/24</a:t>
             </a:fld>
             <a:endParaRPr kumimoji="1" lang="ja-JP" altLang="en-US"/>
           </a:p>
@@ -2852,7 +2939,7 @@
           <a:p>
             <a:fld id="{08F6D5AD-4746-4BEC-A91B-D60F9A195197}" type="datetimeFigureOut">
               <a:rPr kumimoji="1" lang="ja-JP" altLang="en-US" smtClean="0"/>
-              <a:t>2013/4/23</a:t>
+              <a:t>2013/4/24</a:t>
             </a:fld>
             <a:endParaRPr kumimoji="1" lang="ja-JP" altLang="en-US"/>
           </a:p>
@@ -2947,7 +3034,7 @@
           <a:p>
             <a:fld id="{08F6D5AD-4746-4BEC-A91B-D60F9A195197}" type="datetimeFigureOut">
               <a:rPr kumimoji="1" lang="ja-JP" altLang="en-US" smtClean="0"/>
-              <a:t>2013/4/23</a:t>
+              <a:t>2013/4/24</a:t>
             </a:fld>
             <a:endParaRPr kumimoji="1" lang="ja-JP" altLang="en-US"/>
           </a:p>
@@ -3256,7 +3343,7 @@
           <a:p>
             <a:fld id="{08F6D5AD-4746-4BEC-A91B-D60F9A195197}" type="datetimeFigureOut">
               <a:rPr kumimoji="1" lang="ja-JP" altLang="en-US" smtClean="0"/>
-              <a:t>2013/4/23</a:t>
+              <a:t>2013/4/24</a:t>
             </a:fld>
             <a:endParaRPr kumimoji="1" lang="ja-JP" altLang="en-US"/>
           </a:p>
@@ -3509,7 +3596,7 @@
           <a:p>
             <a:fld id="{08F6D5AD-4746-4BEC-A91B-D60F9A195197}" type="datetimeFigureOut">
               <a:rPr kumimoji="1" lang="ja-JP" altLang="en-US" smtClean="0"/>
-              <a:t>2013/4/23</a:t>
+              <a:t>2013/4/24</a:t>
             </a:fld>
             <a:endParaRPr kumimoji="1" lang="ja-JP" altLang="en-US"/>
           </a:p>
@@ -3754,7 +3841,7 @@
           <a:p>
             <a:fld id="{08F6D5AD-4746-4BEC-A91B-D60F9A195197}" type="datetimeFigureOut">
               <a:rPr kumimoji="1" lang="ja-JP" altLang="en-US" smtClean="0"/>
-              <a:t>2013/4/23</a:t>
+              <a:t>2013/4/24</a:t>
             </a:fld>
             <a:endParaRPr kumimoji="1" lang="ja-JP" altLang="en-US"/>
           </a:p>
@@ -6982,7 +7069,7 @@
         </p:nvGrpSpPr>
         <p:grpSpPr>
           <a:xfrm>
-            <a:off x="5544108" y="5652241"/>
+            <a:off x="5544108" y="5733256"/>
             <a:ext cx="2988332" cy="729087"/>
             <a:chOff x="5544108" y="5652241"/>
             <a:chExt cx="2988332" cy="729087"/>
@@ -21982,12 +22069,8 @@
               <a:t>磁界</a:t>
             </a:r>
             <a:r>
-              <a:rPr lang="ja-JP" altLang="en-US" dirty="0"/>
-              <a:t>発生中</a:t>
-            </a:r>
-            <a:r>
               <a:rPr lang="ja-JP" altLang="en-US" dirty="0" smtClean="0"/>
-              <a:t>はカーソル移動不可</a:t>
+              <a:t>発生後、カーソルを移動しても磁界は移動しない</a:t>
             </a:r>
             <a:endParaRPr lang="en-US" altLang="ja-JP" dirty="0" smtClean="0"/>
           </a:p>
@@ -22487,7 +22570,7 @@
         </p:nvGrpSpPr>
         <p:grpSpPr>
           <a:xfrm>
-            <a:off x="4932040" y="1577418"/>
+            <a:off x="4932039" y="1594763"/>
             <a:ext cx="3308132" cy="3966750"/>
             <a:chOff x="1897464" y="1118434"/>
             <a:chExt cx="4516687" cy="5415917"/>
@@ -22806,7 +22889,7 @@
         </p:nvGrpSpPr>
         <p:grpSpPr>
           <a:xfrm rot="2381530">
-            <a:off x="1167773" y="4029066"/>
+            <a:off x="1214595" y="3879601"/>
             <a:ext cx="468052" cy="624069"/>
             <a:chOff x="611560" y="404664"/>
             <a:chExt cx="648072" cy="864096"/>
@@ -23127,6 +23210,1046 @@
     <p:extLst>
       <p:ext uri="{BB962C8B-B14F-4D97-AF65-F5344CB8AC3E}">
         <p14:creationId xmlns:p14="http://schemas.microsoft.com/office/powerpoint/2010/main" val="3600514890"/>
+      </p:ext>
+    </p:extLst>
+  </p:cSld>
+  <p:clrMapOvr>
+    <a:masterClrMapping/>
+  </p:clrMapOvr>
+</p:sld>
+</file>
+
+<file path=ppt/slides/slide27.xml><?xml version="1.0" encoding="utf-8"?>
+<p:sld xmlns:a="http://schemas.openxmlformats.org/drawingml/2006/main" xmlns:r="http://schemas.openxmlformats.org/officeDocument/2006/relationships" xmlns:p="http://schemas.openxmlformats.org/presentationml/2006/main">
+  <p:cSld>
+    <p:spTree>
+      <p:nvGrpSpPr>
+        <p:cNvPr id="1" name=""/>
+        <p:cNvGrpSpPr/>
+        <p:nvPr/>
+      </p:nvGrpSpPr>
+      <p:grpSpPr>
+        <a:xfrm>
+          <a:off x="0" y="0"/>
+          <a:ext cx="0" cy="0"/>
+          <a:chOff x="0" y="0"/>
+          <a:chExt cx="0" cy="0"/>
+        </a:xfrm>
+      </p:grpSpPr>
+      <p:sp>
+        <p:nvSpPr>
+          <p:cNvPr id="2" name="タイトル 1"/>
+          <p:cNvSpPr>
+            <a:spLocks noGrp="1"/>
+          </p:cNvSpPr>
+          <p:nvPr>
+            <p:ph type="title"/>
+          </p:nvPr>
+        </p:nvSpPr>
+        <p:spPr>
+          <a:xfrm>
+            <a:off x="457200" y="274638"/>
+            <a:ext cx="8229600" cy="778098"/>
+          </a:xfrm>
+        </p:spPr>
+        <p:txBody>
+          <a:bodyPr/>
+          <a:lstStyle/>
+          <a:p>
+            <a:r>
+              <a:rPr kumimoji="1" lang="ja-JP" altLang="en-US" dirty="0" smtClean="0"/>
+              <a:t>４／２４</a:t>
+            </a:r>
+            <a:endParaRPr kumimoji="1" lang="ja-JP" altLang="en-US" dirty="0"/>
+          </a:p>
+        </p:txBody>
+      </p:sp>
+      <p:sp>
+        <p:nvSpPr>
+          <p:cNvPr id="4" name="テキスト ボックス 3"/>
+          <p:cNvSpPr txBox="1"/>
+          <p:nvPr/>
+        </p:nvSpPr>
+        <p:spPr>
+          <a:xfrm>
+            <a:off x="1182398" y="980728"/>
+            <a:ext cx="6773978" cy="646331"/>
+          </a:xfrm>
+          <a:prstGeom prst="rect">
+            <a:avLst/>
+          </a:prstGeom>
+          <a:noFill/>
+          <a:ln w="28575">
+            <a:solidFill>
+              <a:schemeClr val="tx1"/>
+            </a:solidFill>
+          </a:ln>
+        </p:spPr>
+        <p:txBody>
+          <a:bodyPr wrap="square" rtlCol="0">
+            <a:spAutoFit/>
+          </a:bodyPr>
+          <a:lstStyle/>
+          <a:p>
+            <a:r>
+              <a:rPr kumimoji="1" lang="ja-JP" altLang="en-US" dirty="0" smtClean="0"/>
+              <a:t>～課題～</a:t>
+            </a:r>
+            <a:endParaRPr kumimoji="1" lang="en-US" altLang="ja-JP" dirty="0" smtClean="0"/>
+          </a:p>
+          <a:p>
+            <a:r>
+              <a:rPr kumimoji="1" lang="ja-JP" altLang="en-US" dirty="0" smtClean="0"/>
+              <a:t>追加要素</a:t>
+            </a:r>
+            <a:r>
+              <a:rPr kumimoji="1" lang="en-US" altLang="ja-JP" dirty="0" smtClean="0"/>
+              <a:t>(</a:t>
+            </a:r>
+            <a:r>
+              <a:rPr kumimoji="1" lang="ja-JP" altLang="en-US" dirty="0" smtClean="0"/>
+              <a:t>即死につながる、または回避できるもの</a:t>
+            </a:r>
+            <a:r>
+              <a:rPr kumimoji="1" lang="en-US" altLang="ja-JP" dirty="0" smtClean="0"/>
+              <a:t>)</a:t>
+            </a:r>
+          </a:p>
+        </p:txBody>
+      </p:sp>
+      <p:sp>
+        <p:nvSpPr>
+          <p:cNvPr id="7" name="テキスト ボックス 6"/>
+          <p:cNvSpPr txBox="1"/>
+          <p:nvPr/>
+        </p:nvSpPr>
+        <p:spPr>
+          <a:xfrm>
+            <a:off x="1187624" y="2060848"/>
+            <a:ext cx="6768752" cy="2031325"/>
+          </a:xfrm>
+          <a:prstGeom prst="rect">
+            <a:avLst/>
+          </a:prstGeom>
+          <a:noFill/>
+          <a:ln w="28575">
+            <a:solidFill>
+              <a:schemeClr val="tx1"/>
+            </a:solidFill>
+          </a:ln>
+        </p:spPr>
+        <p:txBody>
+          <a:bodyPr wrap="square" rtlCol="0">
+            <a:spAutoFit/>
+          </a:bodyPr>
+          <a:lstStyle/>
+          <a:p>
+            <a:r>
+              <a:rPr kumimoji="1" lang="ja-JP" altLang="en-US" dirty="0" smtClean="0"/>
+              <a:t>～案～</a:t>
+            </a:r>
+            <a:endParaRPr kumimoji="1" lang="en-US" altLang="ja-JP" dirty="0" smtClean="0"/>
+          </a:p>
+          <a:p>
+            <a:r>
+              <a:rPr lang="ja-JP" altLang="en-US" dirty="0" smtClean="0"/>
+              <a:t>・磁界発生にはエネルギーが必要</a:t>
+            </a:r>
+            <a:endParaRPr lang="en-US" altLang="ja-JP" dirty="0" smtClean="0"/>
+          </a:p>
+          <a:p>
+            <a:r>
+              <a:rPr kumimoji="1" lang="ja-JP" altLang="en-US" dirty="0" smtClean="0"/>
+              <a:t>・エネルギーは時間経過で回復＆アイテム取得</a:t>
+            </a:r>
+            <a:endParaRPr kumimoji="1" lang="en-US" altLang="ja-JP" dirty="0" smtClean="0"/>
+          </a:p>
+          <a:p>
+            <a:r>
+              <a:rPr kumimoji="1" lang="ja-JP" altLang="en-US" dirty="0" smtClean="0"/>
+              <a:t>・発生中エネルギーを消費＋自機に対する影響で消費</a:t>
+            </a:r>
+            <a:endParaRPr kumimoji="1" lang="en-US" altLang="ja-JP" dirty="0" smtClean="0"/>
+          </a:p>
+          <a:p>
+            <a:r>
+              <a:rPr lang="ja-JP" altLang="en-US" dirty="0" smtClean="0"/>
+              <a:t>・エネルギーが無くなると一定時間使えなくなる（リロード時間）</a:t>
+            </a:r>
+            <a:endParaRPr lang="en-US" altLang="ja-JP" dirty="0" smtClean="0"/>
+          </a:p>
+          <a:p>
+            <a:r>
+              <a:rPr kumimoji="1" lang="ja-JP" altLang="en-US" dirty="0" smtClean="0"/>
+              <a:t>・リロード中はアイテムを回収できない</a:t>
+            </a:r>
+            <a:endParaRPr kumimoji="1" lang="en-US" altLang="ja-JP" dirty="0" smtClean="0"/>
+          </a:p>
+          <a:p>
+            <a:r>
+              <a:rPr lang="ja-JP" altLang="en-US" dirty="0" smtClean="0"/>
+              <a:t>・敵に磁界を持たせる</a:t>
+            </a:r>
+            <a:endParaRPr kumimoji="1" lang="en-US" altLang="ja-JP" dirty="0" smtClean="0"/>
+          </a:p>
+        </p:txBody>
+      </p:sp>
+    </p:spTree>
+    <p:extLst>
+      <p:ext uri="{BB962C8B-B14F-4D97-AF65-F5344CB8AC3E}">
+        <p14:creationId xmlns:p14="http://schemas.microsoft.com/office/powerpoint/2010/main" val="3931194724"/>
+      </p:ext>
+    </p:extLst>
+  </p:cSld>
+  <p:clrMapOvr>
+    <a:masterClrMapping/>
+  </p:clrMapOvr>
+</p:sld>
+</file>
+
+<file path=ppt/slides/slide28.xml><?xml version="1.0" encoding="utf-8"?>
+<p:sld xmlns:a="http://schemas.openxmlformats.org/drawingml/2006/main" xmlns:r="http://schemas.openxmlformats.org/officeDocument/2006/relationships" xmlns:p="http://schemas.openxmlformats.org/presentationml/2006/main">
+  <p:cSld>
+    <p:spTree>
+      <p:nvGrpSpPr>
+        <p:cNvPr id="1" name=""/>
+        <p:cNvGrpSpPr/>
+        <p:nvPr/>
+      </p:nvGrpSpPr>
+      <p:grpSpPr>
+        <a:xfrm>
+          <a:off x="0" y="0"/>
+          <a:ext cx="0" cy="0"/>
+          <a:chOff x="0" y="0"/>
+          <a:chExt cx="0" cy="0"/>
+        </a:xfrm>
+      </p:grpSpPr>
+      <p:sp>
+        <p:nvSpPr>
+          <p:cNvPr id="4" name="テキスト ボックス 3"/>
+          <p:cNvSpPr txBox="1"/>
+          <p:nvPr/>
+        </p:nvSpPr>
+        <p:spPr>
+          <a:xfrm>
+            <a:off x="1115616" y="931175"/>
+            <a:ext cx="6773978" cy="4801314"/>
+          </a:xfrm>
+          <a:prstGeom prst="rect">
+            <a:avLst/>
+          </a:prstGeom>
+          <a:noFill/>
+          <a:ln w="28575">
+            <a:solidFill>
+              <a:schemeClr val="tx1"/>
+            </a:solidFill>
+          </a:ln>
+        </p:spPr>
+        <p:txBody>
+          <a:bodyPr wrap="square" rtlCol="0">
+            <a:spAutoFit/>
+          </a:bodyPr>
+          <a:lstStyle/>
+          <a:p>
+            <a:r>
+              <a:rPr lang="ja-JP" altLang="en-US" dirty="0" smtClean="0"/>
+              <a:t>～決まっていること～</a:t>
+            </a:r>
+            <a:endParaRPr lang="en-US" altLang="ja-JP" dirty="0" smtClean="0"/>
+          </a:p>
+          <a:p>
+            <a:r>
+              <a:rPr kumimoji="1" lang="ja-JP" altLang="en-US" dirty="0" smtClean="0"/>
+              <a:t>自機</a:t>
+            </a:r>
+            <a:endParaRPr kumimoji="1" lang="en-US" altLang="ja-JP" dirty="0" smtClean="0"/>
+          </a:p>
+          <a:p>
+            <a:r>
+              <a:rPr lang="ja-JP" altLang="en-US" dirty="0" smtClean="0"/>
+              <a:t>・一定方向に自立移動する</a:t>
+            </a:r>
+            <a:endParaRPr kumimoji="1" lang="en-US" altLang="ja-JP" dirty="0" smtClean="0"/>
+          </a:p>
+          <a:p>
+            <a:r>
+              <a:rPr lang="ja-JP" altLang="en-US" dirty="0" smtClean="0"/>
+              <a:t>・磁界に対して吸い付くまたは反発し、方向と速度が変化</a:t>
+            </a:r>
+            <a:endParaRPr lang="en-US" altLang="ja-JP" dirty="0" smtClean="0"/>
+          </a:p>
+          <a:p>
+            <a:r>
+              <a:rPr kumimoji="1" lang="ja-JP" altLang="en-US" dirty="0" smtClean="0"/>
+              <a:t>・磁界中心に吸い付くと、自機の磁界が反転＆磁界中心を軸に公転、</a:t>
+            </a:r>
+            <a:r>
+              <a:rPr lang="ja-JP" altLang="en-US" dirty="0" smtClean="0"/>
+              <a:t>クリックを離すとその時の角度に進む</a:t>
+            </a:r>
+            <a:endParaRPr lang="en-US" altLang="ja-JP" dirty="0" smtClean="0"/>
+          </a:p>
+          <a:p>
+            <a:endParaRPr lang="en-US" altLang="ja-JP" dirty="0" smtClean="0"/>
+          </a:p>
+          <a:p>
+            <a:r>
+              <a:rPr lang="ja-JP" altLang="en-US" dirty="0"/>
+              <a:t>磁界</a:t>
+            </a:r>
+            <a:endParaRPr lang="en-US" altLang="ja-JP" dirty="0"/>
+          </a:p>
+          <a:p>
+            <a:r>
+              <a:rPr lang="ja-JP" altLang="en-US" dirty="0"/>
+              <a:t>・</a:t>
+            </a:r>
+            <a:r>
+              <a:rPr lang="en-US" altLang="ja-JP" dirty="0"/>
+              <a:t>N</a:t>
+            </a:r>
+            <a:r>
+              <a:rPr lang="ja-JP" altLang="en-US" dirty="0"/>
+              <a:t>極と</a:t>
+            </a:r>
+            <a:r>
+              <a:rPr lang="en-US" altLang="ja-JP" dirty="0"/>
+              <a:t>S</a:t>
+            </a:r>
+            <a:r>
+              <a:rPr lang="ja-JP" altLang="en-US" dirty="0"/>
+              <a:t>極がある</a:t>
+            </a:r>
+            <a:endParaRPr lang="en-US" altLang="ja-JP" dirty="0"/>
+          </a:p>
+          <a:p>
+            <a:r>
+              <a:rPr lang="ja-JP" altLang="en-US" dirty="0"/>
+              <a:t>・磁界はマウス長押し</a:t>
+            </a:r>
+            <a:r>
+              <a:rPr lang="en-US" altLang="ja-JP" dirty="0"/>
+              <a:t>(</a:t>
+            </a:r>
+            <a:r>
+              <a:rPr lang="ja-JP" altLang="en-US" dirty="0"/>
+              <a:t>右</a:t>
+            </a:r>
+            <a:r>
+              <a:rPr lang="en-US" altLang="ja-JP" dirty="0"/>
+              <a:t>N</a:t>
+            </a:r>
+            <a:r>
+              <a:rPr lang="ja-JP" altLang="en-US" dirty="0"/>
+              <a:t>極。左</a:t>
+            </a:r>
+            <a:r>
+              <a:rPr lang="en-US" altLang="ja-JP" dirty="0"/>
+              <a:t>S</a:t>
+            </a:r>
+            <a:r>
+              <a:rPr lang="ja-JP" altLang="en-US" dirty="0"/>
+              <a:t>極</a:t>
+            </a:r>
+            <a:r>
+              <a:rPr lang="en-US" altLang="ja-JP" dirty="0"/>
+              <a:t>)</a:t>
+            </a:r>
+            <a:r>
+              <a:rPr lang="ja-JP" altLang="en-US" dirty="0"/>
+              <a:t>でカーソルを中心に発生</a:t>
+            </a:r>
+            <a:endParaRPr lang="en-US" altLang="ja-JP" dirty="0"/>
+          </a:p>
+          <a:p>
+            <a:endParaRPr lang="en-US" altLang="ja-JP" dirty="0"/>
+          </a:p>
+          <a:p>
+            <a:r>
+              <a:rPr lang="ja-JP" altLang="en-US" dirty="0" smtClean="0"/>
+              <a:t>ギミック</a:t>
+            </a:r>
+            <a:endParaRPr lang="en-US" altLang="ja-JP" dirty="0" smtClean="0"/>
+          </a:p>
+          <a:p>
+            <a:r>
+              <a:rPr lang="ja-JP" altLang="en-US" dirty="0" smtClean="0"/>
+              <a:t>・電気壁、磁気が触れたらアウト</a:t>
+            </a:r>
+            <a:endParaRPr lang="en-US" altLang="ja-JP" dirty="0" smtClean="0"/>
+          </a:p>
+          <a:p>
+            <a:r>
+              <a:rPr lang="ja-JP" altLang="en-US" dirty="0" smtClean="0"/>
+              <a:t>・下から崩壊していくステージ、崩壊に巻き込まれたらアウト</a:t>
+            </a:r>
+            <a:endParaRPr lang="en-US" altLang="ja-JP" dirty="0" smtClean="0"/>
+          </a:p>
+          <a:p>
+            <a:r>
+              <a:rPr lang="ja-JP" altLang="en-US" dirty="0" smtClean="0"/>
+              <a:t>・チェックポイント、自機が死に、コンティニューした場合そこからスタートする。</a:t>
+            </a:r>
+            <a:endParaRPr lang="en-US" altLang="ja-JP" dirty="0" smtClean="0"/>
+          </a:p>
+          <a:p>
+            <a:endParaRPr lang="en-US" altLang="ja-JP" dirty="0" smtClean="0"/>
+          </a:p>
+        </p:txBody>
+      </p:sp>
+    </p:spTree>
+    <p:extLst>
+      <p:ext uri="{BB962C8B-B14F-4D97-AF65-F5344CB8AC3E}">
+        <p14:creationId xmlns:p14="http://schemas.microsoft.com/office/powerpoint/2010/main" val="2513637126"/>
+      </p:ext>
+    </p:extLst>
+  </p:cSld>
+  <p:clrMapOvr>
+    <a:masterClrMapping/>
+  </p:clrMapOvr>
+</p:sld>
+</file>
+
+<file path=ppt/slides/slide29.xml><?xml version="1.0" encoding="utf-8"?>
+<p:sld xmlns:a="http://schemas.openxmlformats.org/drawingml/2006/main" xmlns:r="http://schemas.openxmlformats.org/officeDocument/2006/relationships" xmlns:p="http://schemas.openxmlformats.org/presentationml/2006/main">
+  <p:cSld>
+    <p:spTree>
+      <p:nvGrpSpPr>
+        <p:cNvPr id="1" name=""/>
+        <p:cNvGrpSpPr/>
+        <p:nvPr/>
+      </p:nvGrpSpPr>
+      <p:grpSpPr>
+        <a:xfrm>
+          <a:off x="0" y="0"/>
+          <a:ext cx="0" cy="0"/>
+          <a:chOff x="0" y="0"/>
+          <a:chExt cx="0" cy="0"/>
+        </a:xfrm>
+      </p:grpSpPr>
+      <p:sp>
+        <p:nvSpPr>
+          <p:cNvPr id="46" name="パイ 45"/>
+          <p:cNvSpPr/>
+          <p:nvPr/>
+        </p:nvSpPr>
+        <p:spPr>
+          <a:xfrm>
+            <a:off x="1086254" y="3356992"/>
+            <a:ext cx="6349341" cy="6349341"/>
+          </a:xfrm>
+          <a:prstGeom prst="pie">
+            <a:avLst>
+              <a:gd name="adj1" fmla="val 10802125"/>
+              <a:gd name="adj2" fmla="val 1084"/>
+            </a:avLst>
+          </a:prstGeom>
+          <a:solidFill>
+            <a:srgbClr val="FFFF00"/>
+          </a:solidFill>
+        </p:spPr>
+        <p:style>
+          <a:lnRef idx="2">
+            <a:schemeClr val="accent1">
+              <a:shade val="50000"/>
+            </a:schemeClr>
+          </a:lnRef>
+          <a:fillRef idx="1">
+            <a:schemeClr val="accent1"/>
+          </a:fillRef>
+          <a:effectRef idx="0">
+            <a:schemeClr val="accent1"/>
+          </a:effectRef>
+          <a:fontRef idx="minor">
+            <a:schemeClr val="lt1"/>
+          </a:fontRef>
+        </p:style>
+        <p:txBody>
+          <a:bodyPr rtlCol="0" anchor="ctr"/>
+          <a:lstStyle/>
+          <a:p>
+            <a:pPr algn="ctr"/>
+            <a:endParaRPr kumimoji="1" lang="ja-JP" altLang="en-US">
+              <a:solidFill>
+                <a:schemeClr val="tx1"/>
+              </a:solidFill>
+            </a:endParaRPr>
+          </a:p>
+        </p:txBody>
+      </p:sp>
+      <p:sp>
+        <p:nvSpPr>
+          <p:cNvPr id="4" name="テキスト ボックス 3"/>
+          <p:cNvSpPr txBox="1"/>
+          <p:nvPr/>
+        </p:nvSpPr>
+        <p:spPr>
+          <a:xfrm>
+            <a:off x="1403648" y="43913"/>
+            <a:ext cx="5400600" cy="707886"/>
+          </a:xfrm>
+          <a:prstGeom prst="rect">
+            <a:avLst/>
+          </a:prstGeom>
+          <a:noFill/>
+        </p:spPr>
+        <p:txBody>
+          <a:bodyPr wrap="square" rtlCol="0">
+            <a:spAutoFit/>
+          </a:bodyPr>
+          <a:lstStyle/>
+          <a:p>
+            <a:pPr algn="ctr"/>
+            <a:r>
+              <a:rPr lang="ja-JP" altLang="en-US" sz="4000" dirty="0" smtClean="0"/>
+              <a:t>スタートとコンティニュー</a:t>
+            </a:r>
+            <a:endParaRPr kumimoji="1" lang="ja-JP" altLang="en-US" sz="4000" dirty="0"/>
+          </a:p>
+        </p:txBody>
+      </p:sp>
+      <p:grpSp>
+        <p:nvGrpSpPr>
+          <p:cNvPr id="12" name="グループ化 11"/>
+          <p:cNvGrpSpPr/>
+          <p:nvPr/>
+        </p:nvGrpSpPr>
+        <p:grpSpPr>
+          <a:xfrm rot="1587390">
+            <a:off x="3771176" y="5403774"/>
+            <a:ext cx="1044117" cy="936104"/>
+            <a:chOff x="1519166" y="2354680"/>
+            <a:chExt cx="1044117" cy="936104"/>
+          </a:xfrm>
+        </p:grpSpPr>
+        <p:sp>
+          <p:nvSpPr>
+            <p:cNvPr id="13" name="二等辺三角形 12"/>
+            <p:cNvSpPr/>
+            <p:nvPr/>
+          </p:nvSpPr>
+          <p:spPr>
+            <a:xfrm rot="18900000">
+              <a:off x="1519166" y="2426688"/>
+              <a:ext cx="648072" cy="864096"/>
+            </a:xfrm>
+            <a:prstGeom prst="triangle">
+              <a:avLst/>
+            </a:prstGeom>
+            <a:solidFill>
+              <a:schemeClr val="bg1"/>
+            </a:solidFill>
+            <a:ln>
+              <a:solidFill>
+                <a:schemeClr val="tx1"/>
+              </a:solidFill>
+              <a:prstDash val="dash"/>
+            </a:ln>
+          </p:spPr>
+          <p:style>
+            <a:lnRef idx="2">
+              <a:schemeClr val="accent1">
+                <a:shade val="50000"/>
+              </a:schemeClr>
+            </a:lnRef>
+            <a:fillRef idx="1">
+              <a:schemeClr val="accent1"/>
+            </a:fillRef>
+            <a:effectRef idx="0">
+              <a:schemeClr val="accent1"/>
+            </a:effectRef>
+            <a:fontRef idx="minor">
+              <a:schemeClr val="lt1"/>
+            </a:fontRef>
+          </p:style>
+          <p:txBody>
+            <a:bodyPr rtlCol="0" anchor="ctr"/>
+            <a:lstStyle/>
+            <a:p>
+              <a:pPr algn="ctr"/>
+              <a:endParaRPr kumimoji="1" lang="ja-JP" altLang="en-US"/>
+            </a:p>
+          </p:txBody>
+        </p:sp>
+        <p:grpSp>
+          <p:nvGrpSpPr>
+            <p:cNvPr id="14" name="グループ化 13"/>
+            <p:cNvGrpSpPr/>
+            <p:nvPr/>
+          </p:nvGrpSpPr>
+          <p:grpSpPr>
+            <a:xfrm rot="2700000">
+              <a:off x="1807199" y="2367374"/>
+              <a:ext cx="648072" cy="864096"/>
+              <a:chOff x="611560" y="404664"/>
+              <a:chExt cx="648072" cy="864096"/>
+            </a:xfrm>
+          </p:grpSpPr>
+          <p:sp>
+            <p:nvSpPr>
+              <p:cNvPr id="18" name="二等辺三角形 17"/>
+              <p:cNvSpPr/>
+              <p:nvPr/>
+            </p:nvSpPr>
+            <p:spPr>
+              <a:xfrm>
+                <a:off x="611560" y="404664"/>
+                <a:ext cx="648072" cy="864096"/>
+              </a:xfrm>
+              <a:prstGeom prst="triangle">
+                <a:avLst/>
+              </a:prstGeom>
+              <a:solidFill>
+                <a:schemeClr val="bg1"/>
+              </a:solidFill>
+              <a:ln>
+                <a:solidFill>
+                  <a:schemeClr val="tx1"/>
+                </a:solidFill>
+                <a:prstDash val="dash"/>
+              </a:ln>
+            </p:spPr>
+            <p:style>
+              <a:lnRef idx="2">
+                <a:schemeClr val="accent1">
+                  <a:shade val="50000"/>
+                </a:schemeClr>
+              </a:lnRef>
+              <a:fillRef idx="1">
+                <a:schemeClr val="accent1"/>
+              </a:fillRef>
+              <a:effectRef idx="0">
+                <a:schemeClr val="accent1"/>
+              </a:effectRef>
+              <a:fontRef idx="minor">
+                <a:schemeClr val="lt1"/>
+              </a:fontRef>
+            </p:style>
+            <p:txBody>
+              <a:bodyPr rtlCol="0" anchor="ctr"/>
+              <a:lstStyle/>
+              <a:p>
+                <a:pPr algn="ctr"/>
+                <a:endParaRPr kumimoji="1" lang="ja-JP" altLang="en-US"/>
+              </a:p>
+            </p:txBody>
+          </p:sp>
+          <p:sp>
+            <p:nvSpPr>
+              <p:cNvPr id="19" name="円/楕円 18"/>
+              <p:cNvSpPr/>
+              <p:nvPr/>
+            </p:nvSpPr>
+            <p:spPr>
+              <a:xfrm>
+                <a:off x="791580" y="908720"/>
+                <a:ext cx="288032" cy="288032"/>
+              </a:xfrm>
+              <a:prstGeom prst="ellipse">
+                <a:avLst/>
+              </a:prstGeom>
+              <a:solidFill>
+                <a:srgbClr val="FF0000"/>
+              </a:solidFill>
+              <a:ln>
+                <a:solidFill>
+                  <a:srgbClr val="FF0000"/>
+                </a:solidFill>
+              </a:ln>
+            </p:spPr>
+            <p:style>
+              <a:lnRef idx="2">
+                <a:schemeClr val="accent1">
+                  <a:shade val="50000"/>
+                </a:schemeClr>
+              </a:lnRef>
+              <a:fillRef idx="1">
+                <a:schemeClr val="accent1"/>
+              </a:fillRef>
+              <a:effectRef idx="0">
+                <a:schemeClr val="accent1"/>
+              </a:effectRef>
+              <a:fontRef idx="minor">
+                <a:schemeClr val="lt1"/>
+              </a:fontRef>
+            </p:style>
+            <p:txBody>
+              <a:bodyPr rtlCol="0" anchor="ctr"/>
+              <a:lstStyle/>
+              <a:p>
+                <a:pPr algn="ctr"/>
+                <a:endParaRPr kumimoji="1" lang="ja-JP" altLang="en-US"/>
+              </a:p>
+            </p:txBody>
+          </p:sp>
+        </p:grpSp>
+        <p:grpSp>
+          <p:nvGrpSpPr>
+            <p:cNvPr id="15" name="グループ化 14"/>
+            <p:cNvGrpSpPr/>
+            <p:nvPr/>
+          </p:nvGrpSpPr>
+          <p:grpSpPr>
+            <a:xfrm>
+              <a:off x="1663183" y="2354680"/>
+              <a:ext cx="648072" cy="864096"/>
+              <a:chOff x="611560" y="404664"/>
+              <a:chExt cx="648072" cy="864096"/>
+            </a:xfrm>
+          </p:grpSpPr>
+          <p:sp>
+            <p:nvSpPr>
+              <p:cNvPr id="16" name="二等辺三角形 15"/>
+              <p:cNvSpPr/>
+              <p:nvPr/>
+            </p:nvSpPr>
+            <p:spPr>
+              <a:xfrm>
+                <a:off x="611560" y="404664"/>
+                <a:ext cx="648072" cy="864096"/>
+              </a:xfrm>
+              <a:prstGeom prst="triangle">
+                <a:avLst/>
+              </a:prstGeom>
+              <a:solidFill>
+                <a:schemeClr val="bg1"/>
+              </a:solidFill>
+              <a:ln>
+                <a:solidFill>
+                  <a:schemeClr val="tx1"/>
+                </a:solidFill>
+              </a:ln>
+            </p:spPr>
+            <p:style>
+              <a:lnRef idx="2">
+                <a:schemeClr val="accent1">
+                  <a:shade val="50000"/>
+                </a:schemeClr>
+              </a:lnRef>
+              <a:fillRef idx="1">
+                <a:schemeClr val="accent1"/>
+              </a:fillRef>
+              <a:effectRef idx="0">
+                <a:schemeClr val="accent1"/>
+              </a:effectRef>
+              <a:fontRef idx="minor">
+                <a:schemeClr val="lt1"/>
+              </a:fontRef>
+            </p:style>
+            <p:txBody>
+              <a:bodyPr rtlCol="0" anchor="ctr"/>
+              <a:lstStyle/>
+              <a:p>
+                <a:pPr algn="ctr"/>
+                <a:endParaRPr kumimoji="1" lang="ja-JP" altLang="en-US"/>
+              </a:p>
+            </p:txBody>
+          </p:sp>
+          <p:sp>
+            <p:nvSpPr>
+              <p:cNvPr id="17" name="円/楕円 16"/>
+              <p:cNvSpPr/>
+              <p:nvPr/>
+            </p:nvSpPr>
+            <p:spPr>
+              <a:xfrm>
+                <a:off x="791580" y="908720"/>
+                <a:ext cx="288032" cy="288032"/>
+              </a:xfrm>
+              <a:prstGeom prst="ellipse">
+                <a:avLst/>
+              </a:prstGeom>
+              <a:solidFill>
+                <a:srgbClr val="FF0000"/>
+              </a:solidFill>
+              <a:ln>
+                <a:solidFill>
+                  <a:srgbClr val="FF0000"/>
+                </a:solidFill>
+              </a:ln>
+            </p:spPr>
+            <p:style>
+              <a:lnRef idx="2">
+                <a:schemeClr val="accent1">
+                  <a:shade val="50000"/>
+                </a:schemeClr>
+              </a:lnRef>
+              <a:fillRef idx="1">
+                <a:schemeClr val="accent1"/>
+              </a:fillRef>
+              <a:effectRef idx="0">
+                <a:schemeClr val="accent1"/>
+              </a:effectRef>
+              <a:fontRef idx="minor">
+                <a:schemeClr val="lt1"/>
+              </a:fontRef>
+            </p:style>
+            <p:txBody>
+              <a:bodyPr rtlCol="0" anchor="ctr"/>
+              <a:lstStyle/>
+              <a:p>
+                <a:pPr algn="ctr"/>
+                <a:endParaRPr kumimoji="1" lang="ja-JP" altLang="en-US"/>
+              </a:p>
+            </p:txBody>
+          </p:sp>
+        </p:grpSp>
+      </p:grpSp>
+      <p:cxnSp>
+        <p:nvCxnSpPr>
+          <p:cNvPr id="20" name="直線矢印コネクタ 19"/>
+          <p:cNvCxnSpPr/>
+          <p:nvPr/>
+        </p:nvCxnSpPr>
+        <p:spPr>
+          <a:xfrm flipV="1">
+            <a:off x="4563446" y="4365104"/>
+            <a:ext cx="584618" cy="948780"/>
+          </a:xfrm>
+          <a:prstGeom prst="straightConnector1">
+            <a:avLst/>
+          </a:prstGeom>
+          <a:ln w="38100">
+            <a:solidFill>
+              <a:schemeClr val="tx1"/>
+            </a:solidFill>
+            <a:tailEnd type="arrow"/>
+          </a:ln>
+        </p:spPr>
+        <p:style>
+          <a:lnRef idx="1">
+            <a:schemeClr val="accent1"/>
+          </a:lnRef>
+          <a:fillRef idx="0">
+            <a:schemeClr val="accent1"/>
+          </a:fillRef>
+          <a:effectRef idx="0">
+            <a:schemeClr val="accent1"/>
+          </a:effectRef>
+          <a:fontRef idx="minor">
+            <a:schemeClr val="tx1"/>
+          </a:fontRef>
+        </p:style>
+      </p:cxnSp>
+      <p:sp>
+        <p:nvSpPr>
+          <p:cNvPr id="21" name="テキスト ボックス 20"/>
+          <p:cNvSpPr txBox="1"/>
+          <p:nvPr/>
+        </p:nvSpPr>
+        <p:spPr>
+          <a:xfrm>
+            <a:off x="1684261" y="1124744"/>
+            <a:ext cx="5507296" cy="1754326"/>
+          </a:xfrm>
+          <a:prstGeom prst="rect">
+            <a:avLst/>
+          </a:prstGeom>
+          <a:noFill/>
+        </p:spPr>
+        <p:txBody>
+          <a:bodyPr wrap="square" rtlCol="0">
+            <a:spAutoFit/>
+          </a:bodyPr>
+          <a:lstStyle/>
+          <a:p>
+            <a:r>
+              <a:rPr lang="ja-JP" altLang="en-US" dirty="0" smtClean="0"/>
+              <a:t>スタートまたはコンティニュー時に</a:t>
+            </a:r>
+            <a:r>
+              <a:rPr kumimoji="1" lang="ja-JP" altLang="en-US" dirty="0" smtClean="0"/>
+              <a:t>プレイヤー</a:t>
+            </a:r>
+            <a:r>
+              <a:rPr kumimoji="1" lang="ja-JP" altLang="en-US" dirty="0" smtClean="0"/>
+              <a:t>の好きな方向に選択</a:t>
+            </a:r>
+            <a:r>
+              <a:rPr kumimoji="1" lang="ja-JP" altLang="en-US" dirty="0" smtClean="0"/>
+              <a:t>する</a:t>
+            </a:r>
+            <a:endParaRPr kumimoji="1" lang="en-US" altLang="ja-JP" dirty="0" smtClean="0"/>
+          </a:p>
+          <a:p>
+            <a:endParaRPr kumimoji="1" lang="en-US" altLang="ja-JP" dirty="0" smtClean="0"/>
+          </a:p>
+          <a:p>
+            <a:r>
+              <a:rPr kumimoji="1" lang="ja-JP" altLang="en-US" dirty="0" smtClean="0"/>
+              <a:t>自機はカーソルのある方向に角度を変える。</a:t>
+            </a:r>
+            <a:endParaRPr kumimoji="1" lang="en-US" altLang="ja-JP" dirty="0" smtClean="0"/>
+          </a:p>
+          <a:p>
+            <a:endParaRPr kumimoji="1" lang="en-US" altLang="ja-JP" dirty="0" smtClean="0"/>
+          </a:p>
+          <a:p>
+            <a:r>
+              <a:rPr kumimoji="1" lang="ja-JP" altLang="en-US" dirty="0" smtClean="0"/>
+              <a:t>範囲内でクリックをすると発射。</a:t>
+            </a:r>
+            <a:endParaRPr kumimoji="1" lang="ja-JP" altLang="en-US" dirty="0"/>
+          </a:p>
+        </p:txBody>
+      </p:sp>
+      <p:sp>
+        <p:nvSpPr>
+          <p:cNvPr id="28" name="右矢印 27"/>
+          <p:cNvSpPr/>
+          <p:nvPr/>
+        </p:nvSpPr>
+        <p:spPr>
+          <a:xfrm rot="13456869">
+            <a:off x="5649401" y="4065505"/>
+            <a:ext cx="581499" cy="288032"/>
+          </a:xfrm>
+          <a:prstGeom prst="rightArrow">
+            <a:avLst/>
+          </a:prstGeom>
+          <a:solidFill>
+            <a:schemeClr val="bg1"/>
+          </a:solidFill>
+          <a:ln>
+            <a:solidFill>
+              <a:schemeClr val="tx1"/>
+            </a:solidFill>
+          </a:ln>
+        </p:spPr>
+        <p:style>
+          <a:lnRef idx="2">
+            <a:schemeClr val="accent1">
+              <a:shade val="50000"/>
+            </a:schemeClr>
+          </a:lnRef>
+          <a:fillRef idx="1">
+            <a:schemeClr val="accent1"/>
+          </a:fillRef>
+          <a:effectRef idx="0">
+            <a:schemeClr val="accent1"/>
+          </a:effectRef>
+          <a:fontRef idx="minor">
+            <a:schemeClr val="lt1"/>
+          </a:fontRef>
+        </p:style>
+        <p:txBody>
+          <a:bodyPr rtlCol="0" anchor="ctr"/>
+          <a:lstStyle/>
+          <a:p>
+            <a:pPr algn="ctr"/>
+            <a:endParaRPr kumimoji="1" lang="ja-JP" altLang="en-US"/>
+          </a:p>
+        </p:txBody>
+      </p:sp>
+      <p:cxnSp>
+        <p:nvCxnSpPr>
+          <p:cNvPr id="30" name="直線コネクタ 29"/>
+          <p:cNvCxnSpPr/>
+          <p:nvPr/>
+        </p:nvCxnSpPr>
+        <p:spPr>
+          <a:xfrm>
+            <a:off x="5424046" y="4209521"/>
+            <a:ext cx="205688" cy="0"/>
+          </a:xfrm>
+          <a:prstGeom prst="line">
+            <a:avLst/>
+          </a:prstGeom>
+          <a:ln w="28575">
+            <a:solidFill>
+              <a:schemeClr val="tx1"/>
+            </a:solidFill>
+          </a:ln>
+        </p:spPr>
+        <p:style>
+          <a:lnRef idx="1">
+            <a:schemeClr val="accent1"/>
+          </a:lnRef>
+          <a:fillRef idx="0">
+            <a:schemeClr val="accent1"/>
+          </a:fillRef>
+          <a:effectRef idx="0">
+            <a:schemeClr val="accent1"/>
+          </a:effectRef>
+          <a:fontRef idx="minor">
+            <a:schemeClr val="tx1"/>
+          </a:fontRef>
+        </p:style>
+      </p:cxnSp>
+      <p:cxnSp>
+        <p:nvCxnSpPr>
+          <p:cNvPr id="32" name="直線コネクタ 31"/>
+          <p:cNvCxnSpPr/>
+          <p:nvPr/>
+        </p:nvCxnSpPr>
+        <p:spPr>
+          <a:xfrm>
+            <a:off x="5521722" y="3903421"/>
+            <a:ext cx="108012" cy="87367"/>
+          </a:xfrm>
+          <a:prstGeom prst="line">
+            <a:avLst/>
+          </a:prstGeom>
+          <a:ln w="28575">
+            <a:solidFill>
+              <a:schemeClr val="tx1"/>
+            </a:solidFill>
+          </a:ln>
+        </p:spPr>
+        <p:style>
+          <a:lnRef idx="1">
+            <a:schemeClr val="accent1"/>
+          </a:lnRef>
+          <a:fillRef idx="0">
+            <a:schemeClr val="accent1"/>
+          </a:fillRef>
+          <a:effectRef idx="0">
+            <a:schemeClr val="accent1"/>
+          </a:effectRef>
+          <a:fontRef idx="minor">
+            <a:schemeClr val="tx1"/>
+          </a:fontRef>
+        </p:style>
+      </p:cxnSp>
+      <p:cxnSp>
+        <p:nvCxnSpPr>
+          <p:cNvPr id="33" name="直線コネクタ 32"/>
+          <p:cNvCxnSpPr/>
+          <p:nvPr/>
+        </p:nvCxnSpPr>
+        <p:spPr>
+          <a:xfrm>
+            <a:off x="5842782" y="3738218"/>
+            <a:ext cx="0" cy="165203"/>
+          </a:xfrm>
+          <a:prstGeom prst="line">
+            <a:avLst/>
+          </a:prstGeom>
+          <a:ln w="28575">
+            <a:solidFill>
+              <a:schemeClr val="tx1"/>
+            </a:solidFill>
+          </a:ln>
+        </p:spPr>
+        <p:style>
+          <a:lnRef idx="1">
+            <a:schemeClr val="accent1"/>
+          </a:lnRef>
+          <a:fillRef idx="0">
+            <a:schemeClr val="accent1"/>
+          </a:fillRef>
+          <a:effectRef idx="0">
+            <a:schemeClr val="accent1"/>
+          </a:effectRef>
+          <a:fontRef idx="minor">
+            <a:schemeClr val="tx1"/>
+          </a:fontRef>
+        </p:style>
+      </p:cxnSp>
+    </p:spTree>
+    <p:extLst>
+      <p:ext uri="{BB962C8B-B14F-4D97-AF65-F5344CB8AC3E}">
+        <p14:creationId xmlns:p14="http://schemas.microsoft.com/office/powerpoint/2010/main" val="3108947068"/>
       </p:ext>
     </p:extLst>
   </p:cSld>

--- a/Document/GamePlanning.pptx
+++ b/Document/GamePlanning.pptx
@@ -5,7 +5,7 @@
     <p:sldMasterId id="2147483744" r:id="rId1"/>
   </p:sldMasterIdLst>
   <p:notesMasterIdLst>
-    <p:notesMasterId r:id="rId31"/>
+    <p:notesMasterId r:id="rId33"/>
   </p:notesMasterIdLst>
   <p:sldIdLst>
     <p:sldId id="256" r:id="rId2"/>
@@ -35,8 +35,10 @@
     <p:sldId id="282" r:id="rId26"/>
     <p:sldId id="284" r:id="rId27"/>
     <p:sldId id="285" r:id="rId28"/>
-    <p:sldId id="287" r:id="rId29"/>
-    <p:sldId id="286" r:id="rId30"/>
+    <p:sldId id="286" r:id="rId29"/>
+    <p:sldId id="287" r:id="rId30"/>
+    <p:sldId id="289" r:id="rId31"/>
+    <p:sldId id="288" r:id="rId32"/>
   </p:sldIdLst>
   <p:sldSz cx="9144000" cy="6858000" type="screen4x3"/>
   <p:notesSz cx="6858000" cy="9144000"/>
@@ -220,7 +222,7 @@
           <a:p>
             <a:fld id="{ABD8FC6E-CD95-4BF0-9719-DDBA9D352F9C}" type="datetimeFigureOut">
               <a:rPr kumimoji="1" lang="ja-JP" altLang="en-US" smtClean="0"/>
-              <a:t>2013/4/24</a:t>
+              <a:t>2013/4/25</a:t>
             </a:fld>
             <a:endParaRPr kumimoji="1" lang="ja-JP" altLang="en-US"/>
           </a:p>
@@ -921,7 +923,7 @@
           <a:p>
             <a:fld id="{E3AA062A-C5CF-4C2D-BFF6-CBE80105CC38}" type="slidenum">
               <a:rPr kumimoji="1" lang="ja-JP" altLang="en-US" smtClean="0"/>
-              <a:t>29</a:t>
+              <a:t>28</a:t>
             </a:fld>
             <a:endParaRPr kumimoji="1" lang="ja-JP" altLang="en-US"/>
           </a:p>
@@ -1121,7 +1123,7 @@
           <a:p>
             <a:fld id="{08F6D5AD-4746-4BEC-A91B-D60F9A195197}" type="datetimeFigureOut">
               <a:rPr kumimoji="1" lang="ja-JP" altLang="en-US" smtClean="0"/>
-              <a:t>2013/4/24</a:t>
+              <a:t>2013/4/25</a:t>
             </a:fld>
             <a:endParaRPr kumimoji="1" lang="ja-JP" altLang="en-US"/>
           </a:p>
@@ -1323,7 +1325,7 @@
           <a:p>
             <a:fld id="{08F6D5AD-4746-4BEC-A91B-D60F9A195197}" type="datetimeFigureOut">
               <a:rPr kumimoji="1" lang="ja-JP" altLang="en-US" smtClean="0"/>
-              <a:t>2013/4/24</a:t>
+              <a:t>2013/4/25</a:t>
             </a:fld>
             <a:endParaRPr kumimoji="1" lang="ja-JP" altLang="en-US"/>
           </a:p>
@@ -1535,7 +1537,7 @@
           <a:p>
             <a:fld id="{08F6D5AD-4746-4BEC-A91B-D60F9A195197}" type="datetimeFigureOut">
               <a:rPr kumimoji="1" lang="ja-JP" altLang="en-US" smtClean="0"/>
-              <a:t>2013/4/24</a:t>
+              <a:t>2013/4/25</a:t>
             </a:fld>
             <a:endParaRPr kumimoji="1" lang="ja-JP" altLang="en-US"/>
           </a:p>
@@ -1737,7 +1739,7 @@
           <a:p>
             <a:fld id="{08F6D5AD-4746-4BEC-A91B-D60F9A195197}" type="datetimeFigureOut">
               <a:rPr kumimoji="1" lang="ja-JP" altLang="en-US" smtClean="0"/>
-              <a:t>2013/4/24</a:t>
+              <a:t>2013/4/25</a:t>
             </a:fld>
             <a:endParaRPr kumimoji="1" lang="ja-JP" altLang="en-US"/>
           </a:p>
@@ -1983,7 +1985,7 @@
           <a:p>
             <a:fld id="{08F6D5AD-4746-4BEC-A91B-D60F9A195197}" type="datetimeFigureOut">
               <a:rPr kumimoji="1" lang="ja-JP" altLang="en-US" smtClean="0"/>
-              <a:t>2013/4/24</a:t>
+              <a:t>2013/4/25</a:t>
             </a:fld>
             <a:endParaRPr kumimoji="1" lang="ja-JP" altLang="en-US"/>
           </a:p>
@@ -2335,7 +2337,7 @@
           <a:p>
             <a:fld id="{08F6D5AD-4746-4BEC-A91B-D60F9A195197}" type="datetimeFigureOut">
               <a:rPr kumimoji="1" lang="ja-JP" altLang="en-US" smtClean="0"/>
-              <a:t>2013/4/24</a:t>
+              <a:t>2013/4/25</a:t>
             </a:fld>
             <a:endParaRPr kumimoji="1" lang="ja-JP" altLang="en-US"/>
           </a:p>
@@ -2821,7 +2823,7 @@
           <a:p>
             <a:fld id="{08F6D5AD-4746-4BEC-A91B-D60F9A195197}" type="datetimeFigureOut">
               <a:rPr kumimoji="1" lang="ja-JP" altLang="en-US" smtClean="0"/>
-              <a:t>2013/4/24</a:t>
+              <a:t>2013/4/25</a:t>
             </a:fld>
             <a:endParaRPr kumimoji="1" lang="ja-JP" altLang="en-US"/>
           </a:p>
@@ -2939,7 +2941,7 @@
           <a:p>
             <a:fld id="{08F6D5AD-4746-4BEC-A91B-D60F9A195197}" type="datetimeFigureOut">
               <a:rPr kumimoji="1" lang="ja-JP" altLang="en-US" smtClean="0"/>
-              <a:t>2013/4/24</a:t>
+              <a:t>2013/4/25</a:t>
             </a:fld>
             <a:endParaRPr kumimoji="1" lang="ja-JP" altLang="en-US"/>
           </a:p>
@@ -3034,7 +3036,7 @@
           <a:p>
             <a:fld id="{08F6D5AD-4746-4BEC-A91B-D60F9A195197}" type="datetimeFigureOut">
               <a:rPr kumimoji="1" lang="ja-JP" altLang="en-US" smtClean="0"/>
-              <a:t>2013/4/24</a:t>
+              <a:t>2013/4/25</a:t>
             </a:fld>
             <a:endParaRPr kumimoji="1" lang="ja-JP" altLang="en-US"/>
           </a:p>
@@ -3343,7 +3345,7 @@
           <a:p>
             <a:fld id="{08F6D5AD-4746-4BEC-A91B-D60F9A195197}" type="datetimeFigureOut">
               <a:rPr kumimoji="1" lang="ja-JP" altLang="en-US" smtClean="0"/>
-              <a:t>2013/4/24</a:t>
+              <a:t>2013/4/25</a:t>
             </a:fld>
             <a:endParaRPr kumimoji="1" lang="ja-JP" altLang="en-US"/>
           </a:p>
@@ -3596,7 +3598,7 @@
           <a:p>
             <a:fld id="{08F6D5AD-4746-4BEC-A91B-D60F9A195197}" type="datetimeFigureOut">
               <a:rPr kumimoji="1" lang="ja-JP" altLang="en-US" smtClean="0"/>
-              <a:t>2013/4/24</a:t>
+              <a:t>2013/4/25</a:t>
             </a:fld>
             <a:endParaRPr kumimoji="1" lang="ja-JP" altLang="en-US"/>
           </a:p>
@@ -3841,7 +3843,7 @@
           <a:p>
             <a:fld id="{08F6D5AD-4746-4BEC-A91B-D60F9A195197}" type="datetimeFigureOut">
               <a:rPr kumimoji="1" lang="ja-JP" altLang="en-US" smtClean="0"/>
-              <a:t>2013/4/24</a:t>
+              <a:t>2013/4/25</a:t>
             </a:fld>
             <a:endParaRPr kumimoji="1" lang="ja-JP" altLang="en-US"/>
           </a:p>
@@ -22066,11 +22068,7 @@
           <a:p>
             <a:r>
               <a:rPr lang="ja-JP" altLang="en-US" dirty="0" smtClean="0"/>
-              <a:t>磁界</a:t>
-            </a:r>
-            <a:r>
-              <a:rPr lang="ja-JP" altLang="en-US" dirty="0" smtClean="0"/>
-              <a:t>発生後、カーソルを移動しても磁界は移動しない</a:t>
+              <a:t>磁界発生後、カーソルを移動しても磁界は移動しない</a:t>
             </a:r>
             <a:endParaRPr lang="en-US" altLang="ja-JP" dirty="0" smtClean="0"/>
           </a:p>
@@ -23426,209 +23424,6 @@
       </p:grpSpPr>
       <p:sp>
         <p:nvSpPr>
-          <p:cNvPr id="4" name="テキスト ボックス 3"/>
-          <p:cNvSpPr txBox="1"/>
-          <p:nvPr/>
-        </p:nvSpPr>
-        <p:spPr>
-          <a:xfrm>
-            <a:off x="1115616" y="931175"/>
-            <a:ext cx="6773978" cy="4801314"/>
-          </a:xfrm>
-          <a:prstGeom prst="rect">
-            <a:avLst/>
-          </a:prstGeom>
-          <a:noFill/>
-          <a:ln w="28575">
-            <a:solidFill>
-              <a:schemeClr val="tx1"/>
-            </a:solidFill>
-          </a:ln>
-        </p:spPr>
-        <p:txBody>
-          <a:bodyPr wrap="square" rtlCol="0">
-            <a:spAutoFit/>
-          </a:bodyPr>
-          <a:lstStyle/>
-          <a:p>
-            <a:r>
-              <a:rPr lang="ja-JP" altLang="en-US" dirty="0" smtClean="0"/>
-              <a:t>～決まっていること～</a:t>
-            </a:r>
-            <a:endParaRPr lang="en-US" altLang="ja-JP" dirty="0" smtClean="0"/>
-          </a:p>
-          <a:p>
-            <a:r>
-              <a:rPr kumimoji="1" lang="ja-JP" altLang="en-US" dirty="0" smtClean="0"/>
-              <a:t>自機</a:t>
-            </a:r>
-            <a:endParaRPr kumimoji="1" lang="en-US" altLang="ja-JP" dirty="0" smtClean="0"/>
-          </a:p>
-          <a:p>
-            <a:r>
-              <a:rPr lang="ja-JP" altLang="en-US" dirty="0" smtClean="0"/>
-              <a:t>・一定方向に自立移動する</a:t>
-            </a:r>
-            <a:endParaRPr kumimoji="1" lang="en-US" altLang="ja-JP" dirty="0" smtClean="0"/>
-          </a:p>
-          <a:p>
-            <a:r>
-              <a:rPr lang="ja-JP" altLang="en-US" dirty="0" smtClean="0"/>
-              <a:t>・磁界に対して吸い付くまたは反発し、方向と速度が変化</a:t>
-            </a:r>
-            <a:endParaRPr lang="en-US" altLang="ja-JP" dirty="0" smtClean="0"/>
-          </a:p>
-          <a:p>
-            <a:r>
-              <a:rPr kumimoji="1" lang="ja-JP" altLang="en-US" dirty="0" smtClean="0"/>
-              <a:t>・磁界中心に吸い付くと、自機の磁界が反転＆磁界中心を軸に公転、</a:t>
-            </a:r>
-            <a:r>
-              <a:rPr lang="ja-JP" altLang="en-US" dirty="0" smtClean="0"/>
-              <a:t>クリックを離すとその時の角度に進む</a:t>
-            </a:r>
-            <a:endParaRPr lang="en-US" altLang="ja-JP" dirty="0" smtClean="0"/>
-          </a:p>
-          <a:p>
-            <a:endParaRPr lang="en-US" altLang="ja-JP" dirty="0" smtClean="0"/>
-          </a:p>
-          <a:p>
-            <a:r>
-              <a:rPr lang="ja-JP" altLang="en-US" dirty="0"/>
-              <a:t>磁界</a:t>
-            </a:r>
-            <a:endParaRPr lang="en-US" altLang="ja-JP" dirty="0"/>
-          </a:p>
-          <a:p>
-            <a:r>
-              <a:rPr lang="ja-JP" altLang="en-US" dirty="0"/>
-              <a:t>・</a:t>
-            </a:r>
-            <a:r>
-              <a:rPr lang="en-US" altLang="ja-JP" dirty="0"/>
-              <a:t>N</a:t>
-            </a:r>
-            <a:r>
-              <a:rPr lang="ja-JP" altLang="en-US" dirty="0"/>
-              <a:t>極と</a:t>
-            </a:r>
-            <a:r>
-              <a:rPr lang="en-US" altLang="ja-JP" dirty="0"/>
-              <a:t>S</a:t>
-            </a:r>
-            <a:r>
-              <a:rPr lang="ja-JP" altLang="en-US" dirty="0"/>
-              <a:t>極がある</a:t>
-            </a:r>
-            <a:endParaRPr lang="en-US" altLang="ja-JP" dirty="0"/>
-          </a:p>
-          <a:p>
-            <a:r>
-              <a:rPr lang="ja-JP" altLang="en-US" dirty="0"/>
-              <a:t>・磁界はマウス長押し</a:t>
-            </a:r>
-            <a:r>
-              <a:rPr lang="en-US" altLang="ja-JP" dirty="0"/>
-              <a:t>(</a:t>
-            </a:r>
-            <a:r>
-              <a:rPr lang="ja-JP" altLang="en-US" dirty="0"/>
-              <a:t>右</a:t>
-            </a:r>
-            <a:r>
-              <a:rPr lang="en-US" altLang="ja-JP" dirty="0"/>
-              <a:t>N</a:t>
-            </a:r>
-            <a:r>
-              <a:rPr lang="ja-JP" altLang="en-US" dirty="0"/>
-              <a:t>極。左</a:t>
-            </a:r>
-            <a:r>
-              <a:rPr lang="en-US" altLang="ja-JP" dirty="0"/>
-              <a:t>S</a:t>
-            </a:r>
-            <a:r>
-              <a:rPr lang="ja-JP" altLang="en-US" dirty="0"/>
-              <a:t>極</a:t>
-            </a:r>
-            <a:r>
-              <a:rPr lang="en-US" altLang="ja-JP" dirty="0"/>
-              <a:t>)</a:t>
-            </a:r>
-            <a:r>
-              <a:rPr lang="ja-JP" altLang="en-US" dirty="0"/>
-              <a:t>でカーソルを中心に発生</a:t>
-            </a:r>
-            <a:endParaRPr lang="en-US" altLang="ja-JP" dirty="0"/>
-          </a:p>
-          <a:p>
-            <a:endParaRPr lang="en-US" altLang="ja-JP" dirty="0"/>
-          </a:p>
-          <a:p>
-            <a:r>
-              <a:rPr lang="ja-JP" altLang="en-US" dirty="0" smtClean="0"/>
-              <a:t>ギミック</a:t>
-            </a:r>
-            <a:endParaRPr lang="en-US" altLang="ja-JP" dirty="0" smtClean="0"/>
-          </a:p>
-          <a:p>
-            <a:r>
-              <a:rPr lang="ja-JP" altLang="en-US" dirty="0" smtClean="0"/>
-              <a:t>・電気壁、磁気が触れたらアウト</a:t>
-            </a:r>
-            <a:endParaRPr lang="en-US" altLang="ja-JP" dirty="0" smtClean="0"/>
-          </a:p>
-          <a:p>
-            <a:r>
-              <a:rPr lang="ja-JP" altLang="en-US" dirty="0" smtClean="0"/>
-              <a:t>・下から崩壊していくステージ、崩壊に巻き込まれたらアウト</a:t>
-            </a:r>
-            <a:endParaRPr lang="en-US" altLang="ja-JP" dirty="0" smtClean="0"/>
-          </a:p>
-          <a:p>
-            <a:r>
-              <a:rPr lang="ja-JP" altLang="en-US" dirty="0" smtClean="0"/>
-              <a:t>・チェックポイント、自機が死に、コンティニューした場合そこからスタートする。</a:t>
-            </a:r>
-            <a:endParaRPr lang="en-US" altLang="ja-JP" dirty="0" smtClean="0"/>
-          </a:p>
-          <a:p>
-            <a:endParaRPr lang="en-US" altLang="ja-JP" dirty="0" smtClean="0"/>
-          </a:p>
-        </p:txBody>
-      </p:sp>
-    </p:spTree>
-    <p:extLst>
-      <p:ext uri="{BB962C8B-B14F-4D97-AF65-F5344CB8AC3E}">
-        <p14:creationId xmlns:p14="http://schemas.microsoft.com/office/powerpoint/2010/main" val="2513637126"/>
-      </p:ext>
-    </p:extLst>
-  </p:cSld>
-  <p:clrMapOvr>
-    <a:masterClrMapping/>
-  </p:clrMapOvr>
-</p:sld>
-</file>
-
-<file path=ppt/slides/slide29.xml><?xml version="1.0" encoding="utf-8"?>
-<p:sld xmlns:a="http://schemas.openxmlformats.org/drawingml/2006/main" xmlns:r="http://schemas.openxmlformats.org/officeDocument/2006/relationships" xmlns:p="http://schemas.openxmlformats.org/presentationml/2006/main">
-  <p:cSld>
-    <p:spTree>
-      <p:nvGrpSpPr>
-        <p:cNvPr id="1" name=""/>
-        <p:cNvGrpSpPr/>
-        <p:nvPr/>
-      </p:nvGrpSpPr>
-      <p:grpSpPr>
-        <a:xfrm>
-          <a:off x="0" y="0"/>
-          <a:ext cx="0" cy="0"/>
-          <a:chOff x="0" y="0"/>
-          <a:chExt cx="0" cy="0"/>
-        </a:xfrm>
-      </p:grpSpPr>
-      <p:sp>
-        <p:nvSpPr>
           <p:cNvPr id="46" name="パイ 45"/>
           <p:cNvSpPr/>
           <p:nvPr/>
@@ -24059,15 +23854,7 @@
             </a:r>
             <a:r>
               <a:rPr kumimoji="1" lang="ja-JP" altLang="en-US" dirty="0" smtClean="0"/>
-              <a:t>プレイヤー</a:t>
-            </a:r>
-            <a:r>
-              <a:rPr kumimoji="1" lang="ja-JP" altLang="en-US" dirty="0" smtClean="0"/>
-              <a:t>の好きな方向に選択</a:t>
-            </a:r>
-            <a:r>
-              <a:rPr kumimoji="1" lang="ja-JP" altLang="en-US" dirty="0" smtClean="0"/>
-              <a:t>する</a:t>
+              <a:t>プレイヤーの好きな方向に選択する</a:t>
             </a:r>
             <a:endParaRPr kumimoji="1" lang="en-US" altLang="ja-JP" dirty="0" smtClean="0"/>
           </a:p>
@@ -24250,6 +24037,271 @@
     <p:extLst>
       <p:ext uri="{BB962C8B-B14F-4D97-AF65-F5344CB8AC3E}">
         <p14:creationId xmlns:p14="http://schemas.microsoft.com/office/powerpoint/2010/main" val="3108947068"/>
+      </p:ext>
+    </p:extLst>
+  </p:cSld>
+  <p:clrMapOvr>
+    <a:masterClrMapping/>
+  </p:clrMapOvr>
+</p:sld>
+</file>
+
+<file path=ppt/slides/slide29.xml><?xml version="1.0" encoding="utf-8"?>
+<p:sld xmlns:a="http://schemas.openxmlformats.org/drawingml/2006/main" xmlns:r="http://schemas.openxmlformats.org/officeDocument/2006/relationships" xmlns:p="http://schemas.openxmlformats.org/presentationml/2006/main">
+  <p:cSld>
+    <p:spTree>
+      <p:nvGrpSpPr>
+        <p:cNvPr id="1" name=""/>
+        <p:cNvGrpSpPr/>
+        <p:nvPr/>
+      </p:nvGrpSpPr>
+      <p:grpSpPr>
+        <a:xfrm>
+          <a:off x="0" y="0"/>
+          <a:ext cx="0" cy="0"/>
+          <a:chOff x="0" y="0"/>
+          <a:chExt cx="0" cy="0"/>
+        </a:xfrm>
+      </p:grpSpPr>
+      <p:sp>
+        <p:nvSpPr>
+          <p:cNvPr id="4" name="テキスト ボックス 3"/>
+          <p:cNvSpPr txBox="1"/>
+          <p:nvPr/>
+        </p:nvSpPr>
+        <p:spPr>
+          <a:xfrm>
+            <a:off x="0" y="0"/>
+            <a:ext cx="9144000" cy="5447645"/>
+          </a:xfrm>
+          <a:prstGeom prst="rect">
+            <a:avLst/>
+          </a:prstGeom>
+          <a:noFill/>
+          <a:ln w="28575">
+            <a:solidFill>
+              <a:schemeClr val="tx1"/>
+            </a:solidFill>
+          </a:ln>
+        </p:spPr>
+        <p:txBody>
+          <a:bodyPr wrap="square" rtlCol="0">
+            <a:spAutoFit/>
+          </a:bodyPr>
+          <a:lstStyle/>
+          <a:p>
+            <a:r>
+              <a:rPr kumimoji="1" lang="ja-JP" altLang="en-US" dirty="0" smtClean="0"/>
+              <a:t>自機</a:t>
+            </a:r>
+            <a:endParaRPr kumimoji="1" lang="en-US" altLang="ja-JP" dirty="0" smtClean="0"/>
+          </a:p>
+          <a:p>
+            <a:r>
+              <a:rPr lang="ja-JP" altLang="en-US" sz="1600" dirty="0" smtClean="0"/>
+              <a:t>・一定の方向に自立移動する</a:t>
+            </a:r>
+            <a:endParaRPr kumimoji="1" lang="en-US" altLang="ja-JP" sz="1600" dirty="0" smtClean="0"/>
+          </a:p>
+          <a:p>
+            <a:r>
+              <a:rPr lang="ja-JP" altLang="en-US" sz="1600" dirty="0" smtClean="0"/>
+              <a:t>・磁界に対して吸い付くまたは反発し、方向と速度が変化</a:t>
+            </a:r>
+            <a:endParaRPr lang="en-US" altLang="ja-JP" sz="1600" dirty="0" smtClean="0"/>
+          </a:p>
+          <a:p>
+            <a:r>
+              <a:rPr lang="ja-JP" altLang="en-US" sz="1600" dirty="0" smtClean="0"/>
+              <a:t>・磁界を抜けてからは磁界に入らない限り</a:t>
+            </a:r>
+            <a:r>
+              <a:rPr lang="ja-JP" altLang="en-US" sz="1600" dirty="0"/>
+              <a:t>自</a:t>
+            </a:r>
+            <a:r>
+              <a:rPr lang="ja-JP" altLang="en-US" sz="1600" dirty="0" smtClean="0"/>
+              <a:t>機は減速する。</a:t>
+            </a:r>
+            <a:endParaRPr lang="en-US" altLang="ja-JP" sz="1600" dirty="0" smtClean="0"/>
+          </a:p>
+          <a:p>
+            <a:r>
+              <a:rPr kumimoji="1" lang="ja-JP" altLang="en-US" sz="1600" dirty="0" smtClean="0"/>
+              <a:t>・磁界中心に吸い付くと自機の磁界が反転＆磁界中心を軸に公転、</a:t>
+            </a:r>
+            <a:r>
+              <a:rPr lang="ja-JP" altLang="en-US" sz="1600" dirty="0" smtClean="0"/>
+              <a:t>クリックを離すとその時の角度に進む</a:t>
+            </a:r>
+            <a:endParaRPr lang="en-US" altLang="ja-JP" sz="1600" dirty="0" smtClean="0"/>
+          </a:p>
+          <a:p>
+            <a:r>
+              <a:rPr lang="ja-JP" altLang="en-US" sz="1600" dirty="0" smtClean="0"/>
+              <a:t>・無敵モード、無敵アイテムを一定以上取得すると発動する。その間は電気壁に触れても死なない</a:t>
+            </a:r>
+            <a:endParaRPr lang="en-US" altLang="ja-JP" sz="1600" dirty="0" smtClean="0"/>
+          </a:p>
+          <a:p>
+            <a:r>
+              <a:rPr lang="ja-JP" altLang="en-US" sz="1600" dirty="0" smtClean="0"/>
+              <a:t>（ステージ崩壊を除く）。</a:t>
+            </a:r>
+            <a:endParaRPr lang="en-US" altLang="ja-JP" sz="1600" dirty="0" smtClean="0"/>
+          </a:p>
+          <a:p>
+            <a:endParaRPr lang="en-US" altLang="ja-JP" dirty="0" smtClean="0"/>
+          </a:p>
+          <a:p>
+            <a:r>
+              <a:rPr lang="ja-JP" altLang="en-US" dirty="0"/>
+              <a:t>磁界</a:t>
+            </a:r>
+            <a:endParaRPr lang="en-US" altLang="ja-JP" dirty="0"/>
+          </a:p>
+          <a:p>
+            <a:r>
+              <a:rPr lang="ja-JP" altLang="en-US" sz="1600" dirty="0"/>
+              <a:t>・</a:t>
+            </a:r>
+            <a:r>
+              <a:rPr lang="en-US" altLang="ja-JP" sz="1600" dirty="0"/>
+              <a:t>N</a:t>
+            </a:r>
+            <a:r>
+              <a:rPr lang="ja-JP" altLang="en-US" sz="1600" dirty="0"/>
+              <a:t>極と</a:t>
+            </a:r>
+            <a:r>
+              <a:rPr lang="en-US" altLang="ja-JP" sz="1600" dirty="0"/>
+              <a:t>S</a:t>
+            </a:r>
+            <a:r>
+              <a:rPr lang="ja-JP" altLang="en-US" sz="1600" dirty="0"/>
+              <a:t>極がある</a:t>
+            </a:r>
+            <a:endParaRPr lang="en-US" altLang="ja-JP" sz="1600" dirty="0"/>
+          </a:p>
+          <a:p>
+            <a:r>
+              <a:rPr lang="ja-JP" altLang="en-US" sz="1600" dirty="0"/>
+              <a:t>・磁界はマウス長押し</a:t>
+            </a:r>
+            <a:r>
+              <a:rPr lang="en-US" altLang="ja-JP" sz="1600" dirty="0"/>
+              <a:t>(</a:t>
+            </a:r>
+            <a:r>
+              <a:rPr lang="ja-JP" altLang="en-US" sz="1600" dirty="0"/>
+              <a:t>右</a:t>
+            </a:r>
+            <a:r>
+              <a:rPr lang="en-US" altLang="ja-JP" sz="1600" dirty="0"/>
+              <a:t>N</a:t>
+            </a:r>
+            <a:r>
+              <a:rPr lang="ja-JP" altLang="en-US" sz="1600" dirty="0"/>
+              <a:t>極。左</a:t>
+            </a:r>
+            <a:r>
+              <a:rPr lang="en-US" altLang="ja-JP" sz="1600" dirty="0"/>
+              <a:t>S</a:t>
+            </a:r>
+            <a:r>
+              <a:rPr lang="ja-JP" altLang="en-US" sz="1600" dirty="0"/>
+              <a:t>極</a:t>
+            </a:r>
+            <a:r>
+              <a:rPr lang="en-US" altLang="ja-JP" sz="1600" dirty="0"/>
+              <a:t>)</a:t>
+            </a:r>
+            <a:r>
+              <a:rPr lang="ja-JP" altLang="en-US" sz="1600" dirty="0"/>
+              <a:t>でカーソルを中心に</a:t>
+            </a:r>
+            <a:r>
+              <a:rPr lang="ja-JP" altLang="en-US" sz="1600" dirty="0" smtClean="0"/>
+              <a:t>発生</a:t>
+            </a:r>
+            <a:endParaRPr lang="en-US" altLang="ja-JP" sz="1600" dirty="0" smtClean="0"/>
+          </a:p>
+          <a:p>
+            <a:r>
+              <a:rPr lang="ja-JP" altLang="en-US" sz="1600" dirty="0" smtClean="0"/>
+              <a:t>・磁界はカーソルを移動させても移動しない</a:t>
+            </a:r>
+            <a:endParaRPr lang="en-US" altLang="ja-JP" sz="1600" dirty="0"/>
+          </a:p>
+          <a:p>
+            <a:endParaRPr lang="en-US" altLang="ja-JP" dirty="0" smtClean="0"/>
+          </a:p>
+          <a:p>
+            <a:r>
+              <a:rPr lang="ja-JP" altLang="en-US" dirty="0" smtClean="0"/>
+              <a:t>ギミック</a:t>
+            </a:r>
+            <a:endParaRPr lang="en-US" altLang="ja-JP" dirty="0" smtClean="0"/>
+          </a:p>
+          <a:p>
+            <a:r>
+              <a:rPr lang="ja-JP" altLang="en-US" sz="1600" dirty="0" smtClean="0"/>
+              <a:t>・電気壁、</a:t>
+            </a:r>
+            <a:r>
+              <a:rPr lang="ja-JP" altLang="en-US" sz="1600" dirty="0"/>
+              <a:t>自機</a:t>
+            </a:r>
+            <a:r>
+              <a:rPr lang="ja-JP" altLang="en-US" sz="1600" dirty="0" smtClean="0"/>
+              <a:t>が触れたらアウト</a:t>
+            </a:r>
+            <a:endParaRPr lang="en-US" altLang="ja-JP" sz="1600" dirty="0" smtClean="0"/>
+          </a:p>
+          <a:p>
+            <a:r>
+              <a:rPr lang="ja-JP" altLang="en-US" sz="1600" dirty="0" smtClean="0"/>
+              <a:t>・下から崩壊していくステージ、崩壊に巻き込まれたらアウト</a:t>
+            </a:r>
+            <a:endParaRPr lang="en-US" altLang="ja-JP" sz="1600" dirty="0" smtClean="0"/>
+          </a:p>
+          <a:p>
+            <a:r>
+              <a:rPr lang="ja-JP" altLang="en-US" sz="1600" dirty="0" smtClean="0"/>
+              <a:t>・機雷、自機が触れたらアウト。止まっているものと移動しているものがある。磁界に吸い付いてくる。</a:t>
+            </a:r>
+            <a:endParaRPr lang="en-US" altLang="ja-JP" sz="1600" dirty="0" smtClean="0"/>
+          </a:p>
+          <a:p>
+            <a:r>
+              <a:rPr lang="ja-JP" altLang="en-US" sz="1600" dirty="0" smtClean="0"/>
+              <a:t>・固定磁界、ステージに配置してあり、プレイヤーは操作できない。</a:t>
+            </a:r>
+            <a:endParaRPr lang="en-US" altLang="ja-JP" sz="1600" dirty="0" smtClean="0"/>
+          </a:p>
+          <a:p>
+            <a:r>
+              <a:rPr lang="ja-JP" altLang="en-US" sz="1600" dirty="0" smtClean="0"/>
+              <a:t>・無敵アイテム、ステージの各所に漂っている。自機が近づくと吸い付いつき取得される。</a:t>
+            </a:r>
+            <a:endParaRPr lang="en-US" altLang="ja-JP" sz="1600" dirty="0" smtClean="0"/>
+          </a:p>
+          <a:p>
+            <a:r>
+              <a:rPr lang="ja-JP" altLang="en-US" sz="1600" dirty="0" smtClean="0"/>
+              <a:t>・チェックポイント、自機が死に、コンティニューした場合そこからスタートする。</a:t>
+            </a:r>
+            <a:endParaRPr lang="en-US" altLang="ja-JP" sz="1600" dirty="0" smtClean="0"/>
+          </a:p>
+          <a:p>
+            <a:endParaRPr lang="en-US" altLang="ja-JP" dirty="0" smtClean="0"/>
+          </a:p>
+        </p:txBody>
+      </p:sp>
+    </p:spTree>
+    <p:extLst>
+      <p:ext uri="{BB962C8B-B14F-4D97-AF65-F5344CB8AC3E}">
+        <p14:creationId xmlns:p14="http://schemas.microsoft.com/office/powerpoint/2010/main" val="2513637126"/>
       </p:ext>
     </p:extLst>
   </p:cSld>
@@ -26013,6 +26065,4492 @@
 </p:sld>
 </file>
 
+<file path=ppt/slides/slide30.xml><?xml version="1.0" encoding="utf-8"?>
+<p:sld xmlns:a="http://schemas.openxmlformats.org/drawingml/2006/main" xmlns:r="http://schemas.openxmlformats.org/officeDocument/2006/relationships" xmlns:p="http://schemas.openxmlformats.org/presentationml/2006/main">
+  <p:cSld>
+    <p:spTree>
+      <p:nvGrpSpPr>
+        <p:cNvPr id="1" name=""/>
+        <p:cNvGrpSpPr/>
+        <p:nvPr/>
+      </p:nvGrpSpPr>
+      <p:grpSpPr>
+        <a:xfrm>
+          <a:off x="0" y="0"/>
+          <a:ext cx="0" cy="0"/>
+          <a:chOff x="0" y="0"/>
+          <a:chExt cx="0" cy="0"/>
+        </a:xfrm>
+      </p:grpSpPr>
+      <p:sp>
+        <p:nvSpPr>
+          <p:cNvPr id="5" name="タイトル 4"/>
+          <p:cNvSpPr>
+            <a:spLocks noGrp="1"/>
+          </p:cNvSpPr>
+          <p:nvPr>
+            <p:ph type="title"/>
+          </p:nvPr>
+        </p:nvSpPr>
+        <p:spPr>
+          <a:xfrm>
+            <a:off x="489066" y="188640"/>
+            <a:ext cx="8229600" cy="562074"/>
+          </a:xfrm>
+        </p:spPr>
+        <p:txBody>
+          <a:bodyPr>
+            <a:normAutofit fontScale="90000"/>
+          </a:bodyPr>
+          <a:lstStyle/>
+          <a:p>
+            <a:r>
+              <a:rPr lang="ja-JP" altLang="en-US" dirty="0"/>
+              <a:t>ゲーム</a:t>
+            </a:r>
+            <a:r>
+              <a:rPr lang="ja-JP" altLang="en-US" dirty="0" smtClean="0"/>
+              <a:t>画面イメージ（全体）</a:t>
+            </a:r>
+            <a:endParaRPr kumimoji="1" lang="ja-JP" altLang="en-US" dirty="0"/>
+          </a:p>
+        </p:txBody>
+      </p:sp>
+      <p:grpSp>
+        <p:nvGrpSpPr>
+          <p:cNvPr id="19" name="グループ化 18"/>
+          <p:cNvGrpSpPr/>
+          <p:nvPr/>
+        </p:nvGrpSpPr>
+        <p:grpSpPr>
+          <a:xfrm>
+            <a:off x="1043608" y="1700808"/>
+            <a:ext cx="6984776" cy="4464496"/>
+            <a:chOff x="1043608" y="1700808"/>
+            <a:chExt cx="6984776" cy="4464496"/>
+          </a:xfrm>
+        </p:grpSpPr>
+        <p:sp>
+          <p:nvSpPr>
+            <p:cNvPr id="2" name="正方形/長方形 1"/>
+            <p:cNvSpPr/>
+            <p:nvPr/>
+          </p:nvSpPr>
+          <p:spPr>
+            <a:xfrm>
+              <a:off x="1043608" y="1700808"/>
+              <a:ext cx="6984776" cy="4464496"/>
+            </a:xfrm>
+            <a:prstGeom prst="rect">
+              <a:avLst/>
+            </a:prstGeom>
+            <a:solidFill>
+              <a:schemeClr val="tx1"/>
+            </a:solidFill>
+          </p:spPr>
+          <p:style>
+            <a:lnRef idx="2">
+              <a:schemeClr val="accent1">
+                <a:shade val="50000"/>
+              </a:schemeClr>
+            </a:lnRef>
+            <a:fillRef idx="1">
+              <a:schemeClr val="accent1"/>
+            </a:fillRef>
+            <a:effectRef idx="0">
+              <a:schemeClr val="accent1"/>
+            </a:effectRef>
+            <a:fontRef idx="minor">
+              <a:schemeClr val="lt1"/>
+            </a:fontRef>
+          </p:style>
+          <p:txBody>
+            <a:bodyPr rtlCol="0" anchor="ctr"/>
+            <a:lstStyle/>
+            <a:p>
+              <a:pPr algn="ctr"/>
+              <a:endParaRPr kumimoji="1" lang="ja-JP" altLang="en-US"/>
+            </a:p>
+          </p:txBody>
+        </p:sp>
+        <p:grpSp>
+          <p:nvGrpSpPr>
+            <p:cNvPr id="4" name="グループ化 3"/>
+            <p:cNvGrpSpPr/>
+            <p:nvPr/>
+          </p:nvGrpSpPr>
+          <p:grpSpPr>
+            <a:xfrm>
+              <a:off x="1619672" y="2097819"/>
+              <a:ext cx="1116124" cy="1116124"/>
+              <a:chOff x="2375756" y="3825044"/>
+              <a:chExt cx="2664296" cy="2664296"/>
+            </a:xfrm>
+          </p:grpSpPr>
+          <p:sp>
+            <p:nvSpPr>
+              <p:cNvPr id="6" name="円/楕円 5"/>
+              <p:cNvSpPr/>
+              <p:nvPr/>
+            </p:nvSpPr>
+            <p:spPr>
+              <a:xfrm>
+                <a:off x="2375756" y="3825044"/>
+                <a:ext cx="2664296" cy="2664296"/>
+              </a:xfrm>
+              <a:prstGeom prst="ellipse">
+                <a:avLst/>
+              </a:prstGeom>
+              <a:solidFill>
+                <a:schemeClr val="tx2">
+                  <a:lumMod val="20000"/>
+                  <a:lumOff val="80000"/>
+                </a:schemeClr>
+              </a:solidFill>
+            </p:spPr>
+            <p:style>
+              <a:lnRef idx="2">
+                <a:schemeClr val="accent1">
+                  <a:shade val="50000"/>
+                </a:schemeClr>
+              </a:lnRef>
+              <a:fillRef idx="1">
+                <a:schemeClr val="accent1"/>
+              </a:fillRef>
+              <a:effectRef idx="0">
+                <a:schemeClr val="accent1"/>
+              </a:effectRef>
+              <a:fontRef idx="minor">
+                <a:schemeClr val="lt1"/>
+              </a:fontRef>
+            </p:style>
+            <p:txBody>
+              <a:bodyPr rtlCol="0" anchor="ctr"/>
+              <a:lstStyle/>
+              <a:p>
+                <a:pPr algn="ctr"/>
+                <a:endParaRPr kumimoji="1" lang="ja-JP" altLang="en-US"/>
+              </a:p>
+            </p:txBody>
+          </p:sp>
+          <p:sp>
+            <p:nvSpPr>
+              <p:cNvPr id="7" name="円/楕円 6"/>
+              <p:cNvSpPr/>
+              <p:nvPr/>
+            </p:nvSpPr>
+            <p:spPr>
+              <a:xfrm>
+                <a:off x="2771800" y="4220524"/>
+                <a:ext cx="1873335" cy="1873335"/>
+              </a:xfrm>
+              <a:prstGeom prst="ellipse">
+                <a:avLst/>
+              </a:prstGeom>
+              <a:solidFill>
+                <a:schemeClr val="tx2">
+                  <a:lumMod val="60000"/>
+                  <a:lumOff val="40000"/>
+                </a:schemeClr>
+              </a:solidFill>
+            </p:spPr>
+            <p:style>
+              <a:lnRef idx="2">
+                <a:schemeClr val="accent1">
+                  <a:shade val="50000"/>
+                </a:schemeClr>
+              </a:lnRef>
+              <a:fillRef idx="1">
+                <a:schemeClr val="accent1"/>
+              </a:fillRef>
+              <a:effectRef idx="0">
+                <a:schemeClr val="accent1"/>
+              </a:effectRef>
+              <a:fontRef idx="minor">
+                <a:schemeClr val="lt1"/>
+              </a:fontRef>
+            </p:style>
+            <p:txBody>
+              <a:bodyPr rtlCol="0" anchor="ctr"/>
+              <a:lstStyle/>
+              <a:p>
+                <a:pPr algn="ctr"/>
+                <a:endParaRPr kumimoji="1" lang="ja-JP" altLang="en-US"/>
+              </a:p>
+            </p:txBody>
+          </p:sp>
+          <p:sp>
+            <p:nvSpPr>
+              <p:cNvPr id="8" name="円/楕円 7"/>
+              <p:cNvSpPr/>
+              <p:nvPr/>
+            </p:nvSpPr>
+            <p:spPr>
+              <a:xfrm>
+                <a:off x="3096399" y="4545124"/>
+                <a:ext cx="1224136" cy="1224136"/>
+              </a:xfrm>
+              <a:prstGeom prst="ellipse">
+                <a:avLst/>
+              </a:prstGeom>
+              <a:solidFill>
+                <a:schemeClr val="tx2">
+                  <a:lumMod val="50000"/>
+                </a:schemeClr>
+              </a:solidFill>
+            </p:spPr>
+            <p:style>
+              <a:lnRef idx="2">
+                <a:schemeClr val="accent1">
+                  <a:shade val="50000"/>
+                </a:schemeClr>
+              </a:lnRef>
+              <a:fillRef idx="1">
+                <a:schemeClr val="accent1"/>
+              </a:fillRef>
+              <a:effectRef idx="0">
+                <a:schemeClr val="accent1"/>
+              </a:effectRef>
+              <a:fontRef idx="minor">
+                <a:schemeClr val="lt1"/>
+              </a:fontRef>
+            </p:style>
+            <p:txBody>
+              <a:bodyPr rtlCol="0" anchor="ctr"/>
+              <a:lstStyle/>
+              <a:p>
+                <a:pPr algn="ctr"/>
+                <a:endParaRPr kumimoji="1" lang="ja-JP" altLang="en-US"/>
+              </a:p>
+            </p:txBody>
+          </p:sp>
+          <p:sp>
+            <p:nvSpPr>
+              <p:cNvPr id="9" name="円/楕円 8"/>
+              <p:cNvSpPr/>
+              <p:nvPr/>
+            </p:nvSpPr>
+            <p:spPr>
+              <a:xfrm>
+                <a:off x="3491880" y="4941168"/>
+                <a:ext cx="432048" cy="432048"/>
+              </a:xfrm>
+              <a:prstGeom prst="ellipse">
+                <a:avLst/>
+              </a:prstGeom>
+            </p:spPr>
+            <p:style>
+              <a:lnRef idx="2">
+                <a:schemeClr val="accent1">
+                  <a:shade val="50000"/>
+                </a:schemeClr>
+              </a:lnRef>
+              <a:fillRef idx="1">
+                <a:schemeClr val="accent1"/>
+              </a:fillRef>
+              <a:effectRef idx="0">
+                <a:schemeClr val="accent1"/>
+              </a:effectRef>
+              <a:fontRef idx="minor">
+                <a:schemeClr val="lt1"/>
+              </a:fontRef>
+            </p:style>
+            <p:txBody>
+              <a:bodyPr rtlCol="0" anchor="ctr"/>
+              <a:lstStyle/>
+              <a:p>
+                <a:pPr algn="ctr"/>
+                <a:r>
+                  <a:rPr kumimoji="1" lang="en-US" altLang="ja-JP" dirty="0" smtClean="0"/>
+                  <a:t>S</a:t>
+                </a:r>
+                <a:endParaRPr kumimoji="1" lang="ja-JP" altLang="en-US" dirty="0"/>
+              </a:p>
+            </p:txBody>
+          </p:sp>
+        </p:grpSp>
+        <p:grpSp>
+          <p:nvGrpSpPr>
+            <p:cNvPr id="10" name="グループ化 9"/>
+            <p:cNvGrpSpPr/>
+            <p:nvPr/>
+          </p:nvGrpSpPr>
+          <p:grpSpPr>
+            <a:xfrm>
+              <a:off x="3664008" y="3213943"/>
+              <a:ext cx="1103412" cy="1103412"/>
+              <a:chOff x="4211960" y="1500097"/>
+              <a:chExt cx="2664296" cy="2664296"/>
+            </a:xfrm>
+          </p:grpSpPr>
+          <p:grpSp>
+            <p:nvGrpSpPr>
+              <p:cNvPr id="11" name="グループ化 10"/>
+              <p:cNvGrpSpPr/>
+              <p:nvPr/>
+            </p:nvGrpSpPr>
+            <p:grpSpPr>
+              <a:xfrm>
+                <a:off x="4211960" y="1500097"/>
+                <a:ext cx="2664296" cy="2664296"/>
+                <a:chOff x="2375756" y="3825044"/>
+                <a:chExt cx="2664296" cy="2664296"/>
+              </a:xfrm>
+            </p:grpSpPr>
+            <p:sp>
+              <p:nvSpPr>
+                <p:cNvPr id="13" name="円/楕円 12"/>
+                <p:cNvSpPr/>
+                <p:nvPr/>
+              </p:nvSpPr>
+              <p:spPr>
+                <a:xfrm>
+                  <a:off x="2375756" y="3825044"/>
+                  <a:ext cx="2664296" cy="2664296"/>
+                </a:xfrm>
+                <a:prstGeom prst="ellipse">
+                  <a:avLst/>
+                </a:prstGeom>
+                <a:solidFill>
+                  <a:schemeClr val="tx2">
+                    <a:lumMod val="20000"/>
+                    <a:lumOff val="80000"/>
+                  </a:schemeClr>
+                </a:solidFill>
+              </p:spPr>
+              <p:style>
+                <a:lnRef idx="2">
+                  <a:schemeClr val="accent1">
+                    <a:shade val="50000"/>
+                  </a:schemeClr>
+                </a:lnRef>
+                <a:fillRef idx="1">
+                  <a:schemeClr val="accent1"/>
+                </a:fillRef>
+                <a:effectRef idx="0">
+                  <a:schemeClr val="accent1"/>
+                </a:effectRef>
+                <a:fontRef idx="minor">
+                  <a:schemeClr val="lt1"/>
+                </a:fontRef>
+              </p:style>
+              <p:txBody>
+                <a:bodyPr rtlCol="0" anchor="ctr"/>
+                <a:lstStyle/>
+                <a:p>
+                  <a:pPr algn="ctr"/>
+                  <a:endParaRPr kumimoji="1" lang="ja-JP" altLang="en-US"/>
+                </a:p>
+              </p:txBody>
+            </p:sp>
+            <p:sp>
+              <p:nvSpPr>
+                <p:cNvPr id="14" name="円/楕円 13"/>
+                <p:cNvSpPr/>
+                <p:nvPr/>
+              </p:nvSpPr>
+              <p:spPr>
+                <a:xfrm>
+                  <a:off x="2771800" y="4220524"/>
+                  <a:ext cx="1873335" cy="1873335"/>
+                </a:xfrm>
+                <a:prstGeom prst="ellipse">
+                  <a:avLst/>
+                </a:prstGeom>
+                <a:solidFill>
+                  <a:schemeClr val="tx2">
+                    <a:lumMod val="60000"/>
+                    <a:lumOff val="40000"/>
+                  </a:schemeClr>
+                </a:solidFill>
+              </p:spPr>
+              <p:style>
+                <a:lnRef idx="2">
+                  <a:schemeClr val="accent1">
+                    <a:shade val="50000"/>
+                  </a:schemeClr>
+                </a:lnRef>
+                <a:fillRef idx="1">
+                  <a:schemeClr val="accent1"/>
+                </a:fillRef>
+                <a:effectRef idx="0">
+                  <a:schemeClr val="accent1"/>
+                </a:effectRef>
+                <a:fontRef idx="minor">
+                  <a:schemeClr val="lt1"/>
+                </a:fontRef>
+              </p:style>
+              <p:txBody>
+                <a:bodyPr rtlCol="0" anchor="ctr"/>
+                <a:lstStyle/>
+                <a:p>
+                  <a:pPr algn="ctr"/>
+                  <a:endParaRPr kumimoji="1" lang="ja-JP" altLang="en-US"/>
+                </a:p>
+              </p:txBody>
+            </p:sp>
+            <p:sp>
+              <p:nvSpPr>
+                <p:cNvPr id="15" name="円/楕円 14"/>
+                <p:cNvSpPr/>
+                <p:nvPr/>
+              </p:nvSpPr>
+              <p:spPr>
+                <a:xfrm>
+                  <a:off x="3096399" y="4545124"/>
+                  <a:ext cx="1224136" cy="1224136"/>
+                </a:xfrm>
+                <a:prstGeom prst="ellipse">
+                  <a:avLst/>
+                </a:prstGeom>
+                <a:solidFill>
+                  <a:schemeClr val="tx2">
+                    <a:lumMod val="50000"/>
+                  </a:schemeClr>
+                </a:solidFill>
+              </p:spPr>
+              <p:style>
+                <a:lnRef idx="2">
+                  <a:schemeClr val="accent1">
+                    <a:shade val="50000"/>
+                  </a:schemeClr>
+                </a:lnRef>
+                <a:fillRef idx="1">
+                  <a:schemeClr val="accent1"/>
+                </a:fillRef>
+                <a:effectRef idx="0">
+                  <a:schemeClr val="accent1"/>
+                </a:effectRef>
+                <a:fontRef idx="minor">
+                  <a:schemeClr val="lt1"/>
+                </a:fontRef>
+              </p:style>
+              <p:txBody>
+                <a:bodyPr rtlCol="0" anchor="ctr"/>
+                <a:lstStyle/>
+                <a:p>
+                  <a:pPr algn="ctr"/>
+                  <a:endParaRPr kumimoji="1" lang="ja-JP" altLang="en-US"/>
+                </a:p>
+              </p:txBody>
+            </p:sp>
+          </p:grpSp>
+          <p:sp>
+            <p:nvSpPr>
+              <p:cNvPr id="12" name="円/楕円 11"/>
+              <p:cNvSpPr/>
+              <p:nvPr/>
+            </p:nvSpPr>
+            <p:spPr>
+              <a:xfrm>
+                <a:off x="5325159" y="2612733"/>
+                <a:ext cx="439023" cy="439023"/>
+              </a:xfrm>
+              <a:prstGeom prst="ellipse">
+                <a:avLst/>
+              </a:prstGeom>
+              <a:solidFill>
+                <a:srgbClr val="FF0000"/>
+              </a:solidFill>
+              <a:ln>
+                <a:solidFill>
+                  <a:srgbClr val="C00000"/>
+                </a:solidFill>
+              </a:ln>
+            </p:spPr>
+            <p:style>
+              <a:lnRef idx="2">
+                <a:schemeClr val="accent1">
+                  <a:shade val="50000"/>
+                </a:schemeClr>
+              </a:lnRef>
+              <a:fillRef idx="1">
+                <a:schemeClr val="accent1"/>
+              </a:fillRef>
+              <a:effectRef idx="0">
+                <a:schemeClr val="accent1"/>
+              </a:effectRef>
+              <a:fontRef idx="minor">
+                <a:schemeClr val="lt1"/>
+              </a:fontRef>
+            </p:style>
+            <p:txBody>
+              <a:bodyPr rtlCol="0" anchor="ctr"/>
+              <a:lstStyle/>
+              <a:p>
+                <a:pPr algn="ctr"/>
+                <a:r>
+                  <a:rPr kumimoji="1" lang="en-US" altLang="ja-JP" dirty="0" smtClean="0"/>
+                  <a:t>N</a:t>
+                </a:r>
+                <a:endParaRPr kumimoji="1" lang="ja-JP" altLang="en-US" dirty="0"/>
+              </a:p>
+            </p:txBody>
+          </p:sp>
+        </p:grpSp>
+        <p:sp>
+          <p:nvSpPr>
+            <p:cNvPr id="3" name="正方形/長方形 2"/>
+            <p:cNvSpPr/>
+            <p:nvPr/>
+          </p:nvSpPr>
+          <p:spPr>
+            <a:xfrm>
+              <a:off x="5652120" y="1700808"/>
+              <a:ext cx="2376264" cy="4464496"/>
+            </a:xfrm>
+            <a:prstGeom prst="rect">
+              <a:avLst/>
+            </a:prstGeom>
+            <a:solidFill>
+              <a:schemeClr val="bg2">
+                <a:lumMod val="25000"/>
+              </a:schemeClr>
+            </a:solidFill>
+            <a:ln>
+              <a:noFill/>
+            </a:ln>
+          </p:spPr>
+          <p:style>
+            <a:lnRef idx="2">
+              <a:schemeClr val="accent1">
+                <a:shade val="50000"/>
+              </a:schemeClr>
+            </a:lnRef>
+            <a:fillRef idx="1">
+              <a:schemeClr val="accent1"/>
+            </a:fillRef>
+            <a:effectRef idx="0">
+              <a:schemeClr val="accent1"/>
+            </a:effectRef>
+            <a:fontRef idx="minor">
+              <a:schemeClr val="lt1"/>
+            </a:fontRef>
+          </p:style>
+          <p:txBody>
+            <a:bodyPr rtlCol="0" anchor="ctr"/>
+            <a:lstStyle/>
+            <a:p>
+              <a:pPr algn="ctr"/>
+              <a:endParaRPr kumimoji="1" lang="ja-JP" altLang="en-US"/>
+            </a:p>
+          </p:txBody>
+        </p:sp>
+        <p:sp>
+          <p:nvSpPr>
+            <p:cNvPr id="16" name="正方形/長方形 15"/>
+            <p:cNvSpPr/>
+            <p:nvPr/>
+          </p:nvSpPr>
+          <p:spPr>
+            <a:xfrm>
+              <a:off x="1043608" y="5229200"/>
+              <a:ext cx="4608512" cy="936104"/>
+            </a:xfrm>
+            <a:prstGeom prst="rect">
+              <a:avLst/>
+            </a:prstGeom>
+            <a:solidFill>
+              <a:schemeClr val="accent6">
+                <a:lumMod val="75000"/>
+              </a:schemeClr>
+            </a:solidFill>
+          </p:spPr>
+          <p:style>
+            <a:lnRef idx="2">
+              <a:schemeClr val="accent1">
+                <a:shade val="50000"/>
+              </a:schemeClr>
+            </a:lnRef>
+            <a:fillRef idx="1">
+              <a:schemeClr val="accent1"/>
+            </a:fillRef>
+            <a:effectRef idx="0">
+              <a:schemeClr val="accent1"/>
+            </a:effectRef>
+            <a:fontRef idx="minor">
+              <a:schemeClr val="lt1"/>
+            </a:fontRef>
+          </p:style>
+          <p:txBody>
+            <a:bodyPr rtlCol="0" anchor="ctr"/>
+            <a:lstStyle/>
+            <a:p>
+              <a:pPr algn="ctr"/>
+              <a:endParaRPr kumimoji="1" lang="ja-JP" altLang="en-US"/>
+            </a:p>
+          </p:txBody>
+        </p:sp>
+      </p:grpSp>
+      <p:cxnSp>
+        <p:nvCxnSpPr>
+          <p:cNvPr id="18" name="直線矢印コネクタ 17"/>
+          <p:cNvCxnSpPr/>
+          <p:nvPr/>
+        </p:nvCxnSpPr>
+        <p:spPr>
+          <a:xfrm>
+            <a:off x="2507943" y="1503272"/>
+            <a:ext cx="623897" cy="1544996"/>
+          </a:xfrm>
+          <a:prstGeom prst="straightConnector1">
+            <a:avLst/>
+          </a:prstGeom>
+          <a:ln w="38100">
+            <a:solidFill>
+              <a:srgbClr val="FF0000"/>
+            </a:solidFill>
+            <a:tailEnd type="arrow"/>
+          </a:ln>
+        </p:spPr>
+        <p:style>
+          <a:lnRef idx="1">
+            <a:schemeClr val="accent1"/>
+          </a:lnRef>
+          <a:fillRef idx="0">
+            <a:schemeClr val="accent1"/>
+          </a:fillRef>
+          <a:effectRef idx="0">
+            <a:schemeClr val="accent1"/>
+          </a:effectRef>
+          <a:fontRef idx="minor">
+            <a:schemeClr val="tx1"/>
+          </a:fontRef>
+        </p:style>
+      </p:cxnSp>
+      <p:cxnSp>
+        <p:nvCxnSpPr>
+          <p:cNvPr id="20" name="直線矢印コネクタ 19"/>
+          <p:cNvCxnSpPr>
+            <a:stCxn id="28" idx="0"/>
+          </p:cNvCxnSpPr>
+          <p:nvPr/>
+        </p:nvCxnSpPr>
+        <p:spPr>
+          <a:xfrm flipV="1">
+            <a:off x="1983953" y="5697252"/>
+            <a:ext cx="1363911" cy="521053"/>
+          </a:xfrm>
+          <a:prstGeom prst="straightConnector1">
+            <a:avLst/>
+          </a:prstGeom>
+          <a:ln w="38100">
+            <a:solidFill>
+              <a:srgbClr val="FF0000"/>
+            </a:solidFill>
+            <a:tailEnd type="arrow"/>
+          </a:ln>
+        </p:spPr>
+        <p:style>
+          <a:lnRef idx="1">
+            <a:schemeClr val="accent1"/>
+          </a:lnRef>
+          <a:fillRef idx="0">
+            <a:schemeClr val="accent1"/>
+          </a:fillRef>
+          <a:effectRef idx="0">
+            <a:schemeClr val="accent1"/>
+          </a:effectRef>
+          <a:fontRef idx="minor">
+            <a:schemeClr val="tx1"/>
+          </a:fontRef>
+        </p:style>
+      </p:cxnSp>
+      <p:cxnSp>
+        <p:nvCxnSpPr>
+          <p:cNvPr id="21" name="直線矢印コネクタ 20"/>
+          <p:cNvCxnSpPr/>
+          <p:nvPr/>
+        </p:nvCxnSpPr>
+        <p:spPr>
+          <a:xfrm>
+            <a:off x="7092280" y="1412776"/>
+            <a:ext cx="144016" cy="1914863"/>
+          </a:xfrm>
+          <a:prstGeom prst="straightConnector1">
+            <a:avLst/>
+          </a:prstGeom>
+          <a:ln w="38100">
+            <a:solidFill>
+              <a:srgbClr val="FF0000"/>
+            </a:solidFill>
+            <a:tailEnd type="arrow"/>
+          </a:ln>
+        </p:spPr>
+        <p:style>
+          <a:lnRef idx="1">
+            <a:schemeClr val="accent1"/>
+          </a:lnRef>
+          <a:fillRef idx="0">
+            <a:schemeClr val="accent1"/>
+          </a:fillRef>
+          <a:effectRef idx="0">
+            <a:schemeClr val="accent1"/>
+          </a:effectRef>
+          <a:fontRef idx="minor">
+            <a:schemeClr val="tx1"/>
+          </a:fontRef>
+        </p:style>
+      </p:cxnSp>
+      <p:sp>
+        <p:nvSpPr>
+          <p:cNvPr id="27" name="テキスト ボックス 26"/>
+          <p:cNvSpPr txBox="1"/>
+          <p:nvPr/>
+        </p:nvSpPr>
+        <p:spPr>
+          <a:xfrm>
+            <a:off x="1487129" y="1149006"/>
+            <a:ext cx="2176879" cy="369332"/>
+          </a:xfrm>
+          <a:prstGeom prst="rect">
+            <a:avLst/>
+          </a:prstGeom>
+          <a:noFill/>
+          <a:ln>
+            <a:solidFill>
+              <a:schemeClr val="tx1"/>
+            </a:solidFill>
+          </a:ln>
+        </p:spPr>
+        <p:txBody>
+          <a:bodyPr wrap="square" rtlCol="0">
+            <a:spAutoFit/>
+          </a:bodyPr>
+          <a:lstStyle/>
+          <a:p>
+            <a:pPr algn="ctr"/>
+            <a:r>
+              <a:rPr kumimoji="1" lang="ja-JP" altLang="en-US" dirty="0" smtClean="0"/>
+              <a:t>メインゲーム画面</a:t>
+            </a:r>
+            <a:endParaRPr kumimoji="1" lang="ja-JP" altLang="en-US" dirty="0"/>
+          </a:p>
+        </p:txBody>
+      </p:sp>
+      <p:sp>
+        <p:nvSpPr>
+          <p:cNvPr id="28" name="テキスト ボックス 27"/>
+          <p:cNvSpPr txBox="1"/>
+          <p:nvPr/>
+        </p:nvSpPr>
+        <p:spPr>
+          <a:xfrm>
+            <a:off x="895513" y="6218305"/>
+            <a:ext cx="2176879" cy="369332"/>
+          </a:xfrm>
+          <a:prstGeom prst="rect">
+            <a:avLst/>
+          </a:prstGeom>
+          <a:noFill/>
+          <a:ln>
+            <a:solidFill>
+              <a:schemeClr val="tx1"/>
+            </a:solidFill>
+          </a:ln>
+        </p:spPr>
+        <p:txBody>
+          <a:bodyPr wrap="square" rtlCol="0">
+            <a:spAutoFit/>
+          </a:bodyPr>
+          <a:lstStyle/>
+          <a:p>
+            <a:pPr algn="ctr"/>
+            <a:r>
+              <a:rPr kumimoji="1" lang="ja-JP" altLang="en-US" dirty="0" smtClean="0"/>
+              <a:t>ＵＩ</a:t>
+            </a:r>
+            <a:endParaRPr kumimoji="1" lang="ja-JP" altLang="en-US" dirty="0"/>
+          </a:p>
+        </p:txBody>
+      </p:sp>
+      <p:sp>
+        <p:nvSpPr>
+          <p:cNvPr id="29" name="テキスト ボックス 28"/>
+          <p:cNvSpPr txBox="1"/>
+          <p:nvPr/>
+        </p:nvSpPr>
+        <p:spPr>
+          <a:xfrm>
+            <a:off x="6003840" y="1035383"/>
+            <a:ext cx="2176879" cy="369332"/>
+          </a:xfrm>
+          <a:prstGeom prst="rect">
+            <a:avLst/>
+          </a:prstGeom>
+          <a:noFill/>
+          <a:ln>
+            <a:solidFill>
+              <a:schemeClr val="tx1"/>
+            </a:solidFill>
+          </a:ln>
+        </p:spPr>
+        <p:txBody>
+          <a:bodyPr wrap="square" rtlCol="0">
+            <a:spAutoFit/>
+          </a:bodyPr>
+          <a:lstStyle/>
+          <a:p>
+            <a:pPr algn="ctr"/>
+            <a:r>
+              <a:rPr lang="ja-JP" altLang="en-US" dirty="0" smtClean="0"/>
+              <a:t>全体</a:t>
+            </a:r>
+            <a:r>
+              <a:rPr lang="ja-JP" altLang="en-US" dirty="0"/>
+              <a:t>ＭＡＰ</a:t>
+            </a:r>
+            <a:endParaRPr kumimoji="1" lang="ja-JP" altLang="en-US" dirty="0"/>
+          </a:p>
+        </p:txBody>
+      </p:sp>
+    </p:spTree>
+    <p:extLst>
+      <p:ext uri="{BB962C8B-B14F-4D97-AF65-F5344CB8AC3E}">
+        <p14:creationId xmlns:p14="http://schemas.microsoft.com/office/powerpoint/2010/main" val="3135180554"/>
+      </p:ext>
+    </p:extLst>
+  </p:cSld>
+  <p:clrMapOvr>
+    <a:masterClrMapping/>
+  </p:clrMapOvr>
+</p:sld>
+</file>
+
+<file path=ppt/slides/slide31.xml><?xml version="1.0" encoding="utf-8"?>
+<p:sld xmlns:a="http://schemas.openxmlformats.org/drawingml/2006/main" xmlns:r="http://schemas.openxmlformats.org/officeDocument/2006/relationships" xmlns:p="http://schemas.openxmlformats.org/presentationml/2006/main">
+  <p:cSld>
+    <p:spTree>
+      <p:nvGrpSpPr>
+        <p:cNvPr id="1" name=""/>
+        <p:cNvGrpSpPr/>
+        <p:nvPr/>
+      </p:nvGrpSpPr>
+      <p:grpSpPr>
+        <a:xfrm>
+          <a:off x="0" y="0"/>
+          <a:ext cx="0" cy="0"/>
+          <a:chOff x="0" y="0"/>
+          <a:chExt cx="0" cy="0"/>
+        </a:xfrm>
+      </p:grpSpPr>
+      <p:sp>
+        <p:nvSpPr>
+          <p:cNvPr id="5" name="タイトル 4"/>
+          <p:cNvSpPr>
+            <a:spLocks noGrp="1"/>
+          </p:cNvSpPr>
+          <p:nvPr>
+            <p:ph type="title"/>
+          </p:nvPr>
+        </p:nvSpPr>
+        <p:spPr>
+          <a:xfrm>
+            <a:off x="421196" y="116632"/>
+            <a:ext cx="8229600" cy="562074"/>
+          </a:xfrm>
+        </p:spPr>
+        <p:txBody>
+          <a:bodyPr>
+            <a:normAutofit fontScale="90000"/>
+          </a:bodyPr>
+          <a:lstStyle/>
+          <a:p>
+            <a:r>
+              <a:rPr lang="ja-JP" altLang="en-US" dirty="0"/>
+              <a:t>ゲーム</a:t>
+            </a:r>
+            <a:r>
+              <a:rPr lang="ja-JP" altLang="en-US" dirty="0" smtClean="0"/>
+              <a:t>画面イメージ（ステージ詳細）</a:t>
+            </a:r>
+            <a:endParaRPr kumimoji="1" lang="ja-JP" altLang="en-US" dirty="0"/>
+          </a:p>
+        </p:txBody>
+      </p:sp>
+      <p:grpSp>
+        <p:nvGrpSpPr>
+          <p:cNvPr id="121" name="グループ化 120"/>
+          <p:cNvGrpSpPr/>
+          <p:nvPr/>
+        </p:nvGrpSpPr>
+        <p:grpSpPr>
+          <a:xfrm>
+            <a:off x="1689553" y="1657443"/>
+            <a:ext cx="6984776" cy="4493345"/>
+            <a:chOff x="1043608" y="1692712"/>
+            <a:chExt cx="6984776" cy="4493345"/>
+          </a:xfrm>
+        </p:grpSpPr>
+        <p:grpSp>
+          <p:nvGrpSpPr>
+            <p:cNvPr id="23" name="グループ化 22"/>
+            <p:cNvGrpSpPr/>
+            <p:nvPr/>
+          </p:nvGrpSpPr>
+          <p:grpSpPr>
+            <a:xfrm>
+              <a:off x="1043608" y="1692712"/>
+              <a:ext cx="6984776" cy="4472593"/>
+              <a:chOff x="1043608" y="1692712"/>
+              <a:chExt cx="6984776" cy="4472593"/>
+            </a:xfrm>
+          </p:grpSpPr>
+          <p:sp>
+            <p:nvSpPr>
+              <p:cNvPr id="2" name="正方形/長方形 1"/>
+              <p:cNvSpPr/>
+              <p:nvPr/>
+            </p:nvSpPr>
+            <p:spPr>
+              <a:xfrm>
+                <a:off x="1043608" y="1700808"/>
+                <a:ext cx="6984776" cy="4464496"/>
+              </a:xfrm>
+              <a:prstGeom prst="rect">
+                <a:avLst/>
+              </a:prstGeom>
+              <a:solidFill>
+                <a:schemeClr val="tx1"/>
+              </a:solidFill>
+            </p:spPr>
+            <p:style>
+              <a:lnRef idx="2">
+                <a:schemeClr val="accent1">
+                  <a:shade val="50000"/>
+                </a:schemeClr>
+              </a:lnRef>
+              <a:fillRef idx="1">
+                <a:schemeClr val="accent1"/>
+              </a:fillRef>
+              <a:effectRef idx="0">
+                <a:schemeClr val="accent1"/>
+              </a:effectRef>
+              <a:fontRef idx="minor">
+                <a:schemeClr val="lt1"/>
+              </a:fontRef>
+            </p:style>
+            <p:txBody>
+              <a:bodyPr rtlCol="0" anchor="ctr"/>
+              <a:lstStyle/>
+              <a:p>
+                <a:pPr algn="ctr"/>
+                <a:endParaRPr kumimoji="1" lang="ja-JP" altLang="en-US"/>
+              </a:p>
+            </p:txBody>
+          </p:sp>
+          <p:sp>
+            <p:nvSpPr>
+              <p:cNvPr id="24" name="正方形/長方形 23"/>
+              <p:cNvSpPr/>
+              <p:nvPr/>
+            </p:nvSpPr>
+            <p:spPr>
+              <a:xfrm>
+                <a:off x="1043608" y="1700808"/>
+                <a:ext cx="576064" cy="4464496"/>
+              </a:xfrm>
+              <a:prstGeom prst="rect">
+                <a:avLst/>
+              </a:prstGeom>
+              <a:solidFill>
+                <a:srgbClr val="FFFF00"/>
+              </a:solidFill>
+              <a:ln>
+                <a:noFill/>
+              </a:ln>
+            </p:spPr>
+            <p:style>
+              <a:lnRef idx="2">
+                <a:schemeClr val="accent1">
+                  <a:shade val="50000"/>
+                </a:schemeClr>
+              </a:lnRef>
+              <a:fillRef idx="1">
+                <a:schemeClr val="accent1"/>
+              </a:fillRef>
+              <a:effectRef idx="0">
+                <a:schemeClr val="accent1"/>
+              </a:effectRef>
+              <a:fontRef idx="minor">
+                <a:schemeClr val="lt1"/>
+              </a:fontRef>
+            </p:style>
+            <p:txBody>
+              <a:bodyPr rtlCol="0" anchor="ctr"/>
+              <a:lstStyle/>
+              <a:p>
+                <a:pPr algn="ctr"/>
+                <a:endParaRPr kumimoji="1" lang="ja-JP" altLang="en-US"/>
+              </a:p>
+            </p:txBody>
+          </p:sp>
+          <p:sp>
+            <p:nvSpPr>
+              <p:cNvPr id="25" name="正方形/長方形 24"/>
+              <p:cNvSpPr/>
+              <p:nvPr/>
+            </p:nvSpPr>
+            <p:spPr>
+              <a:xfrm>
+                <a:off x="7452320" y="1692712"/>
+                <a:ext cx="576064" cy="4464496"/>
+              </a:xfrm>
+              <a:prstGeom prst="rect">
+                <a:avLst/>
+              </a:prstGeom>
+              <a:solidFill>
+                <a:srgbClr val="FFFF00"/>
+              </a:solidFill>
+              <a:ln>
+                <a:noFill/>
+              </a:ln>
+            </p:spPr>
+            <p:style>
+              <a:lnRef idx="2">
+                <a:schemeClr val="accent1">
+                  <a:shade val="50000"/>
+                </a:schemeClr>
+              </a:lnRef>
+              <a:fillRef idx="1">
+                <a:schemeClr val="accent1"/>
+              </a:fillRef>
+              <a:effectRef idx="0">
+                <a:schemeClr val="accent1"/>
+              </a:effectRef>
+              <a:fontRef idx="minor">
+                <a:schemeClr val="lt1"/>
+              </a:fontRef>
+            </p:style>
+            <p:txBody>
+              <a:bodyPr rtlCol="0" anchor="ctr"/>
+              <a:lstStyle/>
+              <a:p>
+                <a:pPr algn="ctr"/>
+                <a:endParaRPr kumimoji="1" lang="ja-JP" altLang="en-US"/>
+              </a:p>
+            </p:txBody>
+          </p:sp>
+          <p:sp>
+            <p:nvSpPr>
+              <p:cNvPr id="22" name="正方形/長方形 21"/>
+              <p:cNvSpPr/>
+              <p:nvPr/>
+            </p:nvSpPr>
+            <p:spPr>
+              <a:xfrm>
+                <a:off x="1043608" y="5647915"/>
+                <a:ext cx="6984776" cy="517390"/>
+              </a:xfrm>
+              <a:prstGeom prst="rect">
+                <a:avLst/>
+              </a:prstGeom>
+              <a:solidFill>
+                <a:srgbClr val="FF0000"/>
+              </a:solidFill>
+              <a:ln>
+                <a:noFill/>
+              </a:ln>
+            </p:spPr>
+            <p:style>
+              <a:lnRef idx="2">
+                <a:schemeClr val="accent1">
+                  <a:shade val="50000"/>
+                </a:schemeClr>
+              </a:lnRef>
+              <a:fillRef idx="1">
+                <a:schemeClr val="accent1"/>
+              </a:fillRef>
+              <a:effectRef idx="0">
+                <a:schemeClr val="accent1"/>
+              </a:effectRef>
+              <a:fontRef idx="minor">
+                <a:schemeClr val="lt1"/>
+              </a:fontRef>
+            </p:style>
+            <p:txBody>
+              <a:bodyPr rtlCol="0" anchor="ctr"/>
+              <a:lstStyle/>
+              <a:p>
+                <a:pPr algn="ctr"/>
+                <a:endParaRPr kumimoji="1" lang="ja-JP" altLang="en-US"/>
+              </a:p>
+            </p:txBody>
+          </p:sp>
+        </p:grpSp>
+        <p:cxnSp>
+          <p:nvCxnSpPr>
+            <p:cNvPr id="83" name="直線矢印コネクタ 82"/>
+            <p:cNvCxnSpPr/>
+            <p:nvPr/>
+          </p:nvCxnSpPr>
+          <p:spPr>
+            <a:xfrm>
+              <a:off x="3219442" y="2664596"/>
+              <a:ext cx="0" cy="1224136"/>
+            </a:xfrm>
+            <a:prstGeom prst="straightConnector1">
+              <a:avLst/>
+            </a:prstGeom>
+            <a:ln w="38100">
+              <a:solidFill>
+                <a:srgbClr val="00B050"/>
+              </a:solidFill>
+              <a:headEnd type="arrow"/>
+              <a:tailEnd type="arrow"/>
+            </a:ln>
+          </p:spPr>
+          <p:style>
+            <a:lnRef idx="1">
+              <a:schemeClr val="accent1"/>
+            </a:lnRef>
+            <a:fillRef idx="0">
+              <a:schemeClr val="accent1"/>
+            </a:fillRef>
+            <a:effectRef idx="0">
+              <a:schemeClr val="accent1"/>
+            </a:effectRef>
+            <a:fontRef idx="minor">
+              <a:schemeClr val="tx1"/>
+            </a:fontRef>
+          </p:style>
+        </p:cxnSp>
+        <p:grpSp>
+          <p:nvGrpSpPr>
+            <p:cNvPr id="4" name="グループ化 3"/>
+            <p:cNvGrpSpPr/>
+            <p:nvPr/>
+          </p:nvGrpSpPr>
+          <p:grpSpPr>
+            <a:xfrm>
+              <a:off x="5999342" y="1772248"/>
+              <a:ext cx="1429791" cy="1429791"/>
+              <a:chOff x="2375755" y="3825045"/>
+              <a:chExt cx="2664296" cy="2664297"/>
+            </a:xfrm>
+          </p:grpSpPr>
+          <p:sp>
+            <p:nvSpPr>
+              <p:cNvPr id="6" name="円/楕円 5"/>
+              <p:cNvSpPr/>
+              <p:nvPr/>
+            </p:nvSpPr>
+            <p:spPr>
+              <a:xfrm>
+                <a:off x="2375755" y="3825045"/>
+                <a:ext cx="2664296" cy="2664297"/>
+              </a:xfrm>
+              <a:prstGeom prst="ellipse">
+                <a:avLst/>
+              </a:prstGeom>
+              <a:solidFill>
+                <a:schemeClr val="tx2">
+                  <a:lumMod val="20000"/>
+                  <a:lumOff val="80000"/>
+                </a:schemeClr>
+              </a:solidFill>
+            </p:spPr>
+            <p:style>
+              <a:lnRef idx="2">
+                <a:schemeClr val="accent1">
+                  <a:shade val="50000"/>
+                </a:schemeClr>
+              </a:lnRef>
+              <a:fillRef idx="1">
+                <a:schemeClr val="accent1"/>
+              </a:fillRef>
+              <a:effectRef idx="0">
+                <a:schemeClr val="accent1"/>
+              </a:effectRef>
+              <a:fontRef idx="minor">
+                <a:schemeClr val="lt1"/>
+              </a:fontRef>
+            </p:style>
+            <p:txBody>
+              <a:bodyPr rtlCol="0" anchor="ctr"/>
+              <a:lstStyle/>
+              <a:p>
+                <a:pPr algn="ctr"/>
+                <a:endParaRPr kumimoji="1" lang="ja-JP" altLang="en-US"/>
+              </a:p>
+            </p:txBody>
+          </p:sp>
+          <p:sp>
+            <p:nvSpPr>
+              <p:cNvPr id="7" name="円/楕円 6"/>
+              <p:cNvSpPr/>
+              <p:nvPr/>
+            </p:nvSpPr>
+            <p:spPr>
+              <a:xfrm>
+                <a:off x="2771800" y="4220524"/>
+                <a:ext cx="1873335" cy="1873335"/>
+              </a:xfrm>
+              <a:prstGeom prst="ellipse">
+                <a:avLst/>
+              </a:prstGeom>
+              <a:solidFill>
+                <a:schemeClr val="tx2">
+                  <a:lumMod val="60000"/>
+                  <a:lumOff val="40000"/>
+                </a:schemeClr>
+              </a:solidFill>
+            </p:spPr>
+            <p:style>
+              <a:lnRef idx="2">
+                <a:schemeClr val="accent1">
+                  <a:shade val="50000"/>
+                </a:schemeClr>
+              </a:lnRef>
+              <a:fillRef idx="1">
+                <a:schemeClr val="accent1"/>
+              </a:fillRef>
+              <a:effectRef idx="0">
+                <a:schemeClr val="accent1"/>
+              </a:effectRef>
+              <a:fontRef idx="minor">
+                <a:schemeClr val="lt1"/>
+              </a:fontRef>
+            </p:style>
+            <p:txBody>
+              <a:bodyPr rtlCol="0" anchor="ctr"/>
+              <a:lstStyle/>
+              <a:p>
+                <a:pPr algn="ctr"/>
+                <a:endParaRPr kumimoji="1" lang="ja-JP" altLang="en-US"/>
+              </a:p>
+            </p:txBody>
+          </p:sp>
+          <p:sp>
+            <p:nvSpPr>
+              <p:cNvPr id="8" name="円/楕円 7"/>
+              <p:cNvSpPr/>
+              <p:nvPr/>
+            </p:nvSpPr>
+            <p:spPr>
+              <a:xfrm>
+                <a:off x="3096399" y="4545124"/>
+                <a:ext cx="1224136" cy="1224136"/>
+              </a:xfrm>
+              <a:prstGeom prst="ellipse">
+                <a:avLst/>
+              </a:prstGeom>
+              <a:solidFill>
+                <a:schemeClr val="tx2">
+                  <a:lumMod val="50000"/>
+                </a:schemeClr>
+              </a:solidFill>
+            </p:spPr>
+            <p:style>
+              <a:lnRef idx="2">
+                <a:schemeClr val="accent1">
+                  <a:shade val="50000"/>
+                </a:schemeClr>
+              </a:lnRef>
+              <a:fillRef idx="1">
+                <a:schemeClr val="accent1"/>
+              </a:fillRef>
+              <a:effectRef idx="0">
+                <a:schemeClr val="accent1"/>
+              </a:effectRef>
+              <a:fontRef idx="minor">
+                <a:schemeClr val="lt1"/>
+              </a:fontRef>
+            </p:style>
+            <p:txBody>
+              <a:bodyPr rtlCol="0" anchor="ctr"/>
+              <a:lstStyle/>
+              <a:p>
+                <a:pPr algn="ctr"/>
+                <a:endParaRPr kumimoji="1" lang="ja-JP" altLang="en-US"/>
+              </a:p>
+            </p:txBody>
+          </p:sp>
+          <p:sp>
+            <p:nvSpPr>
+              <p:cNvPr id="9" name="円/楕円 8"/>
+              <p:cNvSpPr/>
+              <p:nvPr/>
+            </p:nvSpPr>
+            <p:spPr>
+              <a:xfrm>
+                <a:off x="3491880" y="4941168"/>
+                <a:ext cx="432048" cy="432048"/>
+              </a:xfrm>
+              <a:prstGeom prst="ellipse">
+                <a:avLst/>
+              </a:prstGeom>
+              <a:ln>
+                <a:solidFill>
+                  <a:srgbClr val="FFC000"/>
+                </a:solidFill>
+              </a:ln>
+            </p:spPr>
+            <p:style>
+              <a:lnRef idx="2">
+                <a:schemeClr val="accent1">
+                  <a:shade val="50000"/>
+                </a:schemeClr>
+              </a:lnRef>
+              <a:fillRef idx="1">
+                <a:schemeClr val="accent1"/>
+              </a:fillRef>
+              <a:effectRef idx="0">
+                <a:schemeClr val="accent1"/>
+              </a:effectRef>
+              <a:fontRef idx="minor">
+                <a:schemeClr val="lt1"/>
+              </a:fontRef>
+            </p:style>
+            <p:txBody>
+              <a:bodyPr rtlCol="0" anchor="ctr"/>
+              <a:lstStyle/>
+              <a:p>
+                <a:pPr algn="ctr"/>
+                <a:r>
+                  <a:rPr kumimoji="1" lang="en-US" altLang="ja-JP" dirty="0" smtClean="0"/>
+                  <a:t>S</a:t>
+                </a:r>
+                <a:endParaRPr kumimoji="1" lang="ja-JP" altLang="en-US" dirty="0"/>
+              </a:p>
+            </p:txBody>
+          </p:sp>
+        </p:grpSp>
+        <p:grpSp>
+          <p:nvGrpSpPr>
+            <p:cNvPr id="10" name="グループ化 9"/>
+            <p:cNvGrpSpPr/>
+            <p:nvPr/>
+          </p:nvGrpSpPr>
+          <p:grpSpPr>
+            <a:xfrm>
+              <a:off x="4456195" y="3733889"/>
+              <a:ext cx="1312731" cy="1312731"/>
+              <a:chOff x="4211960" y="1500097"/>
+              <a:chExt cx="2664296" cy="2664296"/>
+            </a:xfrm>
+          </p:grpSpPr>
+          <p:grpSp>
+            <p:nvGrpSpPr>
+              <p:cNvPr id="11" name="グループ化 10"/>
+              <p:cNvGrpSpPr/>
+              <p:nvPr/>
+            </p:nvGrpSpPr>
+            <p:grpSpPr>
+              <a:xfrm>
+                <a:off x="4211960" y="1500097"/>
+                <a:ext cx="2664296" cy="2664296"/>
+                <a:chOff x="2375756" y="3825044"/>
+                <a:chExt cx="2664296" cy="2664296"/>
+              </a:xfrm>
+            </p:grpSpPr>
+            <p:sp>
+              <p:nvSpPr>
+                <p:cNvPr id="13" name="円/楕円 12"/>
+                <p:cNvSpPr/>
+                <p:nvPr/>
+              </p:nvSpPr>
+              <p:spPr>
+                <a:xfrm>
+                  <a:off x="2375756" y="3825044"/>
+                  <a:ext cx="2664296" cy="2664296"/>
+                </a:xfrm>
+                <a:prstGeom prst="ellipse">
+                  <a:avLst/>
+                </a:prstGeom>
+                <a:solidFill>
+                  <a:schemeClr val="tx2">
+                    <a:lumMod val="20000"/>
+                    <a:lumOff val="80000"/>
+                  </a:schemeClr>
+                </a:solidFill>
+              </p:spPr>
+              <p:style>
+                <a:lnRef idx="2">
+                  <a:schemeClr val="accent1">
+                    <a:shade val="50000"/>
+                  </a:schemeClr>
+                </a:lnRef>
+                <a:fillRef idx="1">
+                  <a:schemeClr val="accent1"/>
+                </a:fillRef>
+                <a:effectRef idx="0">
+                  <a:schemeClr val="accent1"/>
+                </a:effectRef>
+                <a:fontRef idx="minor">
+                  <a:schemeClr val="lt1"/>
+                </a:fontRef>
+              </p:style>
+              <p:txBody>
+                <a:bodyPr rtlCol="0" anchor="ctr"/>
+                <a:lstStyle/>
+                <a:p>
+                  <a:pPr algn="ctr"/>
+                  <a:endParaRPr kumimoji="1" lang="ja-JP" altLang="en-US"/>
+                </a:p>
+              </p:txBody>
+            </p:sp>
+            <p:sp>
+              <p:nvSpPr>
+                <p:cNvPr id="14" name="円/楕円 13"/>
+                <p:cNvSpPr/>
+                <p:nvPr/>
+              </p:nvSpPr>
+              <p:spPr>
+                <a:xfrm>
+                  <a:off x="2771800" y="4220524"/>
+                  <a:ext cx="1873335" cy="1873335"/>
+                </a:xfrm>
+                <a:prstGeom prst="ellipse">
+                  <a:avLst/>
+                </a:prstGeom>
+                <a:solidFill>
+                  <a:schemeClr val="tx2">
+                    <a:lumMod val="60000"/>
+                    <a:lumOff val="40000"/>
+                  </a:schemeClr>
+                </a:solidFill>
+              </p:spPr>
+              <p:style>
+                <a:lnRef idx="2">
+                  <a:schemeClr val="accent1">
+                    <a:shade val="50000"/>
+                  </a:schemeClr>
+                </a:lnRef>
+                <a:fillRef idx="1">
+                  <a:schemeClr val="accent1"/>
+                </a:fillRef>
+                <a:effectRef idx="0">
+                  <a:schemeClr val="accent1"/>
+                </a:effectRef>
+                <a:fontRef idx="minor">
+                  <a:schemeClr val="lt1"/>
+                </a:fontRef>
+              </p:style>
+              <p:txBody>
+                <a:bodyPr rtlCol="0" anchor="ctr"/>
+                <a:lstStyle/>
+                <a:p>
+                  <a:pPr algn="ctr"/>
+                  <a:endParaRPr kumimoji="1" lang="ja-JP" altLang="en-US"/>
+                </a:p>
+              </p:txBody>
+            </p:sp>
+            <p:sp>
+              <p:nvSpPr>
+                <p:cNvPr id="15" name="円/楕円 14"/>
+                <p:cNvSpPr/>
+                <p:nvPr/>
+              </p:nvSpPr>
+              <p:spPr>
+                <a:xfrm>
+                  <a:off x="3096399" y="4545124"/>
+                  <a:ext cx="1224136" cy="1224136"/>
+                </a:xfrm>
+                <a:prstGeom prst="ellipse">
+                  <a:avLst/>
+                </a:prstGeom>
+                <a:solidFill>
+                  <a:schemeClr val="tx2">
+                    <a:lumMod val="50000"/>
+                  </a:schemeClr>
+                </a:solidFill>
+              </p:spPr>
+              <p:style>
+                <a:lnRef idx="2">
+                  <a:schemeClr val="accent1">
+                    <a:shade val="50000"/>
+                  </a:schemeClr>
+                </a:lnRef>
+                <a:fillRef idx="1">
+                  <a:schemeClr val="accent1"/>
+                </a:fillRef>
+                <a:effectRef idx="0">
+                  <a:schemeClr val="accent1"/>
+                </a:effectRef>
+                <a:fontRef idx="minor">
+                  <a:schemeClr val="lt1"/>
+                </a:fontRef>
+              </p:style>
+              <p:txBody>
+                <a:bodyPr rtlCol="0" anchor="ctr"/>
+                <a:lstStyle/>
+                <a:p>
+                  <a:pPr algn="ctr"/>
+                  <a:endParaRPr kumimoji="1" lang="ja-JP" altLang="en-US"/>
+                </a:p>
+              </p:txBody>
+            </p:sp>
+          </p:grpSp>
+          <p:sp>
+            <p:nvSpPr>
+              <p:cNvPr id="12" name="円/楕円 11"/>
+              <p:cNvSpPr/>
+              <p:nvPr/>
+            </p:nvSpPr>
+            <p:spPr>
+              <a:xfrm>
+                <a:off x="5325159" y="2612733"/>
+                <a:ext cx="439023" cy="439023"/>
+              </a:xfrm>
+              <a:prstGeom prst="ellipse">
+                <a:avLst/>
+              </a:prstGeom>
+              <a:solidFill>
+                <a:srgbClr val="FF0000"/>
+              </a:solidFill>
+              <a:ln>
+                <a:solidFill>
+                  <a:srgbClr val="C00000"/>
+                </a:solidFill>
+              </a:ln>
+            </p:spPr>
+            <p:style>
+              <a:lnRef idx="2">
+                <a:schemeClr val="accent1">
+                  <a:shade val="50000"/>
+                </a:schemeClr>
+              </a:lnRef>
+              <a:fillRef idx="1">
+                <a:schemeClr val="accent1"/>
+              </a:fillRef>
+              <a:effectRef idx="0">
+                <a:schemeClr val="accent1"/>
+              </a:effectRef>
+              <a:fontRef idx="minor">
+                <a:schemeClr val="lt1"/>
+              </a:fontRef>
+            </p:style>
+            <p:txBody>
+              <a:bodyPr rtlCol="0" anchor="ctr"/>
+              <a:lstStyle/>
+              <a:p>
+                <a:pPr algn="ctr"/>
+                <a:r>
+                  <a:rPr kumimoji="1" lang="en-US" altLang="ja-JP" dirty="0" smtClean="0"/>
+                  <a:t>N</a:t>
+                </a:r>
+                <a:endParaRPr kumimoji="1" lang="ja-JP" altLang="en-US" dirty="0"/>
+              </a:p>
+            </p:txBody>
+          </p:sp>
+        </p:grpSp>
+        <p:sp>
+          <p:nvSpPr>
+            <p:cNvPr id="26" name="正方形/長方形 25"/>
+            <p:cNvSpPr/>
+            <p:nvPr/>
+          </p:nvSpPr>
+          <p:spPr>
+            <a:xfrm>
+              <a:off x="7020272" y="5941434"/>
+              <a:ext cx="216024" cy="216024"/>
+            </a:xfrm>
+            <a:prstGeom prst="rect">
+              <a:avLst/>
+            </a:prstGeom>
+            <a:solidFill>
+              <a:schemeClr val="tx1"/>
+            </a:solidFill>
+            <a:ln>
+              <a:noFill/>
+            </a:ln>
+          </p:spPr>
+          <p:style>
+            <a:lnRef idx="2">
+              <a:schemeClr val="accent1">
+                <a:shade val="50000"/>
+              </a:schemeClr>
+            </a:lnRef>
+            <a:fillRef idx="1">
+              <a:schemeClr val="accent1"/>
+            </a:fillRef>
+            <a:effectRef idx="0">
+              <a:schemeClr val="accent1"/>
+            </a:effectRef>
+            <a:fontRef idx="minor">
+              <a:schemeClr val="lt1"/>
+            </a:fontRef>
+          </p:style>
+          <p:txBody>
+            <a:bodyPr rtlCol="0" anchor="ctr"/>
+            <a:lstStyle/>
+            <a:p>
+              <a:pPr algn="ctr"/>
+              <a:endParaRPr kumimoji="1" lang="ja-JP" altLang="en-US"/>
+            </a:p>
+          </p:txBody>
+        </p:sp>
+        <p:sp>
+          <p:nvSpPr>
+            <p:cNvPr id="30" name="正方形/長方形 29"/>
+            <p:cNvSpPr/>
+            <p:nvPr/>
+          </p:nvSpPr>
+          <p:spPr>
+            <a:xfrm>
+              <a:off x="4788024" y="5799419"/>
+              <a:ext cx="216024" cy="216024"/>
+            </a:xfrm>
+            <a:prstGeom prst="rect">
+              <a:avLst/>
+            </a:prstGeom>
+            <a:solidFill>
+              <a:schemeClr val="tx1"/>
+            </a:solidFill>
+            <a:ln>
+              <a:noFill/>
+            </a:ln>
+          </p:spPr>
+          <p:style>
+            <a:lnRef idx="2">
+              <a:schemeClr val="accent1">
+                <a:shade val="50000"/>
+              </a:schemeClr>
+            </a:lnRef>
+            <a:fillRef idx="1">
+              <a:schemeClr val="accent1"/>
+            </a:fillRef>
+            <a:effectRef idx="0">
+              <a:schemeClr val="accent1"/>
+            </a:effectRef>
+            <a:fontRef idx="minor">
+              <a:schemeClr val="lt1"/>
+            </a:fontRef>
+          </p:style>
+          <p:txBody>
+            <a:bodyPr rtlCol="0" anchor="ctr"/>
+            <a:lstStyle/>
+            <a:p>
+              <a:pPr algn="ctr"/>
+              <a:endParaRPr kumimoji="1" lang="ja-JP" altLang="en-US"/>
+            </a:p>
+          </p:txBody>
+        </p:sp>
+        <p:sp>
+          <p:nvSpPr>
+            <p:cNvPr id="31" name="正方形/長方形 30"/>
+            <p:cNvSpPr/>
+            <p:nvPr/>
+          </p:nvSpPr>
+          <p:spPr>
+            <a:xfrm>
+              <a:off x="4067944" y="5938930"/>
+              <a:ext cx="216024" cy="216024"/>
+            </a:xfrm>
+            <a:prstGeom prst="rect">
+              <a:avLst/>
+            </a:prstGeom>
+            <a:solidFill>
+              <a:schemeClr val="tx1"/>
+            </a:solidFill>
+            <a:ln>
+              <a:noFill/>
+            </a:ln>
+          </p:spPr>
+          <p:style>
+            <a:lnRef idx="2">
+              <a:schemeClr val="accent1">
+                <a:shade val="50000"/>
+              </a:schemeClr>
+            </a:lnRef>
+            <a:fillRef idx="1">
+              <a:schemeClr val="accent1"/>
+            </a:fillRef>
+            <a:effectRef idx="0">
+              <a:schemeClr val="accent1"/>
+            </a:effectRef>
+            <a:fontRef idx="minor">
+              <a:schemeClr val="lt1"/>
+            </a:fontRef>
+          </p:style>
+          <p:txBody>
+            <a:bodyPr rtlCol="0" anchor="ctr"/>
+            <a:lstStyle/>
+            <a:p>
+              <a:pPr algn="ctr"/>
+              <a:endParaRPr kumimoji="1" lang="ja-JP" altLang="en-US"/>
+            </a:p>
+          </p:txBody>
+        </p:sp>
+        <p:sp>
+          <p:nvSpPr>
+            <p:cNvPr id="32" name="正方形/長方形 31"/>
+            <p:cNvSpPr/>
+            <p:nvPr/>
+          </p:nvSpPr>
+          <p:spPr>
+            <a:xfrm>
+              <a:off x="4427984" y="5617148"/>
+              <a:ext cx="216024" cy="216024"/>
+            </a:xfrm>
+            <a:prstGeom prst="rect">
+              <a:avLst/>
+            </a:prstGeom>
+            <a:solidFill>
+              <a:schemeClr val="tx1"/>
+            </a:solidFill>
+            <a:ln>
+              <a:noFill/>
+            </a:ln>
+          </p:spPr>
+          <p:style>
+            <a:lnRef idx="2">
+              <a:schemeClr val="accent1">
+                <a:shade val="50000"/>
+              </a:schemeClr>
+            </a:lnRef>
+            <a:fillRef idx="1">
+              <a:schemeClr val="accent1"/>
+            </a:fillRef>
+            <a:effectRef idx="0">
+              <a:schemeClr val="accent1"/>
+            </a:effectRef>
+            <a:fontRef idx="minor">
+              <a:schemeClr val="lt1"/>
+            </a:fontRef>
+          </p:style>
+          <p:txBody>
+            <a:bodyPr rtlCol="0" anchor="ctr"/>
+            <a:lstStyle/>
+            <a:p>
+              <a:pPr algn="ctr"/>
+              <a:endParaRPr kumimoji="1" lang="ja-JP" altLang="en-US"/>
+            </a:p>
+          </p:txBody>
+        </p:sp>
+        <p:sp>
+          <p:nvSpPr>
+            <p:cNvPr id="33" name="正方形/長方形 32"/>
+            <p:cNvSpPr/>
+            <p:nvPr/>
+          </p:nvSpPr>
+          <p:spPr>
+            <a:xfrm>
+              <a:off x="3707904" y="5725160"/>
+              <a:ext cx="216024" cy="216024"/>
+            </a:xfrm>
+            <a:prstGeom prst="rect">
+              <a:avLst/>
+            </a:prstGeom>
+            <a:solidFill>
+              <a:schemeClr val="tx1"/>
+            </a:solidFill>
+            <a:ln>
+              <a:noFill/>
+            </a:ln>
+          </p:spPr>
+          <p:style>
+            <a:lnRef idx="2">
+              <a:schemeClr val="accent1">
+                <a:shade val="50000"/>
+              </a:schemeClr>
+            </a:lnRef>
+            <a:fillRef idx="1">
+              <a:schemeClr val="accent1"/>
+            </a:fillRef>
+            <a:effectRef idx="0">
+              <a:schemeClr val="accent1"/>
+            </a:effectRef>
+            <a:fontRef idx="minor">
+              <a:schemeClr val="lt1"/>
+            </a:fontRef>
+          </p:style>
+          <p:txBody>
+            <a:bodyPr rtlCol="0" anchor="ctr"/>
+            <a:lstStyle/>
+            <a:p>
+              <a:pPr algn="ctr"/>
+              <a:endParaRPr kumimoji="1" lang="ja-JP" altLang="en-US"/>
+            </a:p>
+          </p:txBody>
+        </p:sp>
+        <p:sp>
+          <p:nvSpPr>
+            <p:cNvPr id="34" name="正方形/長方形 33"/>
+            <p:cNvSpPr/>
+            <p:nvPr/>
+          </p:nvSpPr>
+          <p:spPr>
+            <a:xfrm>
+              <a:off x="3287739" y="5955783"/>
+              <a:ext cx="216024" cy="216024"/>
+            </a:xfrm>
+            <a:prstGeom prst="rect">
+              <a:avLst/>
+            </a:prstGeom>
+            <a:solidFill>
+              <a:schemeClr val="tx1"/>
+            </a:solidFill>
+            <a:ln>
+              <a:noFill/>
+            </a:ln>
+          </p:spPr>
+          <p:style>
+            <a:lnRef idx="2">
+              <a:schemeClr val="accent1">
+                <a:shade val="50000"/>
+              </a:schemeClr>
+            </a:lnRef>
+            <a:fillRef idx="1">
+              <a:schemeClr val="accent1"/>
+            </a:fillRef>
+            <a:effectRef idx="0">
+              <a:schemeClr val="accent1"/>
+            </a:effectRef>
+            <a:fontRef idx="minor">
+              <a:schemeClr val="lt1"/>
+            </a:fontRef>
+          </p:style>
+          <p:txBody>
+            <a:bodyPr rtlCol="0" anchor="ctr"/>
+            <a:lstStyle/>
+            <a:p>
+              <a:pPr algn="ctr"/>
+              <a:endParaRPr kumimoji="1" lang="ja-JP" altLang="en-US"/>
+            </a:p>
+          </p:txBody>
+        </p:sp>
+        <p:sp>
+          <p:nvSpPr>
+            <p:cNvPr id="35" name="正方形/長方形 34"/>
+            <p:cNvSpPr/>
+            <p:nvPr/>
+          </p:nvSpPr>
+          <p:spPr>
+            <a:xfrm>
+              <a:off x="3059832" y="5733256"/>
+              <a:ext cx="216024" cy="216024"/>
+            </a:xfrm>
+            <a:prstGeom prst="rect">
+              <a:avLst/>
+            </a:prstGeom>
+            <a:solidFill>
+              <a:schemeClr val="tx1"/>
+            </a:solidFill>
+            <a:ln>
+              <a:noFill/>
+            </a:ln>
+          </p:spPr>
+          <p:style>
+            <a:lnRef idx="2">
+              <a:schemeClr val="accent1">
+                <a:shade val="50000"/>
+              </a:schemeClr>
+            </a:lnRef>
+            <a:fillRef idx="1">
+              <a:schemeClr val="accent1"/>
+            </a:fillRef>
+            <a:effectRef idx="0">
+              <a:schemeClr val="accent1"/>
+            </a:effectRef>
+            <a:fontRef idx="minor">
+              <a:schemeClr val="lt1"/>
+            </a:fontRef>
+          </p:style>
+          <p:txBody>
+            <a:bodyPr rtlCol="0" anchor="ctr"/>
+            <a:lstStyle/>
+            <a:p>
+              <a:pPr algn="ctr"/>
+              <a:endParaRPr kumimoji="1" lang="ja-JP" altLang="en-US"/>
+            </a:p>
+          </p:txBody>
+        </p:sp>
+        <p:sp>
+          <p:nvSpPr>
+            <p:cNvPr id="36" name="正方形/長方形 35"/>
+            <p:cNvSpPr/>
+            <p:nvPr/>
+          </p:nvSpPr>
+          <p:spPr>
+            <a:xfrm>
+              <a:off x="1223628" y="5669788"/>
+              <a:ext cx="216024" cy="216024"/>
+            </a:xfrm>
+            <a:prstGeom prst="rect">
+              <a:avLst/>
+            </a:prstGeom>
+            <a:solidFill>
+              <a:schemeClr val="tx1"/>
+            </a:solidFill>
+            <a:ln>
+              <a:noFill/>
+            </a:ln>
+          </p:spPr>
+          <p:style>
+            <a:lnRef idx="2">
+              <a:schemeClr val="accent1">
+                <a:shade val="50000"/>
+              </a:schemeClr>
+            </a:lnRef>
+            <a:fillRef idx="1">
+              <a:schemeClr val="accent1"/>
+            </a:fillRef>
+            <a:effectRef idx="0">
+              <a:schemeClr val="accent1"/>
+            </a:effectRef>
+            <a:fontRef idx="minor">
+              <a:schemeClr val="lt1"/>
+            </a:fontRef>
+          </p:style>
+          <p:txBody>
+            <a:bodyPr rtlCol="0" anchor="ctr"/>
+            <a:lstStyle/>
+            <a:p>
+              <a:pPr algn="ctr"/>
+              <a:endParaRPr kumimoji="1" lang="ja-JP" altLang="en-US"/>
+            </a:p>
+          </p:txBody>
+        </p:sp>
+        <p:sp>
+          <p:nvSpPr>
+            <p:cNvPr id="37" name="正方形/長方形 36"/>
+            <p:cNvSpPr/>
+            <p:nvPr/>
+          </p:nvSpPr>
+          <p:spPr>
+            <a:xfrm>
+              <a:off x="2483768" y="5841531"/>
+              <a:ext cx="216024" cy="216024"/>
+            </a:xfrm>
+            <a:prstGeom prst="rect">
+              <a:avLst/>
+            </a:prstGeom>
+            <a:solidFill>
+              <a:schemeClr val="tx1"/>
+            </a:solidFill>
+            <a:ln>
+              <a:noFill/>
+            </a:ln>
+          </p:spPr>
+          <p:style>
+            <a:lnRef idx="2">
+              <a:schemeClr val="accent1">
+                <a:shade val="50000"/>
+              </a:schemeClr>
+            </a:lnRef>
+            <a:fillRef idx="1">
+              <a:schemeClr val="accent1"/>
+            </a:fillRef>
+            <a:effectRef idx="0">
+              <a:schemeClr val="accent1"/>
+            </a:effectRef>
+            <a:fontRef idx="minor">
+              <a:schemeClr val="lt1"/>
+            </a:fontRef>
+          </p:style>
+          <p:txBody>
+            <a:bodyPr rtlCol="0" anchor="ctr"/>
+            <a:lstStyle/>
+            <a:p>
+              <a:pPr algn="ctr"/>
+              <a:endParaRPr kumimoji="1" lang="ja-JP" altLang="en-US"/>
+            </a:p>
+          </p:txBody>
+        </p:sp>
+        <p:sp>
+          <p:nvSpPr>
+            <p:cNvPr id="38" name="正方形/長方形 37"/>
+            <p:cNvSpPr/>
+            <p:nvPr/>
+          </p:nvSpPr>
+          <p:spPr>
+            <a:xfrm>
+              <a:off x="2123728" y="5733256"/>
+              <a:ext cx="216024" cy="216024"/>
+            </a:xfrm>
+            <a:prstGeom prst="rect">
+              <a:avLst/>
+            </a:prstGeom>
+            <a:solidFill>
+              <a:schemeClr val="tx1"/>
+            </a:solidFill>
+            <a:ln>
+              <a:noFill/>
+            </a:ln>
+          </p:spPr>
+          <p:style>
+            <a:lnRef idx="2">
+              <a:schemeClr val="accent1">
+                <a:shade val="50000"/>
+              </a:schemeClr>
+            </a:lnRef>
+            <a:fillRef idx="1">
+              <a:schemeClr val="accent1"/>
+            </a:fillRef>
+            <a:effectRef idx="0">
+              <a:schemeClr val="accent1"/>
+            </a:effectRef>
+            <a:fontRef idx="minor">
+              <a:schemeClr val="lt1"/>
+            </a:fontRef>
+          </p:style>
+          <p:txBody>
+            <a:bodyPr rtlCol="0" anchor="ctr"/>
+            <a:lstStyle/>
+            <a:p>
+              <a:pPr algn="ctr"/>
+              <a:endParaRPr kumimoji="1" lang="ja-JP" altLang="en-US"/>
+            </a:p>
+          </p:txBody>
+        </p:sp>
+        <p:sp>
+          <p:nvSpPr>
+            <p:cNvPr id="39" name="正方形/長方形 38"/>
+            <p:cNvSpPr/>
+            <p:nvPr/>
+          </p:nvSpPr>
+          <p:spPr>
+            <a:xfrm>
+              <a:off x="1740024" y="5841268"/>
+              <a:ext cx="216024" cy="216024"/>
+            </a:xfrm>
+            <a:prstGeom prst="rect">
+              <a:avLst/>
+            </a:prstGeom>
+            <a:solidFill>
+              <a:schemeClr val="tx1"/>
+            </a:solidFill>
+            <a:ln>
+              <a:noFill/>
+            </a:ln>
+          </p:spPr>
+          <p:style>
+            <a:lnRef idx="2">
+              <a:schemeClr val="accent1">
+                <a:shade val="50000"/>
+              </a:schemeClr>
+            </a:lnRef>
+            <a:fillRef idx="1">
+              <a:schemeClr val="accent1"/>
+            </a:fillRef>
+            <a:effectRef idx="0">
+              <a:schemeClr val="accent1"/>
+            </a:effectRef>
+            <a:fontRef idx="minor">
+              <a:schemeClr val="lt1"/>
+            </a:fontRef>
+          </p:style>
+          <p:txBody>
+            <a:bodyPr rtlCol="0" anchor="ctr"/>
+            <a:lstStyle/>
+            <a:p>
+              <a:pPr algn="ctr"/>
+              <a:endParaRPr kumimoji="1" lang="ja-JP" altLang="en-US"/>
+            </a:p>
+          </p:txBody>
+        </p:sp>
+        <p:sp>
+          <p:nvSpPr>
+            <p:cNvPr id="40" name="正方形/長方形 39"/>
+            <p:cNvSpPr/>
+            <p:nvPr/>
+          </p:nvSpPr>
+          <p:spPr>
+            <a:xfrm>
+              <a:off x="6732240" y="5684464"/>
+              <a:ext cx="216024" cy="216024"/>
+            </a:xfrm>
+            <a:prstGeom prst="rect">
+              <a:avLst/>
+            </a:prstGeom>
+            <a:solidFill>
+              <a:schemeClr val="tx1"/>
+            </a:solidFill>
+            <a:ln>
+              <a:noFill/>
+            </a:ln>
+          </p:spPr>
+          <p:style>
+            <a:lnRef idx="2">
+              <a:schemeClr val="accent1">
+                <a:shade val="50000"/>
+              </a:schemeClr>
+            </a:lnRef>
+            <a:fillRef idx="1">
+              <a:schemeClr val="accent1"/>
+            </a:fillRef>
+            <a:effectRef idx="0">
+              <a:schemeClr val="accent1"/>
+            </a:effectRef>
+            <a:fontRef idx="minor">
+              <a:schemeClr val="lt1"/>
+            </a:fontRef>
+          </p:style>
+          <p:txBody>
+            <a:bodyPr rtlCol="0" anchor="ctr"/>
+            <a:lstStyle/>
+            <a:p>
+              <a:pPr algn="ctr"/>
+              <a:endParaRPr kumimoji="1" lang="ja-JP" altLang="en-US"/>
+            </a:p>
+          </p:txBody>
+        </p:sp>
+        <p:sp>
+          <p:nvSpPr>
+            <p:cNvPr id="41" name="正方形/長方形 40"/>
+            <p:cNvSpPr/>
+            <p:nvPr/>
+          </p:nvSpPr>
+          <p:spPr>
+            <a:xfrm>
+              <a:off x="6300192" y="5725410"/>
+              <a:ext cx="216024" cy="216024"/>
+            </a:xfrm>
+            <a:prstGeom prst="rect">
+              <a:avLst/>
+            </a:prstGeom>
+            <a:solidFill>
+              <a:schemeClr val="tx1"/>
+            </a:solidFill>
+            <a:ln>
+              <a:noFill/>
+            </a:ln>
+          </p:spPr>
+          <p:style>
+            <a:lnRef idx="2">
+              <a:schemeClr val="accent1">
+                <a:shade val="50000"/>
+              </a:schemeClr>
+            </a:lnRef>
+            <a:fillRef idx="1">
+              <a:schemeClr val="accent1"/>
+            </a:fillRef>
+            <a:effectRef idx="0">
+              <a:schemeClr val="accent1"/>
+            </a:effectRef>
+            <a:fontRef idx="minor">
+              <a:schemeClr val="lt1"/>
+            </a:fontRef>
+          </p:style>
+          <p:txBody>
+            <a:bodyPr rtlCol="0" anchor="ctr"/>
+            <a:lstStyle/>
+            <a:p>
+              <a:pPr algn="ctr"/>
+              <a:endParaRPr kumimoji="1" lang="ja-JP" altLang="en-US"/>
+            </a:p>
+          </p:txBody>
+        </p:sp>
+        <p:sp>
+          <p:nvSpPr>
+            <p:cNvPr id="42" name="正方形/長方形 41"/>
+            <p:cNvSpPr/>
+            <p:nvPr/>
+          </p:nvSpPr>
+          <p:spPr>
+            <a:xfrm>
+              <a:off x="5688124" y="5970033"/>
+              <a:ext cx="216024" cy="216024"/>
+            </a:xfrm>
+            <a:prstGeom prst="rect">
+              <a:avLst/>
+            </a:prstGeom>
+            <a:solidFill>
+              <a:schemeClr val="tx1"/>
+            </a:solidFill>
+            <a:ln>
+              <a:noFill/>
+            </a:ln>
+          </p:spPr>
+          <p:style>
+            <a:lnRef idx="2">
+              <a:schemeClr val="accent1">
+                <a:shade val="50000"/>
+              </a:schemeClr>
+            </a:lnRef>
+            <a:fillRef idx="1">
+              <a:schemeClr val="accent1"/>
+            </a:fillRef>
+            <a:effectRef idx="0">
+              <a:schemeClr val="accent1"/>
+            </a:effectRef>
+            <a:fontRef idx="minor">
+              <a:schemeClr val="lt1"/>
+            </a:fontRef>
+          </p:style>
+          <p:txBody>
+            <a:bodyPr rtlCol="0" anchor="ctr"/>
+            <a:lstStyle/>
+            <a:p>
+              <a:pPr algn="ctr"/>
+              <a:endParaRPr kumimoji="1" lang="ja-JP" altLang="en-US"/>
+            </a:p>
+          </p:txBody>
+        </p:sp>
+        <p:sp>
+          <p:nvSpPr>
+            <p:cNvPr id="43" name="正方形/長方形 42"/>
+            <p:cNvSpPr/>
+            <p:nvPr/>
+          </p:nvSpPr>
+          <p:spPr>
+            <a:xfrm>
+              <a:off x="7531753" y="5783329"/>
+              <a:ext cx="216024" cy="216024"/>
+            </a:xfrm>
+            <a:prstGeom prst="rect">
+              <a:avLst/>
+            </a:prstGeom>
+            <a:solidFill>
+              <a:schemeClr val="tx1"/>
+            </a:solidFill>
+            <a:ln>
+              <a:noFill/>
+            </a:ln>
+          </p:spPr>
+          <p:style>
+            <a:lnRef idx="2">
+              <a:schemeClr val="accent1">
+                <a:shade val="50000"/>
+              </a:schemeClr>
+            </a:lnRef>
+            <a:fillRef idx="1">
+              <a:schemeClr val="accent1"/>
+            </a:fillRef>
+            <a:effectRef idx="0">
+              <a:schemeClr val="accent1"/>
+            </a:effectRef>
+            <a:fontRef idx="minor">
+              <a:schemeClr val="lt1"/>
+            </a:fontRef>
+          </p:style>
+          <p:txBody>
+            <a:bodyPr rtlCol="0" anchor="ctr"/>
+            <a:lstStyle/>
+            <a:p>
+              <a:pPr algn="ctr"/>
+              <a:endParaRPr kumimoji="1" lang="ja-JP" altLang="en-US"/>
+            </a:p>
+          </p:txBody>
+        </p:sp>
+        <p:sp>
+          <p:nvSpPr>
+            <p:cNvPr id="44" name="正方形/長方形 43"/>
+            <p:cNvSpPr/>
+            <p:nvPr/>
+          </p:nvSpPr>
+          <p:spPr>
+            <a:xfrm>
+              <a:off x="5201634" y="5974631"/>
+              <a:ext cx="216024" cy="180323"/>
+            </a:xfrm>
+            <a:prstGeom prst="rect">
+              <a:avLst/>
+            </a:prstGeom>
+            <a:solidFill>
+              <a:schemeClr val="tx1"/>
+            </a:solidFill>
+            <a:ln>
+              <a:noFill/>
+            </a:ln>
+          </p:spPr>
+          <p:style>
+            <a:lnRef idx="2">
+              <a:schemeClr val="accent1">
+                <a:shade val="50000"/>
+              </a:schemeClr>
+            </a:lnRef>
+            <a:fillRef idx="1">
+              <a:schemeClr val="accent1"/>
+            </a:fillRef>
+            <a:effectRef idx="0">
+              <a:schemeClr val="accent1"/>
+            </a:effectRef>
+            <a:fontRef idx="minor">
+              <a:schemeClr val="lt1"/>
+            </a:fontRef>
+          </p:style>
+          <p:txBody>
+            <a:bodyPr rtlCol="0" anchor="ctr"/>
+            <a:lstStyle/>
+            <a:p>
+              <a:pPr algn="ctr"/>
+              <a:endParaRPr kumimoji="1" lang="ja-JP" altLang="en-US"/>
+            </a:p>
+          </p:txBody>
+        </p:sp>
+        <p:sp>
+          <p:nvSpPr>
+            <p:cNvPr id="45" name="正方形/長方形 44"/>
+            <p:cNvSpPr/>
+            <p:nvPr/>
+          </p:nvSpPr>
+          <p:spPr>
+            <a:xfrm>
+              <a:off x="5436096" y="5617398"/>
+              <a:ext cx="216024" cy="216024"/>
+            </a:xfrm>
+            <a:prstGeom prst="rect">
+              <a:avLst/>
+            </a:prstGeom>
+            <a:solidFill>
+              <a:schemeClr val="tx1"/>
+            </a:solidFill>
+            <a:ln>
+              <a:noFill/>
+            </a:ln>
+          </p:spPr>
+          <p:style>
+            <a:lnRef idx="2">
+              <a:schemeClr val="accent1">
+                <a:shade val="50000"/>
+              </a:schemeClr>
+            </a:lnRef>
+            <a:fillRef idx="1">
+              <a:schemeClr val="accent1"/>
+            </a:fillRef>
+            <a:effectRef idx="0">
+              <a:schemeClr val="accent1"/>
+            </a:effectRef>
+            <a:fontRef idx="minor">
+              <a:schemeClr val="lt1"/>
+            </a:fontRef>
+          </p:style>
+          <p:txBody>
+            <a:bodyPr rtlCol="0" anchor="ctr"/>
+            <a:lstStyle/>
+            <a:p>
+              <a:pPr algn="ctr"/>
+              <a:endParaRPr kumimoji="1" lang="ja-JP" altLang="en-US"/>
+            </a:p>
+          </p:txBody>
+        </p:sp>
+        <p:sp>
+          <p:nvSpPr>
+            <p:cNvPr id="46" name="正方形/長方形 45"/>
+            <p:cNvSpPr/>
+            <p:nvPr/>
+          </p:nvSpPr>
+          <p:spPr>
+            <a:xfrm>
+              <a:off x="4427984" y="6063795"/>
+              <a:ext cx="216024" cy="108012"/>
+            </a:xfrm>
+            <a:prstGeom prst="rect">
+              <a:avLst/>
+            </a:prstGeom>
+            <a:solidFill>
+              <a:schemeClr val="tx1"/>
+            </a:solidFill>
+            <a:ln>
+              <a:noFill/>
+            </a:ln>
+          </p:spPr>
+          <p:style>
+            <a:lnRef idx="2">
+              <a:schemeClr val="accent1">
+                <a:shade val="50000"/>
+              </a:schemeClr>
+            </a:lnRef>
+            <a:fillRef idx="1">
+              <a:schemeClr val="accent1"/>
+            </a:fillRef>
+            <a:effectRef idx="0">
+              <a:schemeClr val="accent1"/>
+            </a:effectRef>
+            <a:fontRef idx="minor">
+              <a:schemeClr val="lt1"/>
+            </a:fontRef>
+          </p:style>
+          <p:txBody>
+            <a:bodyPr rtlCol="0" anchor="ctr"/>
+            <a:lstStyle/>
+            <a:p>
+              <a:pPr algn="ctr"/>
+              <a:endParaRPr kumimoji="1" lang="ja-JP" altLang="en-US"/>
+            </a:p>
+          </p:txBody>
+        </p:sp>
+        <p:sp>
+          <p:nvSpPr>
+            <p:cNvPr id="47" name="正方形/長方形 46"/>
+            <p:cNvSpPr/>
+            <p:nvPr/>
+          </p:nvSpPr>
+          <p:spPr>
+            <a:xfrm>
+              <a:off x="5544108" y="3213942"/>
+              <a:ext cx="1908212" cy="457200"/>
+            </a:xfrm>
+            <a:prstGeom prst="rect">
+              <a:avLst/>
+            </a:prstGeom>
+            <a:solidFill>
+              <a:srgbClr val="FFFF00"/>
+            </a:solidFill>
+            <a:ln>
+              <a:noFill/>
+            </a:ln>
+          </p:spPr>
+          <p:style>
+            <a:lnRef idx="2">
+              <a:schemeClr val="accent1">
+                <a:shade val="50000"/>
+              </a:schemeClr>
+            </a:lnRef>
+            <a:fillRef idx="1">
+              <a:schemeClr val="accent1"/>
+            </a:fillRef>
+            <a:effectRef idx="0">
+              <a:schemeClr val="accent1"/>
+            </a:effectRef>
+            <a:fontRef idx="minor">
+              <a:schemeClr val="lt1"/>
+            </a:fontRef>
+          </p:style>
+          <p:txBody>
+            <a:bodyPr rtlCol="0" anchor="ctr"/>
+            <a:lstStyle/>
+            <a:p>
+              <a:pPr algn="ctr"/>
+              <a:endParaRPr kumimoji="1" lang="ja-JP" altLang="en-US"/>
+            </a:p>
+          </p:txBody>
+        </p:sp>
+        <p:sp>
+          <p:nvSpPr>
+            <p:cNvPr id="48" name="正方形/長方形 47"/>
+            <p:cNvSpPr/>
+            <p:nvPr/>
+          </p:nvSpPr>
+          <p:spPr>
+            <a:xfrm>
+              <a:off x="1561068" y="2115337"/>
+              <a:ext cx="2026087" cy="457200"/>
+            </a:xfrm>
+            <a:prstGeom prst="rect">
+              <a:avLst/>
+            </a:prstGeom>
+            <a:solidFill>
+              <a:srgbClr val="FFFF00"/>
+            </a:solidFill>
+            <a:ln>
+              <a:noFill/>
+            </a:ln>
+          </p:spPr>
+          <p:style>
+            <a:lnRef idx="2">
+              <a:schemeClr val="accent1">
+                <a:shade val="50000"/>
+              </a:schemeClr>
+            </a:lnRef>
+            <a:fillRef idx="1">
+              <a:schemeClr val="accent1"/>
+            </a:fillRef>
+            <a:effectRef idx="0">
+              <a:schemeClr val="accent1"/>
+            </a:effectRef>
+            <a:fontRef idx="minor">
+              <a:schemeClr val="lt1"/>
+            </a:fontRef>
+          </p:style>
+          <p:txBody>
+            <a:bodyPr rtlCol="0" anchor="ctr"/>
+            <a:lstStyle/>
+            <a:p>
+              <a:pPr algn="ctr"/>
+              <a:endParaRPr kumimoji="1" lang="ja-JP" altLang="en-US"/>
+            </a:p>
+          </p:txBody>
+        </p:sp>
+        <p:sp>
+          <p:nvSpPr>
+            <p:cNvPr id="49" name="正方形/長方形 48"/>
+            <p:cNvSpPr/>
+            <p:nvPr/>
+          </p:nvSpPr>
+          <p:spPr>
+            <a:xfrm>
+              <a:off x="2435919" y="3933056"/>
+              <a:ext cx="1744521" cy="457200"/>
+            </a:xfrm>
+            <a:prstGeom prst="rect">
+              <a:avLst/>
+            </a:prstGeom>
+            <a:solidFill>
+              <a:srgbClr val="FFFF00"/>
+            </a:solidFill>
+            <a:ln>
+              <a:noFill/>
+            </a:ln>
+          </p:spPr>
+          <p:style>
+            <a:lnRef idx="2">
+              <a:schemeClr val="accent1">
+                <a:shade val="50000"/>
+              </a:schemeClr>
+            </a:lnRef>
+            <a:fillRef idx="1">
+              <a:schemeClr val="accent1"/>
+            </a:fillRef>
+            <a:effectRef idx="0">
+              <a:schemeClr val="accent1"/>
+            </a:effectRef>
+            <a:fontRef idx="minor">
+              <a:schemeClr val="lt1"/>
+            </a:fontRef>
+          </p:style>
+          <p:txBody>
+            <a:bodyPr rtlCol="0" anchor="ctr"/>
+            <a:lstStyle/>
+            <a:p>
+              <a:pPr algn="ctr"/>
+              <a:endParaRPr kumimoji="1" lang="ja-JP" altLang="en-US"/>
+            </a:p>
+          </p:txBody>
+        </p:sp>
+        <p:sp>
+          <p:nvSpPr>
+            <p:cNvPr id="51" name="円/楕円 50"/>
+            <p:cNvSpPr/>
+            <p:nvPr/>
+          </p:nvSpPr>
+          <p:spPr>
+            <a:xfrm>
+              <a:off x="5021550" y="3370938"/>
+              <a:ext cx="143207" cy="143207"/>
+            </a:xfrm>
+            <a:prstGeom prst="ellipse">
+              <a:avLst/>
+            </a:prstGeom>
+            <a:solidFill>
+              <a:schemeClr val="accent4">
+                <a:lumMod val="75000"/>
+              </a:schemeClr>
+            </a:solidFill>
+            <a:ln>
+              <a:noFill/>
+            </a:ln>
+          </p:spPr>
+          <p:style>
+            <a:lnRef idx="2">
+              <a:schemeClr val="accent1">
+                <a:shade val="50000"/>
+              </a:schemeClr>
+            </a:lnRef>
+            <a:fillRef idx="1">
+              <a:schemeClr val="accent1"/>
+            </a:fillRef>
+            <a:effectRef idx="0">
+              <a:schemeClr val="accent1"/>
+            </a:effectRef>
+            <a:fontRef idx="minor">
+              <a:schemeClr val="lt1"/>
+            </a:fontRef>
+          </p:style>
+          <p:txBody>
+            <a:bodyPr rtlCol="0" anchor="ctr"/>
+            <a:lstStyle/>
+            <a:p>
+              <a:pPr algn="ctr"/>
+              <a:endParaRPr kumimoji="1" lang="ja-JP" altLang="en-US"/>
+            </a:p>
+          </p:txBody>
+        </p:sp>
+        <p:sp>
+          <p:nvSpPr>
+            <p:cNvPr id="52" name="円/楕円 51"/>
+            <p:cNvSpPr/>
+            <p:nvPr/>
+          </p:nvSpPr>
+          <p:spPr>
+            <a:xfrm>
+              <a:off x="2703788" y="2789343"/>
+              <a:ext cx="143207" cy="143207"/>
+            </a:xfrm>
+            <a:prstGeom prst="ellipse">
+              <a:avLst/>
+            </a:prstGeom>
+            <a:solidFill>
+              <a:schemeClr val="accent4">
+                <a:lumMod val="75000"/>
+              </a:schemeClr>
+            </a:solidFill>
+            <a:ln>
+              <a:noFill/>
+            </a:ln>
+          </p:spPr>
+          <p:style>
+            <a:lnRef idx="2">
+              <a:schemeClr val="accent1">
+                <a:shade val="50000"/>
+              </a:schemeClr>
+            </a:lnRef>
+            <a:fillRef idx="1">
+              <a:schemeClr val="accent1"/>
+            </a:fillRef>
+            <a:effectRef idx="0">
+              <a:schemeClr val="accent1"/>
+            </a:effectRef>
+            <a:fontRef idx="minor">
+              <a:schemeClr val="lt1"/>
+            </a:fontRef>
+          </p:style>
+          <p:txBody>
+            <a:bodyPr rtlCol="0" anchor="ctr"/>
+            <a:lstStyle/>
+            <a:p>
+              <a:pPr algn="ctr"/>
+              <a:endParaRPr kumimoji="1" lang="ja-JP" altLang="en-US"/>
+            </a:p>
+          </p:txBody>
+        </p:sp>
+        <p:sp>
+          <p:nvSpPr>
+            <p:cNvPr id="53" name="円/楕円 52"/>
+            <p:cNvSpPr/>
+            <p:nvPr/>
+          </p:nvSpPr>
+          <p:spPr>
+            <a:xfrm>
+              <a:off x="3734784" y="2343937"/>
+              <a:ext cx="143207" cy="143207"/>
+            </a:xfrm>
+            <a:prstGeom prst="ellipse">
+              <a:avLst/>
+            </a:prstGeom>
+            <a:solidFill>
+              <a:schemeClr val="accent4">
+                <a:lumMod val="75000"/>
+              </a:schemeClr>
+            </a:solidFill>
+            <a:ln>
+              <a:noFill/>
+            </a:ln>
+          </p:spPr>
+          <p:style>
+            <a:lnRef idx="2">
+              <a:schemeClr val="accent1">
+                <a:shade val="50000"/>
+              </a:schemeClr>
+            </a:lnRef>
+            <a:fillRef idx="1">
+              <a:schemeClr val="accent1"/>
+            </a:fillRef>
+            <a:effectRef idx="0">
+              <a:schemeClr val="accent1"/>
+            </a:effectRef>
+            <a:fontRef idx="minor">
+              <a:schemeClr val="lt1"/>
+            </a:fontRef>
+          </p:style>
+          <p:txBody>
+            <a:bodyPr rtlCol="0" anchor="ctr"/>
+            <a:lstStyle/>
+            <a:p>
+              <a:pPr algn="ctr"/>
+              <a:endParaRPr kumimoji="1" lang="ja-JP" altLang="en-US"/>
+            </a:p>
+          </p:txBody>
+        </p:sp>
+        <p:sp>
+          <p:nvSpPr>
+            <p:cNvPr id="54" name="円/楕円 53"/>
+            <p:cNvSpPr/>
+            <p:nvPr/>
+          </p:nvSpPr>
+          <p:spPr>
+            <a:xfrm>
+              <a:off x="2430905" y="3276770"/>
+              <a:ext cx="143207" cy="143207"/>
+            </a:xfrm>
+            <a:prstGeom prst="ellipse">
+              <a:avLst/>
+            </a:prstGeom>
+            <a:solidFill>
+              <a:schemeClr val="accent4">
+                <a:lumMod val="75000"/>
+              </a:schemeClr>
+            </a:solidFill>
+            <a:ln>
+              <a:noFill/>
+            </a:ln>
+          </p:spPr>
+          <p:style>
+            <a:lnRef idx="2">
+              <a:schemeClr val="accent1">
+                <a:shade val="50000"/>
+              </a:schemeClr>
+            </a:lnRef>
+            <a:fillRef idx="1">
+              <a:schemeClr val="accent1"/>
+            </a:fillRef>
+            <a:effectRef idx="0">
+              <a:schemeClr val="accent1"/>
+            </a:effectRef>
+            <a:fontRef idx="minor">
+              <a:schemeClr val="lt1"/>
+            </a:fontRef>
+          </p:style>
+          <p:txBody>
+            <a:bodyPr rtlCol="0" anchor="ctr"/>
+            <a:lstStyle/>
+            <a:p>
+              <a:pPr algn="ctr"/>
+              <a:endParaRPr kumimoji="1" lang="ja-JP" altLang="en-US"/>
+            </a:p>
+          </p:txBody>
+        </p:sp>
+        <p:sp>
+          <p:nvSpPr>
+            <p:cNvPr id="55" name="円/楕円 54"/>
+            <p:cNvSpPr/>
+            <p:nvPr/>
+          </p:nvSpPr>
+          <p:spPr>
+            <a:xfrm>
+              <a:off x="1884444" y="4318652"/>
+              <a:ext cx="143207" cy="143207"/>
+            </a:xfrm>
+            <a:prstGeom prst="ellipse">
+              <a:avLst/>
+            </a:prstGeom>
+            <a:solidFill>
+              <a:schemeClr val="accent4">
+                <a:lumMod val="75000"/>
+              </a:schemeClr>
+            </a:solidFill>
+            <a:ln>
+              <a:noFill/>
+            </a:ln>
+          </p:spPr>
+          <p:style>
+            <a:lnRef idx="2">
+              <a:schemeClr val="accent1">
+                <a:shade val="50000"/>
+              </a:schemeClr>
+            </a:lnRef>
+            <a:fillRef idx="1">
+              <a:schemeClr val="accent1"/>
+            </a:fillRef>
+            <a:effectRef idx="0">
+              <a:schemeClr val="accent1"/>
+            </a:effectRef>
+            <a:fontRef idx="minor">
+              <a:schemeClr val="lt1"/>
+            </a:fontRef>
+          </p:style>
+          <p:txBody>
+            <a:bodyPr rtlCol="0" anchor="ctr"/>
+            <a:lstStyle/>
+            <a:p>
+              <a:pPr algn="ctr"/>
+              <a:endParaRPr kumimoji="1" lang="ja-JP" altLang="en-US"/>
+            </a:p>
+          </p:txBody>
+        </p:sp>
+        <p:sp>
+          <p:nvSpPr>
+            <p:cNvPr id="56" name="円/楕円 55"/>
+            <p:cNvSpPr/>
+            <p:nvPr/>
+          </p:nvSpPr>
+          <p:spPr>
+            <a:xfrm>
+              <a:off x="2268148" y="4797556"/>
+              <a:ext cx="143207" cy="143207"/>
+            </a:xfrm>
+            <a:prstGeom prst="ellipse">
+              <a:avLst/>
+            </a:prstGeom>
+            <a:solidFill>
+              <a:schemeClr val="accent4">
+                <a:lumMod val="75000"/>
+              </a:schemeClr>
+            </a:solidFill>
+            <a:ln>
+              <a:noFill/>
+            </a:ln>
+          </p:spPr>
+          <p:style>
+            <a:lnRef idx="2">
+              <a:schemeClr val="accent1">
+                <a:shade val="50000"/>
+              </a:schemeClr>
+            </a:lnRef>
+            <a:fillRef idx="1">
+              <a:schemeClr val="accent1"/>
+            </a:fillRef>
+            <a:effectRef idx="0">
+              <a:schemeClr val="accent1"/>
+            </a:effectRef>
+            <a:fontRef idx="minor">
+              <a:schemeClr val="lt1"/>
+            </a:fontRef>
+          </p:style>
+          <p:txBody>
+            <a:bodyPr rtlCol="0" anchor="ctr"/>
+            <a:lstStyle/>
+            <a:p>
+              <a:pPr algn="ctr"/>
+              <a:endParaRPr kumimoji="1" lang="ja-JP" altLang="en-US"/>
+            </a:p>
+          </p:txBody>
+        </p:sp>
+        <p:sp>
+          <p:nvSpPr>
+            <p:cNvPr id="57" name="円/楕円 56"/>
+            <p:cNvSpPr/>
+            <p:nvPr/>
+          </p:nvSpPr>
+          <p:spPr>
+            <a:xfrm>
+              <a:off x="3663180" y="3133563"/>
+              <a:ext cx="143207" cy="143207"/>
+            </a:xfrm>
+            <a:prstGeom prst="ellipse">
+              <a:avLst/>
+            </a:prstGeom>
+            <a:solidFill>
+              <a:schemeClr val="accent4">
+                <a:lumMod val="75000"/>
+              </a:schemeClr>
+            </a:solidFill>
+            <a:ln>
+              <a:noFill/>
+            </a:ln>
+          </p:spPr>
+          <p:style>
+            <a:lnRef idx="2">
+              <a:schemeClr val="accent1">
+                <a:shade val="50000"/>
+              </a:schemeClr>
+            </a:lnRef>
+            <a:fillRef idx="1">
+              <a:schemeClr val="accent1"/>
+            </a:fillRef>
+            <a:effectRef idx="0">
+              <a:schemeClr val="accent1"/>
+            </a:effectRef>
+            <a:fontRef idx="minor">
+              <a:schemeClr val="lt1"/>
+            </a:fontRef>
+          </p:style>
+          <p:txBody>
+            <a:bodyPr rtlCol="0" anchor="ctr"/>
+            <a:lstStyle/>
+            <a:p>
+              <a:pPr algn="ctr"/>
+              <a:endParaRPr kumimoji="1" lang="ja-JP" altLang="en-US"/>
+            </a:p>
+          </p:txBody>
+        </p:sp>
+        <p:sp>
+          <p:nvSpPr>
+            <p:cNvPr id="58" name="円/楕円 57"/>
+            <p:cNvSpPr/>
+            <p:nvPr/>
+          </p:nvSpPr>
+          <p:spPr>
+            <a:xfrm>
+              <a:off x="5346054" y="2265543"/>
+              <a:ext cx="143207" cy="143207"/>
+            </a:xfrm>
+            <a:prstGeom prst="ellipse">
+              <a:avLst/>
+            </a:prstGeom>
+            <a:solidFill>
+              <a:schemeClr val="accent4">
+                <a:lumMod val="75000"/>
+              </a:schemeClr>
+            </a:solidFill>
+            <a:ln>
+              <a:noFill/>
+            </a:ln>
+          </p:spPr>
+          <p:style>
+            <a:lnRef idx="2">
+              <a:schemeClr val="accent1">
+                <a:shade val="50000"/>
+              </a:schemeClr>
+            </a:lnRef>
+            <a:fillRef idx="1">
+              <a:schemeClr val="accent1"/>
+            </a:fillRef>
+            <a:effectRef idx="0">
+              <a:schemeClr val="accent1"/>
+            </a:effectRef>
+            <a:fontRef idx="minor">
+              <a:schemeClr val="lt1"/>
+            </a:fontRef>
+          </p:style>
+          <p:txBody>
+            <a:bodyPr rtlCol="0" anchor="ctr"/>
+            <a:lstStyle/>
+            <a:p>
+              <a:pPr algn="ctr"/>
+              <a:endParaRPr kumimoji="1" lang="ja-JP" altLang="en-US"/>
+            </a:p>
+          </p:txBody>
+        </p:sp>
+        <p:sp>
+          <p:nvSpPr>
+            <p:cNvPr id="59" name="円/楕円 58"/>
+            <p:cNvSpPr/>
+            <p:nvPr/>
+          </p:nvSpPr>
+          <p:spPr>
+            <a:xfrm>
+              <a:off x="3852324" y="4869160"/>
+              <a:ext cx="143207" cy="143207"/>
+            </a:xfrm>
+            <a:prstGeom prst="ellipse">
+              <a:avLst/>
+            </a:prstGeom>
+            <a:solidFill>
+              <a:schemeClr val="accent4">
+                <a:lumMod val="75000"/>
+              </a:schemeClr>
+            </a:solidFill>
+            <a:ln>
+              <a:noFill/>
+            </a:ln>
+          </p:spPr>
+          <p:style>
+            <a:lnRef idx="2">
+              <a:schemeClr val="accent1">
+                <a:shade val="50000"/>
+              </a:schemeClr>
+            </a:lnRef>
+            <a:fillRef idx="1">
+              <a:schemeClr val="accent1"/>
+            </a:fillRef>
+            <a:effectRef idx="0">
+              <a:schemeClr val="accent1"/>
+            </a:effectRef>
+            <a:fontRef idx="minor">
+              <a:schemeClr val="lt1"/>
+            </a:fontRef>
+          </p:style>
+          <p:txBody>
+            <a:bodyPr rtlCol="0" anchor="ctr"/>
+            <a:lstStyle/>
+            <a:p>
+              <a:pPr algn="ctr"/>
+              <a:endParaRPr kumimoji="1" lang="ja-JP" altLang="en-US"/>
+            </a:p>
+          </p:txBody>
+        </p:sp>
+        <p:sp>
+          <p:nvSpPr>
+            <p:cNvPr id="60" name="円/楕円 59"/>
+            <p:cNvSpPr/>
+            <p:nvPr/>
+          </p:nvSpPr>
+          <p:spPr>
+            <a:xfrm>
+              <a:off x="4746540" y="4163317"/>
+              <a:ext cx="143207" cy="143207"/>
+            </a:xfrm>
+            <a:prstGeom prst="ellipse">
+              <a:avLst/>
+            </a:prstGeom>
+            <a:solidFill>
+              <a:schemeClr val="accent4">
+                <a:lumMod val="75000"/>
+              </a:schemeClr>
+            </a:solidFill>
+            <a:ln>
+              <a:noFill/>
+            </a:ln>
+          </p:spPr>
+          <p:style>
+            <a:lnRef idx="2">
+              <a:schemeClr val="accent1">
+                <a:shade val="50000"/>
+              </a:schemeClr>
+            </a:lnRef>
+            <a:fillRef idx="1">
+              <a:schemeClr val="accent1"/>
+            </a:fillRef>
+            <a:effectRef idx="0">
+              <a:schemeClr val="accent1"/>
+            </a:effectRef>
+            <a:fontRef idx="minor">
+              <a:schemeClr val="lt1"/>
+            </a:fontRef>
+          </p:style>
+          <p:txBody>
+            <a:bodyPr rtlCol="0" anchor="ctr"/>
+            <a:lstStyle/>
+            <a:p>
+              <a:pPr algn="ctr"/>
+              <a:endParaRPr kumimoji="1" lang="ja-JP" altLang="en-US"/>
+            </a:p>
+          </p:txBody>
+        </p:sp>
+        <p:sp>
+          <p:nvSpPr>
+            <p:cNvPr id="62" name="円/楕円 61"/>
+            <p:cNvSpPr/>
+            <p:nvPr/>
+          </p:nvSpPr>
+          <p:spPr>
+            <a:xfrm>
+              <a:off x="4283968" y="2694252"/>
+              <a:ext cx="143207" cy="143207"/>
+            </a:xfrm>
+            <a:prstGeom prst="ellipse">
+              <a:avLst/>
+            </a:prstGeom>
+            <a:solidFill>
+              <a:schemeClr val="accent4">
+                <a:lumMod val="75000"/>
+              </a:schemeClr>
+            </a:solidFill>
+            <a:ln>
+              <a:noFill/>
+            </a:ln>
+          </p:spPr>
+          <p:style>
+            <a:lnRef idx="2">
+              <a:schemeClr val="accent1">
+                <a:shade val="50000"/>
+              </a:schemeClr>
+            </a:lnRef>
+            <a:fillRef idx="1">
+              <a:schemeClr val="accent1"/>
+            </a:fillRef>
+            <a:effectRef idx="0">
+              <a:schemeClr val="accent1"/>
+            </a:effectRef>
+            <a:fontRef idx="minor">
+              <a:schemeClr val="lt1"/>
+            </a:fontRef>
+          </p:style>
+          <p:txBody>
+            <a:bodyPr rtlCol="0" anchor="ctr"/>
+            <a:lstStyle/>
+            <a:p>
+              <a:pPr algn="ctr"/>
+              <a:endParaRPr kumimoji="1" lang="ja-JP" altLang="en-US"/>
+            </a:p>
+          </p:txBody>
+        </p:sp>
+        <p:sp>
+          <p:nvSpPr>
+            <p:cNvPr id="63" name="円/楕円 62"/>
+            <p:cNvSpPr/>
+            <p:nvPr/>
+          </p:nvSpPr>
+          <p:spPr>
+            <a:xfrm>
+              <a:off x="5310993" y="3985200"/>
+              <a:ext cx="143207" cy="143207"/>
+            </a:xfrm>
+            <a:prstGeom prst="ellipse">
+              <a:avLst/>
+            </a:prstGeom>
+            <a:solidFill>
+              <a:schemeClr val="accent4">
+                <a:lumMod val="75000"/>
+              </a:schemeClr>
+            </a:solidFill>
+            <a:ln>
+              <a:noFill/>
+            </a:ln>
+          </p:spPr>
+          <p:style>
+            <a:lnRef idx="2">
+              <a:schemeClr val="accent1">
+                <a:shade val="50000"/>
+              </a:schemeClr>
+            </a:lnRef>
+            <a:fillRef idx="1">
+              <a:schemeClr val="accent1"/>
+            </a:fillRef>
+            <a:effectRef idx="0">
+              <a:schemeClr val="accent1"/>
+            </a:effectRef>
+            <a:fontRef idx="minor">
+              <a:schemeClr val="lt1"/>
+            </a:fontRef>
+          </p:style>
+          <p:txBody>
+            <a:bodyPr rtlCol="0" anchor="ctr"/>
+            <a:lstStyle/>
+            <a:p>
+              <a:pPr algn="ctr"/>
+              <a:endParaRPr kumimoji="1" lang="ja-JP" altLang="en-US"/>
+            </a:p>
+          </p:txBody>
+        </p:sp>
+        <p:sp>
+          <p:nvSpPr>
+            <p:cNvPr id="64" name="円/楕円 63"/>
+            <p:cNvSpPr/>
+            <p:nvPr/>
+          </p:nvSpPr>
+          <p:spPr>
+            <a:xfrm>
+              <a:off x="5028938" y="5417513"/>
+              <a:ext cx="143207" cy="143207"/>
+            </a:xfrm>
+            <a:prstGeom prst="ellipse">
+              <a:avLst/>
+            </a:prstGeom>
+            <a:solidFill>
+              <a:schemeClr val="accent4">
+                <a:lumMod val="75000"/>
+              </a:schemeClr>
+            </a:solidFill>
+            <a:ln>
+              <a:noFill/>
+            </a:ln>
+          </p:spPr>
+          <p:style>
+            <a:lnRef idx="2">
+              <a:schemeClr val="accent1">
+                <a:shade val="50000"/>
+              </a:schemeClr>
+            </a:lnRef>
+            <a:fillRef idx="1">
+              <a:schemeClr val="accent1"/>
+            </a:fillRef>
+            <a:effectRef idx="0">
+              <a:schemeClr val="accent1"/>
+            </a:effectRef>
+            <a:fontRef idx="minor">
+              <a:schemeClr val="lt1"/>
+            </a:fontRef>
+          </p:style>
+          <p:txBody>
+            <a:bodyPr rtlCol="0" anchor="ctr"/>
+            <a:lstStyle/>
+            <a:p>
+              <a:pPr algn="ctr"/>
+              <a:endParaRPr kumimoji="1" lang="ja-JP" altLang="en-US"/>
+            </a:p>
+          </p:txBody>
+        </p:sp>
+        <p:sp>
+          <p:nvSpPr>
+            <p:cNvPr id="65" name="円/楕円 64"/>
+            <p:cNvSpPr/>
+            <p:nvPr/>
+          </p:nvSpPr>
+          <p:spPr>
+            <a:xfrm>
+              <a:off x="5927562" y="4729453"/>
+              <a:ext cx="143207" cy="143207"/>
+            </a:xfrm>
+            <a:prstGeom prst="ellipse">
+              <a:avLst/>
+            </a:prstGeom>
+            <a:solidFill>
+              <a:schemeClr val="accent4">
+                <a:lumMod val="75000"/>
+              </a:schemeClr>
+            </a:solidFill>
+            <a:ln>
+              <a:noFill/>
+            </a:ln>
+          </p:spPr>
+          <p:style>
+            <a:lnRef idx="2">
+              <a:schemeClr val="accent1">
+                <a:shade val="50000"/>
+              </a:schemeClr>
+            </a:lnRef>
+            <a:fillRef idx="1">
+              <a:schemeClr val="accent1"/>
+            </a:fillRef>
+            <a:effectRef idx="0">
+              <a:schemeClr val="accent1"/>
+            </a:effectRef>
+            <a:fontRef idx="minor">
+              <a:schemeClr val="lt1"/>
+            </a:fontRef>
+          </p:style>
+          <p:txBody>
+            <a:bodyPr rtlCol="0" anchor="ctr"/>
+            <a:lstStyle/>
+            <a:p>
+              <a:pPr algn="ctr"/>
+              <a:endParaRPr kumimoji="1" lang="ja-JP" altLang="en-US"/>
+            </a:p>
+          </p:txBody>
+        </p:sp>
+        <p:grpSp>
+          <p:nvGrpSpPr>
+            <p:cNvPr id="69" name="グループ化 68"/>
+            <p:cNvGrpSpPr/>
+            <p:nvPr/>
+          </p:nvGrpSpPr>
+          <p:grpSpPr>
+            <a:xfrm>
+              <a:off x="5348935" y="4486743"/>
+              <a:ext cx="292001" cy="1112249"/>
+              <a:chOff x="0" y="4478752"/>
+              <a:chExt cx="292001" cy="1112249"/>
+            </a:xfrm>
+            <a:scene3d>
+              <a:camera prst="orthographicFront">
+                <a:rot lat="0" lon="0" rev="2100000"/>
+              </a:camera>
+              <a:lightRig rig="threePt" dir="t"/>
+            </a:scene3d>
+          </p:grpSpPr>
+          <p:sp>
+            <p:nvSpPr>
+              <p:cNvPr id="66" name="下矢印 65"/>
+              <p:cNvSpPr/>
+              <p:nvPr/>
+            </p:nvSpPr>
+            <p:spPr>
+              <a:xfrm flipV="1">
+                <a:off x="3969" y="4478752"/>
+                <a:ext cx="288032" cy="1112249"/>
+              </a:xfrm>
+              <a:prstGeom prst="downArrow">
+                <a:avLst/>
+              </a:prstGeom>
+              <a:solidFill>
+                <a:srgbClr val="FF0000"/>
+              </a:solidFill>
+            </p:spPr>
+            <p:style>
+              <a:lnRef idx="2">
+                <a:schemeClr val="accent1">
+                  <a:shade val="50000"/>
+                </a:schemeClr>
+              </a:lnRef>
+              <a:fillRef idx="1">
+                <a:schemeClr val="accent1"/>
+              </a:fillRef>
+              <a:effectRef idx="0">
+                <a:schemeClr val="accent1"/>
+              </a:effectRef>
+              <a:fontRef idx="minor">
+                <a:schemeClr val="lt1"/>
+              </a:fontRef>
+            </p:style>
+            <p:txBody>
+              <a:bodyPr rtlCol="0" anchor="ctr"/>
+              <a:lstStyle/>
+              <a:p>
+                <a:pPr algn="ctr"/>
+                <a:endParaRPr kumimoji="1" lang="ja-JP" altLang="en-US"/>
+              </a:p>
+            </p:txBody>
+          </p:sp>
+          <p:sp>
+            <p:nvSpPr>
+              <p:cNvPr id="67" name="二等辺三角形 66"/>
+              <p:cNvSpPr/>
+              <p:nvPr/>
+            </p:nvSpPr>
+            <p:spPr>
+              <a:xfrm>
+                <a:off x="0" y="4919471"/>
+                <a:ext cx="273030" cy="364040"/>
+              </a:xfrm>
+              <a:prstGeom prst="triangle">
+                <a:avLst/>
+              </a:prstGeom>
+              <a:solidFill>
+                <a:schemeClr val="bg1"/>
+              </a:solidFill>
+              <a:ln>
+                <a:solidFill>
+                  <a:schemeClr val="tx1"/>
+                </a:solidFill>
+              </a:ln>
+            </p:spPr>
+            <p:style>
+              <a:lnRef idx="2">
+                <a:schemeClr val="accent1">
+                  <a:shade val="50000"/>
+                </a:schemeClr>
+              </a:lnRef>
+              <a:fillRef idx="1">
+                <a:schemeClr val="accent1"/>
+              </a:fillRef>
+              <a:effectRef idx="0">
+                <a:schemeClr val="accent1"/>
+              </a:effectRef>
+              <a:fontRef idx="minor">
+                <a:schemeClr val="lt1"/>
+              </a:fontRef>
+            </p:style>
+            <p:txBody>
+              <a:bodyPr rtlCol="0" anchor="ctr"/>
+              <a:lstStyle/>
+              <a:p>
+                <a:pPr algn="ctr"/>
+                <a:endParaRPr kumimoji="1" lang="ja-JP" altLang="en-US"/>
+              </a:p>
+            </p:txBody>
+          </p:sp>
+          <p:sp>
+            <p:nvSpPr>
+              <p:cNvPr id="68" name="円/楕円 67"/>
+              <p:cNvSpPr/>
+              <p:nvPr/>
+            </p:nvSpPr>
+            <p:spPr>
+              <a:xfrm>
+                <a:off x="75842" y="5131828"/>
+                <a:ext cx="121347" cy="121347"/>
+              </a:xfrm>
+              <a:prstGeom prst="ellipse">
+                <a:avLst/>
+              </a:prstGeom>
+              <a:solidFill>
+                <a:schemeClr val="accent1"/>
+              </a:solidFill>
+              <a:ln>
+                <a:solidFill>
+                  <a:schemeClr val="tx2"/>
+                </a:solidFill>
+              </a:ln>
+            </p:spPr>
+            <p:style>
+              <a:lnRef idx="2">
+                <a:schemeClr val="accent1">
+                  <a:shade val="50000"/>
+                </a:schemeClr>
+              </a:lnRef>
+              <a:fillRef idx="1">
+                <a:schemeClr val="accent1"/>
+              </a:fillRef>
+              <a:effectRef idx="0">
+                <a:schemeClr val="accent1"/>
+              </a:effectRef>
+              <a:fontRef idx="minor">
+                <a:schemeClr val="lt1"/>
+              </a:fontRef>
+            </p:style>
+            <p:txBody>
+              <a:bodyPr rtlCol="0" anchor="ctr"/>
+              <a:lstStyle/>
+              <a:p>
+                <a:pPr algn="ctr"/>
+                <a:endParaRPr kumimoji="1" lang="ja-JP" altLang="en-US"/>
+              </a:p>
+            </p:txBody>
+          </p:sp>
+        </p:grpSp>
+        <p:sp>
+          <p:nvSpPr>
+            <p:cNvPr id="70" name="ひし形 69"/>
+            <p:cNvSpPr/>
+            <p:nvPr/>
+          </p:nvSpPr>
+          <p:spPr>
+            <a:xfrm>
+              <a:off x="3892965" y="1883318"/>
+              <a:ext cx="864096" cy="300203"/>
+            </a:xfrm>
+            <a:prstGeom prst="diamond">
+              <a:avLst/>
+            </a:prstGeom>
+            <a:solidFill>
+              <a:srgbClr val="00B050"/>
+            </a:solidFill>
+            <a:ln>
+              <a:noFill/>
+            </a:ln>
+          </p:spPr>
+          <p:style>
+            <a:lnRef idx="2">
+              <a:schemeClr val="accent1">
+                <a:shade val="50000"/>
+              </a:schemeClr>
+            </a:lnRef>
+            <a:fillRef idx="1">
+              <a:schemeClr val="accent1"/>
+            </a:fillRef>
+            <a:effectRef idx="0">
+              <a:schemeClr val="accent1"/>
+            </a:effectRef>
+            <a:fontRef idx="minor">
+              <a:schemeClr val="lt1"/>
+            </a:fontRef>
+          </p:style>
+          <p:txBody>
+            <a:bodyPr rtlCol="0" anchor="ctr"/>
+            <a:lstStyle/>
+            <a:p>
+              <a:pPr algn="ctr"/>
+              <a:endParaRPr kumimoji="1" lang="ja-JP" altLang="en-US"/>
+            </a:p>
+          </p:txBody>
+        </p:sp>
+        <p:sp>
+          <p:nvSpPr>
+            <p:cNvPr id="71" name="星 7 70"/>
+            <p:cNvSpPr/>
+            <p:nvPr/>
+          </p:nvSpPr>
+          <p:spPr>
+            <a:xfrm>
+              <a:off x="2990207" y="3059526"/>
+              <a:ext cx="468052" cy="468052"/>
+            </a:xfrm>
+            <a:prstGeom prst="star7">
+              <a:avLst/>
+            </a:prstGeom>
+            <a:solidFill>
+              <a:srgbClr val="FF0000"/>
+            </a:solidFill>
+            <a:ln>
+              <a:solidFill>
+                <a:srgbClr val="FFFF00"/>
+              </a:solidFill>
+            </a:ln>
+          </p:spPr>
+          <p:style>
+            <a:lnRef idx="2">
+              <a:schemeClr val="accent1">
+                <a:shade val="50000"/>
+              </a:schemeClr>
+            </a:lnRef>
+            <a:fillRef idx="1">
+              <a:schemeClr val="accent1"/>
+            </a:fillRef>
+            <a:effectRef idx="0">
+              <a:schemeClr val="accent1"/>
+            </a:effectRef>
+            <a:fontRef idx="minor">
+              <a:schemeClr val="lt1"/>
+            </a:fontRef>
+          </p:style>
+          <p:txBody>
+            <a:bodyPr rtlCol="0" anchor="ctr"/>
+            <a:lstStyle/>
+            <a:p>
+              <a:pPr algn="ctr"/>
+              <a:endParaRPr kumimoji="1" lang="ja-JP" altLang="en-US"/>
+            </a:p>
+          </p:txBody>
+        </p:sp>
+        <p:sp>
+          <p:nvSpPr>
+            <p:cNvPr id="72" name="星 7 71"/>
+            <p:cNvSpPr/>
+            <p:nvPr/>
+          </p:nvSpPr>
+          <p:spPr>
+            <a:xfrm>
+              <a:off x="5768926" y="3715535"/>
+              <a:ext cx="468052" cy="468052"/>
+            </a:xfrm>
+            <a:prstGeom prst="star7">
+              <a:avLst/>
+            </a:prstGeom>
+            <a:solidFill>
+              <a:srgbClr val="FF0000"/>
+            </a:solidFill>
+            <a:ln>
+              <a:solidFill>
+                <a:srgbClr val="FFFF00"/>
+              </a:solidFill>
+            </a:ln>
+          </p:spPr>
+          <p:style>
+            <a:lnRef idx="2">
+              <a:schemeClr val="accent1">
+                <a:shade val="50000"/>
+              </a:schemeClr>
+            </a:lnRef>
+            <a:fillRef idx="1">
+              <a:schemeClr val="accent1"/>
+            </a:fillRef>
+            <a:effectRef idx="0">
+              <a:schemeClr val="accent1"/>
+            </a:effectRef>
+            <a:fontRef idx="minor">
+              <a:schemeClr val="lt1"/>
+            </a:fontRef>
+          </p:style>
+          <p:txBody>
+            <a:bodyPr rtlCol="0" anchor="ctr"/>
+            <a:lstStyle/>
+            <a:p>
+              <a:pPr algn="ctr"/>
+              <a:endParaRPr kumimoji="1" lang="ja-JP" altLang="en-US"/>
+            </a:p>
+          </p:txBody>
+        </p:sp>
+        <p:sp>
+          <p:nvSpPr>
+            <p:cNvPr id="80" name="星 7 79"/>
+            <p:cNvSpPr/>
+            <p:nvPr/>
+          </p:nvSpPr>
+          <p:spPr>
+            <a:xfrm>
+              <a:off x="5180386" y="2456208"/>
+              <a:ext cx="468052" cy="468052"/>
+            </a:xfrm>
+            <a:prstGeom prst="star7">
+              <a:avLst/>
+            </a:prstGeom>
+            <a:solidFill>
+              <a:srgbClr val="FF0000"/>
+            </a:solidFill>
+            <a:ln>
+              <a:solidFill>
+                <a:srgbClr val="FFFF00"/>
+              </a:solidFill>
+            </a:ln>
+          </p:spPr>
+          <p:style>
+            <a:lnRef idx="2">
+              <a:schemeClr val="accent1">
+                <a:shade val="50000"/>
+              </a:schemeClr>
+            </a:lnRef>
+            <a:fillRef idx="1">
+              <a:schemeClr val="accent1"/>
+            </a:fillRef>
+            <a:effectRef idx="0">
+              <a:schemeClr val="accent1"/>
+            </a:effectRef>
+            <a:fontRef idx="minor">
+              <a:schemeClr val="lt1"/>
+            </a:fontRef>
+          </p:style>
+          <p:txBody>
+            <a:bodyPr rtlCol="0" anchor="ctr"/>
+            <a:lstStyle/>
+            <a:p>
+              <a:pPr algn="ctr"/>
+              <a:endParaRPr kumimoji="1" lang="ja-JP" altLang="en-US"/>
+            </a:p>
+          </p:txBody>
+        </p:sp>
+        <p:sp>
+          <p:nvSpPr>
+            <p:cNvPr id="81" name="星 7 80"/>
+            <p:cNvSpPr/>
+            <p:nvPr/>
+          </p:nvSpPr>
+          <p:spPr>
+            <a:xfrm>
+              <a:off x="3053713" y="1700808"/>
+              <a:ext cx="468052" cy="468052"/>
+            </a:xfrm>
+            <a:prstGeom prst="star7">
+              <a:avLst/>
+            </a:prstGeom>
+            <a:solidFill>
+              <a:srgbClr val="FF0000"/>
+            </a:solidFill>
+            <a:ln>
+              <a:solidFill>
+                <a:srgbClr val="FFFF00"/>
+              </a:solidFill>
+            </a:ln>
+          </p:spPr>
+          <p:style>
+            <a:lnRef idx="2">
+              <a:schemeClr val="accent1">
+                <a:shade val="50000"/>
+              </a:schemeClr>
+            </a:lnRef>
+            <a:fillRef idx="1">
+              <a:schemeClr val="accent1"/>
+            </a:fillRef>
+            <a:effectRef idx="0">
+              <a:schemeClr val="accent1"/>
+            </a:effectRef>
+            <a:fontRef idx="minor">
+              <a:schemeClr val="lt1"/>
+            </a:fontRef>
+          </p:style>
+          <p:txBody>
+            <a:bodyPr rtlCol="0" anchor="ctr"/>
+            <a:lstStyle/>
+            <a:p>
+              <a:pPr algn="ctr"/>
+              <a:endParaRPr kumimoji="1" lang="ja-JP" altLang="en-US"/>
+            </a:p>
+          </p:txBody>
+        </p:sp>
+        <p:cxnSp>
+          <p:nvCxnSpPr>
+            <p:cNvPr id="113" name="直線矢印コネクタ 112"/>
+            <p:cNvCxnSpPr/>
+            <p:nvPr/>
+          </p:nvCxnSpPr>
+          <p:spPr>
+            <a:xfrm flipV="1">
+              <a:off x="5175293" y="5261381"/>
+              <a:ext cx="314299" cy="203821"/>
+            </a:xfrm>
+            <a:prstGeom prst="straightConnector1">
+              <a:avLst/>
+            </a:prstGeom>
+            <a:ln w="28575">
+              <a:solidFill>
+                <a:srgbClr val="00B050"/>
+              </a:solidFill>
+              <a:tailEnd type="arrow"/>
+            </a:ln>
+          </p:spPr>
+          <p:style>
+            <a:lnRef idx="1">
+              <a:schemeClr val="accent1"/>
+            </a:lnRef>
+            <a:fillRef idx="0">
+              <a:schemeClr val="accent1"/>
+            </a:fillRef>
+            <a:effectRef idx="0">
+              <a:schemeClr val="accent1"/>
+            </a:effectRef>
+            <a:fontRef idx="minor">
+              <a:schemeClr val="tx1"/>
+            </a:fontRef>
+          </p:style>
+        </p:cxnSp>
+        <p:cxnSp>
+          <p:nvCxnSpPr>
+            <p:cNvPr id="116" name="直線矢印コネクタ 115"/>
+            <p:cNvCxnSpPr/>
+            <p:nvPr/>
+          </p:nvCxnSpPr>
+          <p:spPr>
+            <a:xfrm flipH="1">
+              <a:off x="5768926" y="4872660"/>
+              <a:ext cx="171210" cy="224665"/>
+            </a:xfrm>
+            <a:prstGeom prst="straightConnector1">
+              <a:avLst/>
+            </a:prstGeom>
+            <a:ln w="28575">
+              <a:solidFill>
+                <a:srgbClr val="00B050"/>
+              </a:solidFill>
+              <a:tailEnd type="arrow"/>
+            </a:ln>
+          </p:spPr>
+          <p:style>
+            <a:lnRef idx="1">
+              <a:schemeClr val="accent1"/>
+            </a:lnRef>
+            <a:fillRef idx="0">
+              <a:schemeClr val="accent1"/>
+            </a:fillRef>
+            <a:effectRef idx="0">
+              <a:schemeClr val="accent1"/>
+            </a:effectRef>
+            <a:fontRef idx="minor">
+              <a:schemeClr val="tx1"/>
+            </a:fontRef>
+          </p:style>
+        </p:cxnSp>
+      </p:grpSp>
+      <p:grpSp>
+        <p:nvGrpSpPr>
+          <p:cNvPr id="123" name="グループ化 122"/>
+          <p:cNvGrpSpPr/>
+          <p:nvPr/>
+        </p:nvGrpSpPr>
+        <p:grpSpPr>
+          <a:xfrm>
+            <a:off x="403488" y="954849"/>
+            <a:ext cx="709765" cy="702594"/>
+            <a:chOff x="624310" y="1014327"/>
+            <a:chExt cx="709765" cy="702594"/>
+          </a:xfrm>
+        </p:grpSpPr>
+        <p:grpSp>
+          <p:nvGrpSpPr>
+            <p:cNvPr id="111" name="グループ化 110"/>
+            <p:cNvGrpSpPr/>
+            <p:nvPr/>
+          </p:nvGrpSpPr>
+          <p:grpSpPr>
+            <a:xfrm>
+              <a:off x="843249" y="1014327"/>
+              <a:ext cx="273030" cy="364040"/>
+              <a:chOff x="6386074" y="864225"/>
+              <a:chExt cx="273030" cy="364040"/>
+            </a:xfrm>
+          </p:grpSpPr>
+          <p:sp>
+            <p:nvSpPr>
+              <p:cNvPr id="109" name="二等辺三角形 108"/>
+              <p:cNvSpPr/>
+              <p:nvPr/>
+            </p:nvSpPr>
+            <p:spPr>
+              <a:xfrm>
+                <a:off x="6386074" y="864225"/>
+                <a:ext cx="273030" cy="364040"/>
+              </a:xfrm>
+              <a:prstGeom prst="triangle">
+                <a:avLst/>
+              </a:prstGeom>
+              <a:solidFill>
+                <a:schemeClr val="bg1"/>
+              </a:solidFill>
+              <a:ln>
+                <a:solidFill>
+                  <a:schemeClr val="tx1"/>
+                </a:solidFill>
+              </a:ln>
+            </p:spPr>
+            <p:style>
+              <a:lnRef idx="2">
+                <a:schemeClr val="accent1">
+                  <a:shade val="50000"/>
+                </a:schemeClr>
+              </a:lnRef>
+              <a:fillRef idx="1">
+                <a:schemeClr val="accent1"/>
+              </a:fillRef>
+              <a:effectRef idx="0">
+                <a:schemeClr val="accent1"/>
+              </a:effectRef>
+              <a:fontRef idx="minor">
+                <a:schemeClr val="lt1"/>
+              </a:fontRef>
+            </p:style>
+            <p:txBody>
+              <a:bodyPr rtlCol="0" anchor="ctr"/>
+              <a:lstStyle/>
+              <a:p>
+                <a:pPr algn="ctr"/>
+                <a:endParaRPr kumimoji="1" lang="ja-JP" altLang="en-US"/>
+              </a:p>
+            </p:txBody>
+          </p:sp>
+          <p:sp>
+            <p:nvSpPr>
+              <p:cNvPr id="110" name="円/楕円 109"/>
+              <p:cNvSpPr/>
+              <p:nvPr/>
+            </p:nvSpPr>
+            <p:spPr>
+              <a:xfrm>
+                <a:off x="6461916" y="1076582"/>
+                <a:ext cx="121347" cy="121347"/>
+              </a:xfrm>
+              <a:prstGeom prst="ellipse">
+                <a:avLst/>
+              </a:prstGeom>
+              <a:solidFill>
+                <a:schemeClr val="accent1"/>
+              </a:solidFill>
+              <a:ln>
+                <a:solidFill>
+                  <a:schemeClr val="tx2"/>
+                </a:solidFill>
+              </a:ln>
+            </p:spPr>
+            <p:style>
+              <a:lnRef idx="2">
+                <a:schemeClr val="accent1">
+                  <a:shade val="50000"/>
+                </a:schemeClr>
+              </a:lnRef>
+              <a:fillRef idx="1">
+                <a:schemeClr val="accent1"/>
+              </a:fillRef>
+              <a:effectRef idx="0">
+                <a:schemeClr val="accent1"/>
+              </a:effectRef>
+              <a:fontRef idx="minor">
+                <a:schemeClr val="lt1"/>
+              </a:fontRef>
+            </p:style>
+            <p:txBody>
+              <a:bodyPr rtlCol="0" anchor="ctr"/>
+              <a:lstStyle/>
+              <a:p>
+                <a:pPr algn="ctr"/>
+                <a:endParaRPr kumimoji="1" lang="ja-JP" altLang="en-US"/>
+              </a:p>
+            </p:txBody>
+          </p:sp>
+        </p:grpSp>
+        <p:sp>
+          <p:nvSpPr>
+            <p:cNvPr id="122" name="テキスト ボックス 121"/>
+            <p:cNvSpPr txBox="1"/>
+            <p:nvPr/>
+          </p:nvSpPr>
+          <p:spPr>
+            <a:xfrm>
+              <a:off x="624310" y="1378367"/>
+              <a:ext cx="709765" cy="338554"/>
+            </a:xfrm>
+            <a:prstGeom prst="rect">
+              <a:avLst/>
+            </a:prstGeom>
+            <a:noFill/>
+          </p:spPr>
+          <p:txBody>
+            <a:bodyPr wrap="square" rtlCol="0">
+              <a:spAutoFit/>
+            </a:bodyPr>
+            <a:lstStyle/>
+            <a:p>
+              <a:pPr algn="ctr"/>
+              <a:r>
+                <a:rPr kumimoji="1" lang="ja-JP" altLang="en-US" sz="1600" dirty="0" smtClean="0"/>
+                <a:t>自機</a:t>
+              </a:r>
+              <a:endParaRPr kumimoji="1" lang="ja-JP" altLang="en-US" sz="1600" dirty="0"/>
+            </a:p>
+          </p:txBody>
+        </p:sp>
+      </p:grpSp>
+      <p:grpSp>
+        <p:nvGrpSpPr>
+          <p:cNvPr id="125" name="グループ化 124"/>
+          <p:cNvGrpSpPr/>
+          <p:nvPr/>
+        </p:nvGrpSpPr>
+        <p:grpSpPr>
+          <a:xfrm>
+            <a:off x="404701" y="1767472"/>
+            <a:ext cx="709765" cy="719334"/>
+            <a:chOff x="331886" y="1767472"/>
+            <a:chExt cx="709765" cy="719334"/>
+          </a:xfrm>
+        </p:grpSpPr>
+        <p:sp>
+          <p:nvSpPr>
+            <p:cNvPr id="87" name="正方形/長方形 86"/>
+            <p:cNvSpPr/>
+            <p:nvPr/>
+          </p:nvSpPr>
+          <p:spPr>
+            <a:xfrm>
+              <a:off x="364159" y="1767472"/>
+              <a:ext cx="640368" cy="376949"/>
+            </a:xfrm>
+            <a:prstGeom prst="rect">
+              <a:avLst/>
+            </a:prstGeom>
+            <a:solidFill>
+              <a:srgbClr val="FFFF00"/>
+            </a:solidFill>
+            <a:ln>
+              <a:noFill/>
+            </a:ln>
+          </p:spPr>
+          <p:style>
+            <a:lnRef idx="2">
+              <a:schemeClr val="accent1">
+                <a:shade val="50000"/>
+              </a:schemeClr>
+            </a:lnRef>
+            <a:fillRef idx="1">
+              <a:schemeClr val="accent1"/>
+            </a:fillRef>
+            <a:effectRef idx="0">
+              <a:schemeClr val="accent1"/>
+            </a:effectRef>
+            <a:fontRef idx="minor">
+              <a:schemeClr val="lt1"/>
+            </a:fontRef>
+          </p:style>
+          <p:txBody>
+            <a:bodyPr rtlCol="0" anchor="ctr"/>
+            <a:lstStyle/>
+            <a:p>
+              <a:pPr algn="ctr"/>
+              <a:endParaRPr kumimoji="1" lang="ja-JP" altLang="en-US"/>
+            </a:p>
+          </p:txBody>
+        </p:sp>
+        <p:sp>
+          <p:nvSpPr>
+            <p:cNvPr id="124" name="テキスト ボックス 123"/>
+            <p:cNvSpPr txBox="1"/>
+            <p:nvPr/>
+          </p:nvSpPr>
+          <p:spPr>
+            <a:xfrm>
+              <a:off x="331886" y="2148252"/>
+              <a:ext cx="709765" cy="338554"/>
+            </a:xfrm>
+            <a:prstGeom prst="rect">
+              <a:avLst/>
+            </a:prstGeom>
+            <a:noFill/>
+          </p:spPr>
+          <p:txBody>
+            <a:bodyPr wrap="square" rtlCol="0">
+              <a:spAutoFit/>
+            </a:bodyPr>
+            <a:lstStyle/>
+            <a:p>
+              <a:pPr algn="ctr"/>
+              <a:r>
+                <a:rPr lang="ja-JP" altLang="en-US" sz="1600" dirty="0" smtClean="0"/>
+                <a:t>壁</a:t>
+              </a:r>
+              <a:endParaRPr kumimoji="1" lang="ja-JP" altLang="en-US" sz="1600" dirty="0"/>
+            </a:p>
+          </p:txBody>
+        </p:sp>
+      </p:grpSp>
+      <p:grpSp>
+        <p:nvGrpSpPr>
+          <p:cNvPr id="127" name="グループ化 126"/>
+          <p:cNvGrpSpPr/>
+          <p:nvPr/>
+        </p:nvGrpSpPr>
+        <p:grpSpPr>
+          <a:xfrm>
+            <a:off x="-67309" y="2588788"/>
+            <a:ext cx="1648934" cy="673591"/>
+            <a:chOff x="-140124" y="2567804"/>
+            <a:chExt cx="1648934" cy="673591"/>
+          </a:xfrm>
+        </p:grpSpPr>
+        <p:sp>
+          <p:nvSpPr>
+            <p:cNvPr id="88" name="ひし形 87"/>
+            <p:cNvSpPr/>
+            <p:nvPr/>
+          </p:nvSpPr>
+          <p:spPr>
+            <a:xfrm>
+              <a:off x="254720" y="2567804"/>
+              <a:ext cx="864096" cy="300203"/>
+            </a:xfrm>
+            <a:prstGeom prst="diamond">
+              <a:avLst/>
+            </a:prstGeom>
+            <a:solidFill>
+              <a:srgbClr val="00B050"/>
+            </a:solidFill>
+            <a:ln>
+              <a:noFill/>
+            </a:ln>
+          </p:spPr>
+          <p:style>
+            <a:lnRef idx="2">
+              <a:schemeClr val="accent1">
+                <a:shade val="50000"/>
+              </a:schemeClr>
+            </a:lnRef>
+            <a:fillRef idx="1">
+              <a:schemeClr val="accent1"/>
+            </a:fillRef>
+            <a:effectRef idx="0">
+              <a:schemeClr val="accent1"/>
+            </a:effectRef>
+            <a:fontRef idx="minor">
+              <a:schemeClr val="lt1"/>
+            </a:fontRef>
+          </p:style>
+          <p:txBody>
+            <a:bodyPr rtlCol="0" anchor="ctr"/>
+            <a:lstStyle/>
+            <a:p>
+              <a:pPr algn="ctr"/>
+              <a:endParaRPr kumimoji="1" lang="ja-JP" altLang="en-US"/>
+            </a:p>
+          </p:txBody>
+        </p:sp>
+        <p:sp>
+          <p:nvSpPr>
+            <p:cNvPr id="126" name="テキスト ボックス 125"/>
+            <p:cNvSpPr txBox="1"/>
+            <p:nvPr/>
+          </p:nvSpPr>
+          <p:spPr>
+            <a:xfrm>
+              <a:off x="-140124" y="2902841"/>
+              <a:ext cx="1648934" cy="338554"/>
+            </a:xfrm>
+            <a:prstGeom prst="rect">
+              <a:avLst/>
+            </a:prstGeom>
+            <a:noFill/>
+          </p:spPr>
+          <p:txBody>
+            <a:bodyPr wrap="square" rtlCol="0">
+              <a:spAutoFit/>
+            </a:bodyPr>
+            <a:lstStyle/>
+            <a:p>
+              <a:pPr algn="ctr"/>
+              <a:r>
+                <a:rPr lang="ja-JP" altLang="en-US" sz="1600" dirty="0" smtClean="0"/>
+                <a:t>チェックポイント</a:t>
+              </a:r>
+              <a:endParaRPr kumimoji="1" lang="ja-JP" altLang="en-US" sz="1600" dirty="0"/>
+            </a:p>
+          </p:txBody>
+        </p:sp>
+      </p:grpSp>
+      <p:grpSp>
+        <p:nvGrpSpPr>
+          <p:cNvPr id="129" name="グループ化 128"/>
+          <p:cNvGrpSpPr/>
+          <p:nvPr/>
+        </p:nvGrpSpPr>
+        <p:grpSpPr>
+          <a:xfrm>
+            <a:off x="130113" y="3468052"/>
+            <a:ext cx="1254090" cy="529911"/>
+            <a:chOff x="57298" y="3468052"/>
+            <a:chExt cx="1254090" cy="529911"/>
+          </a:xfrm>
+        </p:grpSpPr>
+        <p:sp>
+          <p:nvSpPr>
+            <p:cNvPr id="86" name="円/楕円 85"/>
+            <p:cNvSpPr/>
+            <p:nvPr/>
+          </p:nvSpPr>
+          <p:spPr>
+            <a:xfrm>
+              <a:off x="615164" y="3468052"/>
+              <a:ext cx="143207" cy="143207"/>
+            </a:xfrm>
+            <a:prstGeom prst="ellipse">
+              <a:avLst/>
+            </a:prstGeom>
+            <a:solidFill>
+              <a:schemeClr val="accent4">
+                <a:lumMod val="75000"/>
+              </a:schemeClr>
+            </a:solidFill>
+            <a:ln>
+              <a:noFill/>
+            </a:ln>
+          </p:spPr>
+          <p:style>
+            <a:lnRef idx="2">
+              <a:schemeClr val="accent1">
+                <a:shade val="50000"/>
+              </a:schemeClr>
+            </a:lnRef>
+            <a:fillRef idx="1">
+              <a:schemeClr val="accent1"/>
+            </a:fillRef>
+            <a:effectRef idx="0">
+              <a:schemeClr val="accent1"/>
+            </a:effectRef>
+            <a:fontRef idx="minor">
+              <a:schemeClr val="lt1"/>
+            </a:fontRef>
+          </p:style>
+          <p:txBody>
+            <a:bodyPr rtlCol="0" anchor="ctr"/>
+            <a:lstStyle/>
+            <a:p>
+              <a:pPr algn="ctr"/>
+              <a:endParaRPr kumimoji="1" lang="ja-JP" altLang="en-US"/>
+            </a:p>
+          </p:txBody>
+        </p:sp>
+        <p:sp>
+          <p:nvSpPr>
+            <p:cNvPr id="128" name="テキスト ボックス 127"/>
+            <p:cNvSpPr txBox="1"/>
+            <p:nvPr/>
+          </p:nvSpPr>
+          <p:spPr>
+            <a:xfrm>
+              <a:off x="57298" y="3659409"/>
+              <a:ext cx="1254090" cy="338554"/>
+            </a:xfrm>
+            <a:prstGeom prst="rect">
+              <a:avLst/>
+            </a:prstGeom>
+            <a:noFill/>
+          </p:spPr>
+          <p:txBody>
+            <a:bodyPr wrap="square" rtlCol="0">
+              <a:spAutoFit/>
+            </a:bodyPr>
+            <a:lstStyle/>
+            <a:p>
+              <a:pPr algn="ctr"/>
+              <a:r>
+                <a:rPr kumimoji="1" lang="ja-JP" altLang="en-US" sz="1600" dirty="0" smtClean="0"/>
+                <a:t>アイテム</a:t>
+              </a:r>
+              <a:endParaRPr kumimoji="1" lang="ja-JP" altLang="en-US" sz="1600" dirty="0"/>
+            </a:p>
+          </p:txBody>
+        </p:sp>
+      </p:grpSp>
+      <p:grpSp>
+        <p:nvGrpSpPr>
+          <p:cNvPr id="131" name="グループ化 130"/>
+          <p:cNvGrpSpPr/>
+          <p:nvPr/>
+        </p:nvGrpSpPr>
+        <p:grpSpPr>
+          <a:xfrm>
+            <a:off x="130113" y="4093138"/>
+            <a:ext cx="1254090" cy="846760"/>
+            <a:chOff x="57298" y="4093138"/>
+            <a:chExt cx="1254090" cy="846760"/>
+          </a:xfrm>
+        </p:grpSpPr>
+        <p:sp>
+          <p:nvSpPr>
+            <p:cNvPr id="89" name="星 7 88"/>
+            <p:cNvSpPr/>
+            <p:nvPr/>
+          </p:nvSpPr>
+          <p:spPr>
+            <a:xfrm>
+              <a:off x="452742" y="4093138"/>
+              <a:ext cx="468052" cy="468052"/>
+            </a:xfrm>
+            <a:prstGeom prst="star7">
+              <a:avLst/>
+            </a:prstGeom>
+            <a:solidFill>
+              <a:srgbClr val="FF0000"/>
+            </a:solidFill>
+            <a:ln>
+              <a:solidFill>
+                <a:srgbClr val="FFFF00"/>
+              </a:solidFill>
+            </a:ln>
+          </p:spPr>
+          <p:style>
+            <a:lnRef idx="2">
+              <a:schemeClr val="accent1">
+                <a:shade val="50000"/>
+              </a:schemeClr>
+            </a:lnRef>
+            <a:fillRef idx="1">
+              <a:schemeClr val="accent1"/>
+            </a:fillRef>
+            <a:effectRef idx="0">
+              <a:schemeClr val="accent1"/>
+            </a:effectRef>
+            <a:fontRef idx="minor">
+              <a:schemeClr val="lt1"/>
+            </a:fontRef>
+          </p:style>
+          <p:txBody>
+            <a:bodyPr rtlCol="0" anchor="ctr"/>
+            <a:lstStyle/>
+            <a:p>
+              <a:pPr algn="ctr"/>
+              <a:endParaRPr kumimoji="1" lang="ja-JP" altLang="en-US"/>
+            </a:p>
+          </p:txBody>
+        </p:sp>
+        <p:sp>
+          <p:nvSpPr>
+            <p:cNvPr id="130" name="テキスト ボックス 129"/>
+            <p:cNvSpPr txBox="1"/>
+            <p:nvPr/>
+          </p:nvSpPr>
+          <p:spPr>
+            <a:xfrm>
+              <a:off x="57298" y="4601344"/>
+              <a:ext cx="1254090" cy="338554"/>
+            </a:xfrm>
+            <a:prstGeom prst="rect">
+              <a:avLst/>
+            </a:prstGeom>
+            <a:noFill/>
+          </p:spPr>
+          <p:txBody>
+            <a:bodyPr wrap="square" rtlCol="0">
+              <a:spAutoFit/>
+            </a:bodyPr>
+            <a:lstStyle/>
+            <a:p>
+              <a:pPr algn="ctr"/>
+              <a:r>
+                <a:rPr lang="ja-JP" altLang="en-US" sz="1600" dirty="0" smtClean="0"/>
+                <a:t>機雷</a:t>
+              </a:r>
+              <a:endParaRPr kumimoji="1" lang="ja-JP" altLang="en-US" sz="1600" dirty="0"/>
+            </a:p>
+          </p:txBody>
+        </p:sp>
+      </p:grpSp>
+      <p:grpSp>
+        <p:nvGrpSpPr>
+          <p:cNvPr id="133" name="グループ化 132"/>
+          <p:cNvGrpSpPr/>
+          <p:nvPr/>
+        </p:nvGrpSpPr>
+        <p:grpSpPr>
+          <a:xfrm>
+            <a:off x="132771" y="4898231"/>
+            <a:ext cx="1254090" cy="1469846"/>
+            <a:chOff x="59956" y="4898231"/>
+            <a:chExt cx="1254090" cy="1469846"/>
+          </a:xfrm>
+        </p:grpSpPr>
+        <p:grpSp>
+          <p:nvGrpSpPr>
+            <p:cNvPr id="90" name="グループ化 89"/>
+            <p:cNvGrpSpPr/>
+            <p:nvPr/>
+          </p:nvGrpSpPr>
+          <p:grpSpPr>
+            <a:xfrm>
+              <a:off x="135062" y="4898231"/>
+              <a:ext cx="1103412" cy="1103412"/>
+              <a:chOff x="4211960" y="1500097"/>
+              <a:chExt cx="2664296" cy="2664296"/>
+            </a:xfrm>
+          </p:grpSpPr>
+          <p:grpSp>
+            <p:nvGrpSpPr>
+              <p:cNvPr id="91" name="グループ化 90"/>
+              <p:cNvGrpSpPr/>
+              <p:nvPr/>
+            </p:nvGrpSpPr>
+            <p:grpSpPr>
+              <a:xfrm>
+                <a:off x="4211960" y="1500097"/>
+                <a:ext cx="2664296" cy="2664296"/>
+                <a:chOff x="2375756" y="3825044"/>
+                <a:chExt cx="2664296" cy="2664296"/>
+              </a:xfrm>
+            </p:grpSpPr>
+            <p:sp>
+              <p:nvSpPr>
+                <p:cNvPr id="93" name="円/楕円 92"/>
+                <p:cNvSpPr/>
+                <p:nvPr/>
+              </p:nvSpPr>
+              <p:spPr>
+                <a:xfrm>
+                  <a:off x="2375756" y="3825044"/>
+                  <a:ext cx="2664296" cy="2664296"/>
+                </a:xfrm>
+                <a:prstGeom prst="ellipse">
+                  <a:avLst/>
+                </a:prstGeom>
+                <a:solidFill>
+                  <a:schemeClr val="tx2">
+                    <a:lumMod val="20000"/>
+                    <a:lumOff val="80000"/>
+                  </a:schemeClr>
+                </a:solidFill>
+              </p:spPr>
+              <p:style>
+                <a:lnRef idx="2">
+                  <a:schemeClr val="accent1">
+                    <a:shade val="50000"/>
+                  </a:schemeClr>
+                </a:lnRef>
+                <a:fillRef idx="1">
+                  <a:schemeClr val="accent1"/>
+                </a:fillRef>
+                <a:effectRef idx="0">
+                  <a:schemeClr val="accent1"/>
+                </a:effectRef>
+                <a:fontRef idx="minor">
+                  <a:schemeClr val="lt1"/>
+                </a:fontRef>
+              </p:style>
+              <p:txBody>
+                <a:bodyPr rtlCol="0" anchor="ctr"/>
+                <a:lstStyle/>
+                <a:p>
+                  <a:pPr algn="ctr"/>
+                  <a:endParaRPr kumimoji="1" lang="ja-JP" altLang="en-US"/>
+                </a:p>
+              </p:txBody>
+            </p:sp>
+            <p:sp>
+              <p:nvSpPr>
+                <p:cNvPr id="94" name="円/楕円 93"/>
+                <p:cNvSpPr/>
+                <p:nvPr/>
+              </p:nvSpPr>
+              <p:spPr>
+                <a:xfrm>
+                  <a:off x="2771800" y="4220524"/>
+                  <a:ext cx="1873335" cy="1873335"/>
+                </a:xfrm>
+                <a:prstGeom prst="ellipse">
+                  <a:avLst/>
+                </a:prstGeom>
+                <a:solidFill>
+                  <a:schemeClr val="tx2">
+                    <a:lumMod val="60000"/>
+                    <a:lumOff val="40000"/>
+                  </a:schemeClr>
+                </a:solidFill>
+              </p:spPr>
+              <p:style>
+                <a:lnRef idx="2">
+                  <a:schemeClr val="accent1">
+                    <a:shade val="50000"/>
+                  </a:schemeClr>
+                </a:lnRef>
+                <a:fillRef idx="1">
+                  <a:schemeClr val="accent1"/>
+                </a:fillRef>
+                <a:effectRef idx="0">
+                  <a:schemeClr val="accent1"/>
+                </a:effectRef>
+                <a:fontRef idx="minor">
+                  <a:schemeClr val="lt1"/>
+                </a:fontRef>
+              </p:style>
+              <p:txBody>
+                <a:bodyPr rtlCol="0" anchor="ctr"/>
+                <a:lstStyle/>
+                <a:p>
+                  <a:pPr algn="ctr"/>
+                  <a:endParaRPr kumimoji="1" lang="ja-JP" altLang="en-US"/>
+                </a:p>
+              </p:txBody>
+            </p:sp>
+            <p:sp>
+              <p:nvSpPr>
+                <p:cNvPr id="95" name="円/楕円 94"/>
+                <p:cNvSpPr/>
+                <p:nvPr/>
+              </p:nvSpPr>
+              <p:spPr>
+                <a:xfrm>
+                  <a:off x="3096399" y="4545124"/>
+                  <a:ext cx="1224136" cy="1224136"/>
+                </a:xfrm>
+                <a:prstGeom prst="ellipse">
+                  <a:avLst/>
+                </a:prstGeom>
+                <a:solidFill>
+                  <a:schemeClr val="tx2">
+                    <a:lumMod val="50000"/>
+                  </a:schemeClr>
+                </a:solidFill>
+              </p:spPr>
+              <p:style>
+                <a:lnRef idx="2">
+                  <a:schemeClr val="accent1">
+                    <a:shade val="50000"/>
+                  </a:schemeClr>
+                </a:lnRef>
+                <a:fillRef idx="1">
+                  <a:schemeClr val="accent1"/>
+                </a:fillRef>
+                <a:effectRef idx="0">
+                  <a:schemeClr val="accent1"/>
+                </a:effectRef>
+                <a:fontRef idx="minor">
+                  <a:schemeClr val="lt1"/>
+                </a:fontRef>
+              </p:style>
+              <p:txBody>
+                <a:bodyPr rtlCol="0" anchor="ctr"/>
+                <a:lstStyle/>
+                <a:p>
+                  <a:pPr algn="ctr"/>
+                  <a:endParaRPr kumimoji="1" lang="ja-JP" altLang="en-US"/>
+                </a:p>
+              </p:txBody>
+            </p:sp>
+          </p:grpSp>
+          <p:sp>
+            <p:nvSpPr>
+              <p:cNvPr id="92" name="円/楕円 91"/>
+              <p:cNvSpPr/>
+              <p:nvPr/>
+            </p:nvSpPr>
+            <p:spPr>
+              <a:xfrm>
+                <a:off x="5325159" y="2612733"/>
+                <a:ext cx="439023" cy="439023"/>
+              </a:xfrm>
+              <a:prstGeom prst="ellipse">
+                <a:avLst/>
+              </a:prstGeom>
+              <a:solidFill>
+                <a:srgbClr val="FF0000"/>
+              </a:solidFill>
+              <a:ln>
+                <a:solidFill>
+                  <a:srgbClr val="C00000"/>
+                </a:solidFill>
+              </a:ln>
+            </p:spPr>
+            <p:style>
+              <a:lnRef idx="2">
+                <a:schemeClr val="accent1">
+                  <a:shade val="50000"/>
+                </a:schemeClr>
+              </a:lnRef>
+              <a:fillRef idx="1">
+                <a:schemeClr val="accent1"/>
+              </a:fillRef>
+              <a:effectRef idx="0">
+                <a:schemeClr val="accent1"/>
+              </a:effectRef>
+              <a:fontRef idx="minor">
+                <a:schemeClr val="lt1"/>
+              </a:fontRef>
+            </p:style>
+            <p:txBody>
+              <a:bodyPr rtlCol="0" anchor="ctr"/>
+              <a:lstStyle/>
+              <a:p>
+                <a:pPr algn="ctr"/>
+                <a:r>
+                  <a:rPr kumimoji="1" lang="en-US" altLang="ja-JP" dirty="0" smtClean="0"/>
+                  <a:t>N</a:t>
+                </a:r>
+                <a:endParaRPr kumimoji="1" lang="ja-JP" altLang="en-US" dirty="0"/>
+              </a:p>
+            </p:txBody>
+          </p:sp>
+        </p:grpSp>
+        <p:sp>
+          <p:nvSpPr>
+            <p:cNvPr id="132" name="テキスト ボックス 131"/>
+            <p:cNvSpPr txBox="1"/>
+            <p:nvPr/>
+          </p:nvSpPr>
+          <p:spPr>
+            <a:xfrm>
+              <a:off x="59956" y="6029523"/>
+              <a:ext cx="1254090" cy="338554"/>
+            </a:xfrm>
+            <a:prstGeom prst="rect">
+              <a:avLst/>
+            </a:prstGeom>
+            <a:noFill/>
+          </p:spPr>
+          <p:txBody>
+            <a:bodyPr wrap="square" rtlCol="0">
+              <a:spAutoFit/>
+            </a:bodyPr>
+            <a:lstStyle/>
+            <a:p>
+              <a:pPr algn="ctr"/>
+              <a:r>
+                <a:rPr kumimoji="1" lang="ja-JP" altLang="en-US" sz="1600" dirty="0" smtClean="0"/>
+                <a:t>磁界</a:t>
+              </a:r>
+              <a:endParaRPr kumimoji="1" lang="ja-JP" altLang="en-US" sz="1600" dirty="0"/>
+            </a:p>
+          </p:txBody>
+        </p:sp>
+      </p:grpSp>
+    </p:spTree>
+    <p:extLst>
+      <p:ext uri="{BB962C8B-B14F-4D97-AF65-F5344CB8AC3E}">
+        <p14:creationId xmlns:p14="http://schemas.microsoft.com/office/powerpoint/2010/main" val="1984980315"/>
+      </p:ext>
+    </p:extLst>
+  </p:cSld>
+  <p:clrMapOvr>
+    <a:masterClrMapping/>
+  </p:clrMapOvr>
+</p:sld>
+</file>
+
 <file path=ppt/slides/slide4.xml><?xml version="1.0" encoding="utf-8"?>
 <p:sld xmlns:a="http://schemas.openxmlformats.org/drawingml/2006/main" xmlns:r="http://schemas.openxmlformats.org/officeDocument/2006/relationships" xmlns:p="http://schemas.openxmlformats.org/presentationml/2006/main">
   <p:cSld>
@@ -28863,7 +33401,15 @@
           <a:p>
             <a:r>
               <a:rPr lang="ja-JP" altLang="en-US" dirty="0" smtClean="0"/>
-              <a:t>スクロールについて＿１</a:t>
+              <a:t>スクロール</a:t>
+            </a:r>
+            <a:r>
+              <a:rPr lang="ja-JP" altLang="en-US" smtClean="0"/>
+              <a:t>に</a:t>
+            </a:r>
+            <a:r>
+              <a:rPr lang="ja-JP" altLang="en-US" smtClean="0"/>
+              <a:t>ついて</a:t>
             </a:r>
             <a:endParaRPr kumimoji="1" lang="ja-JP" altLang="en-US" dirty="0"/>
           </a:p>
